--- a/git및github첫걸음1-git사용하기.pptx
+++ b/git및github첫걸음1-git사용하기.pptx
@@ -5,7 +5,7 @@
     <p:sldMasterId id="2147483660" r:id="rId1"/>
   </p:sldMasterIdLst>
   <p:notesMasterIdLst>
-    <p:notesMasterId r:id="rId64"/>
+    <p:notesMasterId r:id="rId65"/>
   </p:notesMasterIdLst>
   <p:sldIdLst>
     <p:sldId id="256" r:id="rId2"/>
@@ -66,10 +66,11 @@
     <p:sldId id="334" r:id="rId57"/>
     <p:sldId id="295" r:id="rId58"/>
     <p:sldId id="327" r:id="rId59"/>
-    <p:sldId id="339" r:id="rId60"/>
-    <p:sldId id="341" r:id="rId61"/>
-    <p:sldId id="340" r:id="rId62"/>
-    <p:sldId id="294" r:id="rId63"/>
+    <p:sldId id="342" r:id="rId60"/>
+    <p:sldId id="339" r:id="rId61"/>
+    <p:sldId id="341" r:id="rId62"/>
+    <p:sldId id="340" r:id="rId63"/>
+    <p:sldId id="294" r:id="rId64"/>
   </p:sldIdLst>
   <p:sldSz cx="9144000" cy="6858000" type="screen4x3"/>
   <p:notesSz cx="6858000" cy="9144000"/>
@@ -269,7 +270,7 @@
           <a:p>
             <a:fld id="{A17B9194-BDE3-40E3-983E-94CE6FA773AF}" type="datetimeFigureOut">
               <a:rPr lang="ko-KR" altLang="en-US" smtClean="0"/>
-              <a:t>2021-04-02</a:t>
+              <a:t>2021-04-03</a:t>
             </a:fld>
             <a:endParaRPr lang="ko-KR" altLang="en-US"/>
           </a:p>
@@ -6246,6 +6247,90 @@
     <p:extLst>
       <p:ext uri="{BB962C8B-B14F-4D97-AF65-F5344CB8AC3E}">
         <p14:creationId xmlns:p14="http://schemas.microsoft.com/office/powerpoint/2010/main" val="138712699"/>
+      </p:ext>
+    </p:extLst>
+  </p:cSld>
+  <p:clrMapOvr>
+    <a:masterClrMapping/>
+  </p:clrMapOvr>
+</p:notes>
+</file>
+
+<file path=ppt/notesSlides/notesSlide58.xml><?xml version="1.0" encoding="utf-8"?>
+<p:notes xmlns:a="http://schemas.openxmlformats.org/drawingml/2006/main" xmlns:r="http://schemas.openxmlformats.org/officeDocument/2006/relationships" xmlns:p="http://schemas.openxmlformats.org/presentationml/2006/main">
+  <p:cSld>
+    <p:spTree>
+      <p:nvGrpSpPr>
+        <p:cNvPr id="1" name=""/>
+        <p:cNvGrpSpPr/>
+        <p:nvPr/>
+      </p:nvGrpSpPr>
+      <p:grpSpPr>
+        <a:xfrm>
+          <a:off x="0" y="0"/>
+          <a:ext cx="0" cy="0"/>
+          <a:chOff x="0" y="0"/>
+          <a:chExt cx="0" cy="0"/>
+        </a:xfrm>
+      </p:grpSpPr>
+      <p:sp>
+        <p:nvSpPr>
+          <p:cNvPr id="2" name="슬라이드 이미지 개체 틀 1"/>
+          <p:cNvSpPr>
+            <a:spLocks noGrp="1" noRot="1" noChangeAspect="1"/>
+          </p:cNvSpPr>
+          <p:nvPr>
+            <p:ph type="sldImg"/>
+          </p:nvPr>
+        </p:nvSpPr>
+        <p:spPr/>
+      </p:sp>
+      <p:sp>
+        <p:nvSpPr>
+          <p:cNvPr id="3" name="슬라이드 노트 개체 틀 2"/>
+          <p:cNvSpPr>
+            <a:spLocks noGrp="1"/>
+          </p:cNvSpPr>
+          <p:nvPr>
+            <p:ph type="body" idx="1"/>
+          </p:nvPr>
+        </p:nvSpPr>
+        <p:spPr/>
+        <p:txBody>
+          <a:bodyPr/>
+          <a:lstStyle/>
+          <a:p>
+            <a:endParaRPr lang="ko-KR" altLang="en-US" dirty="0"/>
+          </a:p>
+        </p:txBody>
+      </p:sp>
+      <p:sp>
+        <p:nvSpPr>
+          <p:cNvPr id="4" name="슬라이드 번호 개체 틀 3"/>
+          <p:cNvSpPr>
+            <a:spLocks noGrp="1"/>
+          </p:cNvSpPr>
+          <p:nvPr>
+            <p:ph type="sldNum" sz="quarter" idx="5"/>
+          </p:nvPr>
+        </p:nvSpPr>
+        <p:spPr/>
+        <p:txBody>
+          <a:bodyPr/>
+          <a:lstStyle/>
+          <a:p>
+            <a:fld id="{625D4AC4-540A-4436-887D-BF6A8FCF1275}" type="slidenum">
+              <a:rPr lang="ko-KR" altLang="en-US" smtClean="0"/>
+              <a:t>59</a:t>
+            </a:fld>
+            <a:endParaRPr lang="ko-KR" altLang="en-US"/>
+          </a:p>
+        </p:txBody>
+      </p:sp>
+    </p:spTree>
+    <p:extLst>
+      <p:ext uri="{BB962C8B-B14F-4D97-AF65-F5344CB8AC3E}">
+        <p14:creationId xmlns:p14="http://schemas.microsoft.com/office/powerpoint/2010/main" val="4157053321"/>
       </p:ext>
     </p:extLst>
   </p:cSld>
@@ -45444,6 +45529,12 @@
               </a:rPr>
               <a:t>하지 않은 수정한 파일만 저장</a:t>
             </a:r>
+            <a:r>
+              <a:rPr lang="en-US" altLang="ko-KR" dirty="0">
+                <a:latin typeface="+mn-ea"/>
+              </a:rPr>
+              <a:t/>
+            </a:r>
             <a:br>
               <a:rPr lang="en-US" altLang="ko-KR" dirty="0">
                 <a:latin typeface="+mn-ea"/>
@@ -45586,6 +45677,12 @@
                 <a:latin typeface="+mn-ea"/>
               </a:rPr>
               <a:t>을 동시에 수행하는 명령어</a:t>
+            </a:r>
+            <a:r>
+              <a:rPr lang="en-US" altLang="ko-KR" dirty="0">
+                <a:latin typeface="+mn-ea"/>
+              </a:rPr>
+              <a:t/>
             </a:r>
             <a:br>
               <a:rPr lang="en-US" altLang="ko-KR" dirty="0">
@@ -45680,53 +45777,916 @@
           <a:lstStyle/>
           <a:p>
             <a:r>
-              <a:rPr lang="ko-KR" altLang="en-US" dirty="0"/>
-              <a:t>복습 </a:t>
-            </a:r>
-            <a:r>
-              <a:rPr lang="en-US" altLang="ko-KR" dirty="0"/>
-              <a:t>&amp;</a:t>
+              <a:rPr lang="ko-KR" altLang="en-US" dirty="0" smtClean="0"/>
+              <a:t>파일 삭제</a:t>
+            </a:r>
+            <a:r>
+              <a:rPr lang="en-US" altLang="ko-KR" dirty="0" smtClean="0"/>
+              <a:t> </a:t>
+            </a:r>
+            <a:r>
+              <a:rPr lang="ko-KR" altLang="en-US" dirty="0" smtClean="0"/>
+              <a:t> </a:t>
             </a:r>
             <a:endParaRPr lang="ko-KR" altLang="en-US" dirty="0"/>
           </a:p>
         </p:txBody>
       </p:sp>
-      <p:pic>
-        <p:nvPicPr>
-          <p:cNvPr id="3" name="그림 2">
+      <p:sp>
+        <p:nvSpPr>
+          <p:cNvPr id="5" name="내용 개체 틀 4">
             <a:extLst>
               <a:ext uri="{FF2B5EF4-FFF2-40B4-BE49-F238E27FC236}">
-                <a16:creationId xmlns:a16="http://schemas.microsoft.com/office/drawing/2014/main" id="{081AFC1A-AA20-4AA5-812B-B5483AD4CC5E}"/>
+                <a16:creationId xmlns:a16="http://schemas.microsoft.com/office/drawing/2014/main" id="{FDF69C25-9F43-470B-8A20-AEDC0F371CCD}"/>
               </a:ext>
             </a:extLst>
           </p:cNvPr>
-          <p:cNvPicPr>
-            <a:picLocks noChangeAspect="1"/>
-          </p:cNvPicPr>
-          <p:nvPr/>
-        </p:nvPicPr>
-        <p:blipFill>
-          <a:blip r:embed="rId2"/>
-          <a:stretch>
-            <a:fillRect/>
-          </a:stretch>
-        </p:blipFill>
+          <p:cNvSpPr>
+            <a:spLocks noGrp="1"/>
+          </p:cNvSpPr>
+          <p:nvPr>
+            <p:ph idx="1"/>
+          </p:nvPr>
+        </p:nvSpPr>
         <p:spPr>
           <a:xfrm>
-            <a:off x="2252662" y="1943100"/>
-            <a:ext cx="4638675" cy="2971800"/>
+            <a:off x="250825" y="1000220"/>
+            <a:ext cx="8641655" cy="4763581"/>
           </a:xfrm>
-          <a:prstGeom prst="rect">
-            <a:avLst/>
-          </a:prstGeom>
         </p:spPr>
-      </p:pic>
-      <p:sp>
-        <p:nvSpPr>
-          <p:cNvPr id="5" name="슬라이드 번호 개체 틀 4">
+        <p:txBody>
+          <a:bodyPr>
+            <a:noAutofit/>
+          </a:bodyPr>
+          <a:lstStyle/>
+          <a:p>
+            <a:pPr>
+              <a:spcBef>
+                <a:spcPct val="0"/>
+              </a:spcBef>
+              <a:buClr>
+                <a:schemeClr val="tx1">
+                  <a:lumMod val="65000"/>
+                  <a:lumOff val="35000"/>
+                </a:schemeClr>
+              </a:buClr>
+            </a:pPr>
+            <a:r>
+              <a:rPr lang="ko-KR" altLang="en-US" dirty="0" err="1" smtClean="0"/>
+              <a:t>브랜치에서</a:t>
+            </a:r>
+            <a:r>
+              <a:rPr lang="ko-KR" altLang="en-US" dirty="0" smtClean="0"/>
+              <a:t> 삭제할 때 </a:t>
+            </a:r>
+            <a:r>
+              <a:rPr lang="en-US" altLang="ko-KR" dirty="0" smtClean="0"/>
+              <a:t>main</a:t>
+            </a:r>
+            <a:r>
+              <a:rPr lang="ko-KR" altLang="en-US" dirty="0" smtClean="0"/>
+              <a:t>에도 영향을 줌</a:t>
+            </a:r>
+            <a:endParaRPr lang="ko-KR" altLang="en-US" dirty="0">
+              <a:solidFill>
+                <a:srgbClr val="FF0000"/>
+              </a:solidFill>
+            </a:endParaRPr>
+          </a:p>
+          <a:p>
+            <a:pPr lvl="1">
+              <a:spcBef>
+                <a:spcPts val="0"/>
+              </a:spcBef>
+              <a:spcAft>
+                <a:spcPts val="0"/>
+              </a:spcAft>
+              <a:buClr>
+                <a:schemeClr val="tx1">
+                  <a:lumMod val="50000"/>
+                  <a:lumOff val="50000"/>
+                </a:schemeClr>
+              </a:buClr>
+            </a:pPr>
+            <a:r>
+              <a:rPr lang="en-US" altLang="ko-KR" dirty="0" smtClean="0">
+                <a:latin typeface="+mn-ea"/>
+              </a:rPr>
+              <a:t>Rm </a:t>
+            </a:r>
+            <a:r>
+              <a:rPr lang="ko-KR" altLang="en-US" dirty="0" smtClean="0">
+                <a:latin typeface="+mn-ea"/>
+              </a:rPr>
+              <a:t>후 마지막은 항상 </a:t>
+            </a:r>
+            <a:r>
+              <a:rPr lang="en-US" altLang="ko-KR" dirty="0" smtClean="0">
+                <a:latin typeface="+mn-ea"/>
+              </a:rPr>
+              <a:t>commit!</a:t>
+            </a:r>
+          </a:p>
+          <a:p>
+            <a:pPr marL="266700" lvl="1" indent="0">
+              <a:spcBef>
+                <a:spcPts val="0"/>
+              </a:spcBef>
+              <a:spcAft>
+                <a:spcPts val="0"/>
+              </a:spcAft>
+              <a:buClr>
+                <a:schemeClr val="tx1">
+                  <a:lumMod val="50000"/>
+                  <a:lumOff val="50000"/>
+                </a:schemeClr>
+              </a:buClr>
+              <a:buNone/>
+            </a:pPr>
+            <a:r>
+              <a:rPr lang="en-US" altLang="ko-KR" dirty="0" smtClean="0">
+                <a:solidFill>
+                  <a:srgbClr val="333300"/>
+                </a:solidFill>
+                <a:latin typeface="+mn-ea"/>
+              </a:rPr>
+              <a:t>    </a:t>
+            </a:r>
+            <a:r>
+              <a:rPr lang="en-US" altLang="ko-KR" dirty="0">
+                <a:solidFill>
+                  <a:srgbClr val="333300"/>
+                </a:solidFill>
+                <a:latin typeface="+mn-ea"/>
+              </a:rPr>
+              <a:t>☞ </a:t>
+            </a:r>
+            <a:r>
+              <a:rPr lang="en-US" altLang="ko-KR" dirty="0" err="1">
+                <a:solidFill>
+                  <a:srgbClr val="333300"/>
+                </a:solidFill>
+                <a:latin typeface="+mn-ea"/>
+              </a:rPr>
+              <a:t>git</a:t>
+            </a:r>
+            <a:r>
+              <a:rPr lang="en-US" altLang="ko-KR" dirty="0">
+                <a:solidFill>
+                  <a:srgbClr val="333300"/>
+                </a:solidFill>
+                <a:latin typeface="+mn-ea"/>
+              </a:rPr>
+              <a:t> </a:t>
+            </a:r>
+            <a:r>
+              <a:rPr lang="en-US" altLang="ko-KR" dirty="0" err="1" smtClean="0">
+                <a:solidFill>
+                  <a:srgbClr val="333300"/>
+                </a:solidFill>
+                <a:latin typeface="+mn-ea"/>
+              </a:rPr>
+              <a:t>rm</a:t>
+            </a:r>
+            <a:r>
+              <a:rPr lang="en-US" altLang="ko-KR" dirty="0" smtClean="0">
+                <a:solidFill>
+                  <a:srgbClr val="333300"/>
+                </a:solidFill>
+                <a:latin typeface="+mn-ea"/>
+              </a:rPr>
+              <a:t> &lt;file</a:t>
+            </a:r>
+            <a:r>
+              <a:rPr lang="ko-KR" altLang="en-US" dirty="0" smtClean="0">
+                <a:solidFill>
+                  <a:srgbClr val="333300"/>
+                </a:solidFill>
+                <a:latin typeface="+mn-ea"/>
+              </a:rPr>
+              <a:t>명</a:t>
+            </a:r>
+            <a:r>
+              <a:rPr lang="en-US" altLang="ko-KR" dirty="0" smtClean="0">
+                <a:solidFill>
+                  <a:srgbClr val="333300"/>
+                </a:solidFill>
+                <a:latin typeface="+mn-ea"/>
+              </a:rPr>
+              <a:t>&gt;</a:t>
+            </a:r>
+          </a:p>
+          <a:p>
+            <a:pPr marL="266700" lvl="1" indent="0">
+              <a:spcBef>
+                <a:spcPts val="0"/>
+              </a:spcBef>
+              <a:spcAft>
+                <a:spcPts val="0"/>
+              </a:spcAft>
+              <a:buClr>
+                <a:schemeClr val="tx1">
+                  <a:lumMod val="50000"/>
+                  <a:lumOff val="50000"/>
+                </a:schemeClr>
+              </a:buClr>
+              <a:buNone/>
+            </a:pPr>
+            <a:r>
+              <a:rPr lang="en-US" altLang="ko-KR" dirty="0">
+                <a:solidFill>
+                  <a:srgbClr val="333300"/>
+                </a:solidFill>
+                <a:latin typeface="+mn-ea"/>
+              </a:rPr>
+              <a:t> </a:t>
+            </a:r>
+            <a:r>
+              <a:rPr lang="en-US" altLang="ko-KR" dirty="0" smtClean="0">
+                <a:solidFill>
+                  <a:srgbClr val="333300"/>
+                </a:solidFill>
+                <a:latin typeface="+mn-ea"/>
+              </a:rPr>
+              <a:t>   ☞ </a:t>
+            </a:r>
+            <a:r>
+              <a:rPr lang="en-US" altLang="ko-KR" dirty="0" err="1">
+                <a:solidFill>
+                  <a:srgbClr val="333300"/>
+                </a:solidFill>
+                <a:latin typeface="+mn-ea"/>
+              </a:rPr>
+              <a:t>git</a:t>
+            </a:r>
+            <a:r>
+              <a:rPr lang="en-US" altLang="ko-KR" dirty="0">
+                <a:solidFill>
+                  <a:srgbClr val="333300"/>
+                </a:solidFill>
+                <a:latin typeface="+mn-ea"/>
+              </a:rPr>
+              <a:t> </a:t>
+            </a:r>
+            <a:r>
+              <a:rPr lang="en-US" altLang="ko-KR" dirty="0" smtClean="0">
+                <a:solidFill>
+                  <a:srgbClr val="333300"/>
+                </a:solidFill>
+                <a:latin typeface="+mn-ea"/>
+              </a:rPr>
+              <a:t>commit –m &lt;deleted the file from the </a:t>
+            </a:r>
+            <a:r>
+              <a:rPr lang="en-US" altLang="ko-KR" dirty="0" err="1" smtClean="0">
+                <a:solidFill>
+                  <a:srgbClr val="333300"/>
+                </a:solidFill>
+                <a:latin typeface="+mn-ea"/>
+              </a:rPr>
+              <a:t>git</a:t>
+            </a:r>
+            <a:r>
+              <a:rPr lang="en-US" altLang="ko-KR" dirty="0" smtClean="0">
+                <a:solidFill>
+                  <a:srgbClr val="333300"/>
+                </a:solidFill>
+                <a:latin typeface="+mn-ea"/>
+              </a:rPr>
+              <a:t> repository’</a:t>
+            </a:r>
+          </a:p>
+          <a:p>
+            <a:pPr marL="266700" lvl="1" indent="0">
+              <a:spcBef>
+                <a:spcPts val="0"/>
+              </a:spcBef>
+              <a:spcAft>
+                <a:spcPts val="0"/>
+              </a:spcAft>
+              <a:buClr>
+                <a:schemeClr val="tx1">
+                  <a:lumMod val="50000"/>
+                  <a:lumOff val="50000"/>
+                </a:schemeClr>
+              </a:buClr>
+              <a:buNone/>
+            </a:pPr>
+            <a:r>
+              <a:rPr lang="en-US" altLang="ko-KR" dirty="0" smtClean="0">
+                <a:solidFill>
+                  <a:srgbClr val="333300"/>
+                </a:solidFill>
+                <a:latin typeface="+mn-ea"/>
+              </a:rPr>
+              <a:t>   </a:t>
+            </a:r>
+            <a:r>
+              <a:rPr lang="en-US" altLang="ko-KR" dirty="0" smtClean="0">
+                <a:solidFill>
+                  <a:srgbClr val="333300"/>
+                </a:solidFill>
+                <a:latin typeface="+mn-ea"/>
+              </a:rPr>
+              <a:t> </a:t>
+            </a:r>
+            <a:r>
+              <a:rPr lang="en-US" altLang="ko-KR" dirty="0">
+                <a:solidFill>
+                  <a:srgbClr val="333300"/>
+                </a:solidFill>
+                <a:latin typeface="+mn-ea"/>
+              </a:rPr>
+              <a:t>☞ </a:t>
+            </a:r>
+            <a:r>
+              <a:rPr lang="en-US" altLang="ko-KR" dirty="0" err="1">
+                <a:solidFill>
+                  <a:srgbClr val="333300"/>
+                </a:solidFill>
+                <a:latin typeface="+mn-ea"/>
+              </a:rPr>
+              <a:t>git</a:t>
+            </a:r>
+            <a:r>
+              <a:rPr lang="en-US" altLang="ko-KR" dirty="0">
+                <a:solidFill>
+                  <a:srgbClr val="333300"/>
+                </a:solidFill>
+                <a:latin typeface="+mn-ea"/>
+              </a:rPr>
+              <a:t> </a:t>
+            </a:r>
+            <a:r>
+              <a:rPr lang="en-US" altLang="ko-KR" dirty="0" smtClean="0">
+                <a:solidFill>
+                  <a:srgbClr val="333300"/>
+                </a:solidFill>
+                <a:latin typeface="+mn-ea"/>
+              </a:rPr>
+              <a:t>push</a:t>
+            </a:r>
+          </a:p>
+          <a:p>
+            <a:pPr marL="266700" lvl="1" indent="0">
+              <a:spcBef>
+                <a:spcPts val="0"/>
+              </a:spcBef>
+              <a:spcAft>
+                <a:spcPts val="0"/>
+              </a:spcAft>
+              <a:buClr>
+                <a:schemeClr val="tx1">
+                  <a:lumMod val="50000"/>
+                  <a:lumOff val="50000"/>
+                </a:schemeClr>
+              </a:buClr>
+              <a:buNone/>
+            </a:pPr>
+            <a:r>
+              <a:rPr lang="en-US" altLang="ko-KR" dirty="0">
+                <a:solidFill>
+                  <a:srgbClr val="333300"/>
+                </a:solidFill>
+                <a:latin typeface="+mn-ea"/>
+              </a:rPr>
+              <a:t> </a:t>
+            </a:r>
+            <a:r>
+              <a:rPr lang="en-US" altLang="ko-KR" dirty="0" smtClean="0">
+                <a:solidFill>
+                  <a:srgbClr val="333300"/>
+                </a:solidFill>
+                <a:latin typeface="+mn-ea"/>
+              </a:rPr>
+              <a:t>  - </a:t>
+            </a:r>
+            <a:r>
+              <a:rPr lang="en-US" altLang="ko-KR" dirty="0" err="1" smtClean="0">
+                <a:solidFill>
+                  <a:srgbClr val="333300"/>
+                </a:solidFill>
+                <a:latin typeface="+mn-ea"/>
+              </a:rPr>
+              <a:t>git</a:t>
+            </a:r>
+            <a:r>
+              <a:rPr lang="en-US" altLang="ko-KR" dirty="0" smtClean="0">
+                <a:solidFill>
+                  <a:srgbClr val="333300"/>
+                </a:solidFill>
+                <a:latin typeface="+mn-ea"/>
+              </a:rPr>
+              <a:t> </a:t>
+            </a:r>
+            <a:r>
+              <a:rPr lang="en-US" altLang="ko-KR" dirty="0" err="1" smtClean="0">
+                <a:solidFill>
+                  <a:srgbClr val="333300"/>
+                </a:solidFill>
+                <a:latin typeface="+mn-ea"/>
+              </a:rPr>
+              <a:t>rm</a:t>
+            </a:r>
+            <a:r>
+              <a:rPr lang="en-US" altLang="ko-KR" dirty="0" smtClean="0">
+                <a:solidFill>
+                  <a:srgbClr val="333300"/>
+                </a:solidFill>
+                <a:latin typeface="+mn-ea"/>
+              </a:rPr>
+              <a:t> = delete files from repository + </a:t>
+            </a:r>
+            <a:r>
+              <a:rPr lang="en-US" altLang="ko-KR" dirty="0" err="1" smtClean="0">
+                <a:solidFill>
+                  <a:srgbClr val="333300"/>
+                </a:solidFill>
+                <a:latin typeface="+mn-ea"/>
+              </a:rPr>
+              <a:t>filesystem</a:t>
+            </a:r>
+            <a:endParaRPr lang="en-US" altLang="ko-KR" dirty="0" smtClean="0">
+              <a:solidFill>
+                <a:srgbClr val="333300"/>
+              </a:solidFill>
+              <a:latin typeface="+mn-ea"/>
+            </a:endParaRPr>
+          </a:p>
+          <a:p>
+            <a:pPr marL="266700" lvl="1" indent="0">
+              <a:spcBef>
+                <a:spcPts val="0"/>
+              </a:spcBef>
+              <a:spcAft>
+                <a:spcPts val="0"/>
+              </a:spcAft>
+              <a:buClr>
+                <a:schemeClr val="tx1">
+                  <a:lumMod val="50000"/>
+                  <a:lumOff val="50000"/>
+                </a:schemeClr>
+              </a:buClr>
+              <a:buNone/>
+            </a:pPr>
+            <a:r>
+              <a:rPr lang="en-US" altLang="ko-KR" dirty="0">
+                <a:solidFill>
+                  <a:srgbClr val="333300"/>
+                </a:solidFill>
+                <a:latin typeface="+mn-ea"/>
+              </a:rPr>
+              <a:t> </a:t>
+            </a:r>
+            <a:r>
+              <a:rPr lang="en-US" altLang="ko-KR" dirty="0" smtClean="0">
+                <a:solidFill>
+                  <a:srgbClr val="333300"/>
+                </a:solidFill>
+                <a:latin typeface="+mn-ea"/>
+              </a:rPr>
+              <a:t>   </a:t>
+            </a:r>
+            <a:r>
+              <a:rPr lang="en-US" altLang="ko-KR" dirty="0">
+                <a:solidFill>
+                  <a:srgbClr val="333300"/>
+                </a:solidFill>
+                <a:latin typeface="+mn-ea"/>
+              </a:rPr>
+              <a:t> ☞ </a:t>
+            </a:r>
+            <a:r>
+              <a:rPr lang="en-US" altLang="ko-KR" dirty="0" err="1">
+                <a:solidFill>
+                  <a:srgbClr val="333300"/>
+                </a:solidFill>
+                <a:latin typeface="+mn-ea"/>
+              </a:rPr>
+              <a:t>git</a:t>
+            </a:r>
+            <a:r>
+              <a:rPr lang="en-US" altLang="ko-KR" dirty="0">
+                <a:solidFill>
+                  <a:srgbClr val="333300"/>
+                </a:solidFill>
+                <a:latin typeface="+mn-ea"/>
+              </a:rPr>
+              <a:t> </a:t>
+            </a:r>
+            <a:r>
+              <a:rPr lang="en-US" altLang="ko-KR" dirty="0" smtClean="0">
+                <a:solidFill>
+                  <a:srgbClr val="333300"/>
+                </a:solidFill>
+                <a:latin typeface="+mn-ea"/>
+              </a:rPr>
+              <a:t>ls-tree –r main</a:t>
+            </a:r>
+          </a:p>
+          <a:p>
+            <a:pPr marL="266700" lvl="1" indent="0">
+              <a:spcBef>
+                <a:spcPts val="0"/>
+              </a:spcBef>
+              <a:spcAft>
+                <a:spcPts val="0"/>
+              </a:spcAft>
+              <a:buClr>
+                <a:schemeClr val="tx1">
+                  <a:lumMod val="50000"/>
+                  <a:lumOff val="50000"/>
+                </a:schemeClr>
+              </a:buClr>
+              <a:buNone/>
+            </a:pPr>
+            <a:r>
+              <a:rPr lang="en-US" altLang="ko-KR" dirty="0" smtClean="0">
+                <a:solidFill>
+                  <a:srgbClr val="333300"/>
+                </a:solidFill>
+                <a:latin typeface="+mn-ea"/>
+              </a:rPr>
+              <a:t>Branch</a:t>
+            </a:r>
+            <a:r>
+              <a:rPr lang="ko-KR" altLang="en-US" dirty="0" smtClean="0">
+                <a:solidFill>
+                  <a:srgbClr val="333300"/>
+                </a:solidFill>
+                <a:latin typeface="+mn-ea"/>
+              </a:rPr>
+              <a:t>에서 삭제할 경우</a:t>
+            </a:r>
+            <a:r>
+              <a:rPr lang="en-US" altLang="ko-KR" dirty="0" smtClean="0">
+                <a:solidFill>
+                  <a:srgbClr val="333300"/>
+                </a:solidFill>
+                <a:latin typeface="+mn-ea"/>
+              </a:rPr>
+              <a:t>, main</a:t>
+            </a:r>
+            <a:r>
+              <a:rPr lang="ko-KR" altLang="en-US" dirty="0" smtClean="0">
+                <a:solidFill>
+                  <a:srgbClr val="333300"/>
+                </a:solidFill>
+                <a:latin typeface="+mn-ea"/>
+              </a:rPr>
+              <a:t>에서 같이 삭제될 수 있으니 조심해야함</a:t>
+            </a:r>
+            <a:r>
+              <a:rPr lang="en-US" altLang="ko-KR" dirty="0" smtClean="0">
+                <a:solidFill>
+                  <a:srgbClr val="333300"/>
+                </a:solidFill>
+                <a:latin typeface="+mn-ea"/>
+              </a:rPr>
+              <a:t>.</a:t>
+            </a:r>
+          </a:p>
+          <a:p>
+            <a:pPr marL="609600" lvl="1" indent="-342900">
+              <a:spcBef>
+                <a:spcPts val="0"/>
+              </a:spcBef>
+              <a:spcAft>
+                <a:spcPts val="0"/>
+              </a:spcAft>
+              <a:buClr>
+                <a:schemeClr val="tx1">
+                  <a:lumMod val="50000"/>
+                  <a:lumOff val="50000"/>
+                </a:schemeClr>
+              </a:buClr>
+              <a:buAutoNum type="arabicPeriod"/>
+            </a:pPr>
+            <a:r>
+              <a:rPr lang="ko-KR" altLang="en-US" dirty="0" smtClean="0">
+                <a:solidFill>
+                  <a:srgbClr val="333300"/>
+                </a:solidFill>
+                <a:latin typeface="+mn-ea"/>
+              </a:rPr>
+              <a:t>로컬 </a:t>
+            </a:r>
+            <a:r>
+              <a:rPr lang="en-US" altLang="ko-KR" dirty="0" smtClean="0">
+                <a:solidFill>
+                  <a:srgbClr val="333300"/>
+                </a:solidFill>
+                <a:latin typeface="+mn-ea"/>
+              </a:rPr>
+              <a:t>main -&gt; checkout –b -&gt; </a:t>
+            </a:r>
+            <a:r>
+              <a:rPr lang="en-US" altLang="ko-KR" dirty="0" err="1" smtClean="0">
+                <a:solidFill>
+                  <a:srgbClr val="333300"/>
+                </a:solidFill>
+                <a:latin typeface="+mn-ea"/>
+              </a:rPr>
+              <a:t>git</a:t>
+            </a:r>
+            <a:r>
+              <a:rPr lang="en-US" altLang="ko-KR" dirty="0" smtClean="0">
+                <a:solidFill>
+                  <a:srgbClr val="333300"/>
+                </a:solidFill>
+                <a:latin typeface="+mn-ea"/>
+              </a:rPr>
+              <a:t> </a:t>
+            </a:r>
+            <a:r>
+              <a:rPr lang="en-US" altLang="ko-KR" dirty="0" err="1" smtClean="0">
+                <a:solidFill>
+                  <a:srgbClr val="333300"/>
+                </a:solidFill>
+                <a:latin typeface="+mn-ea"/>
+              </a:rPr>
+              <a:t>rm</a:t>
+            </a:r>
+            <a:r>
+              <a:rPr lang="en-US" altLang="ko-KR" dirty="0" smtClean="0">
+                <a:solidFill>
+                  <a:srgbClr val="333300"/>
+                </a:solidFill>
+                <a:latin typeface="+mn-ea"/>
+              </a:rPr>
+              <a:t> -&gt; commit -&gt; main </a:t>
+            </a:r>
+            <a:r>
+              <a:rPr lang="ko-KR" altLang="en-US" dirty="0" err="1" smtClean="0">
+                <a:solidFill>
+                  <a:srgbClr val="333300"/>
+                </a:solidFill>
+                <a:latin typeface="+mn-ea"/>
+              </a:rPr>
+              <a:t>파일내용과</a:t>
+            </a:r>
+            <a:r>
+              <a:rPr lang="ko-KR" altLang="en-US" dirty="0" smtClean="0">
+                <a:solidFill>
+                  <a:srgbClr val="333300"/>
+                </a:solidFill>
+                <a:latin typeface="+mn-ea"/>
+              </a:rPr>
+              <a:t> 비교</a:t>
+            </a:r>
+            <a:endParaRPr lang="en-US" altLang="ko-KR" dirty="0" smtClean="0">
+              <a:solidFill>
+                <a:srgbClr val="333300"/>
+              </a:solidFill>
+              <a:latin typeface="+mn-ea"/>
+            </a:endParaRPr>
+          </a:p>
+          <a:p>
+            <a:pPr marL="609600" lvl="1" indent="-342900">
+              <a:spcBef>
+                <a:spcPts val="0"/>
+              </a:spcBef>
+              <a:spcAft>
+                <a:spcPts val="0"/>
+              </a:spcAft>
+              <a:buClr>
+                <a:schemeClr val="tx1">
+                  <a:lumMod val="50000"/>
+                  <a:lumOff val="50000"/>
+                </a:schemeClr>
+              </a:buClr>
+              <a:buAutoNum type="arabicPeriod"/>
+            </a:pPr>
+            <a:r>
+              <a:rPr lang="en-US" altLang="ko-KR" dirty="0" smtClean="0">
+                <a:solidFill>
+                  <a:srgbClr val="333300"/>
+                </a:solidFill>
+                <a:latin typeface="+mn-ea"/>
+              </a:rPr>
+              <a:t>Push main</a:t>
+            </a:r>
+          </a:p>
+          <a:p>
+            <a:pPr marL="266700" lvl="1" indent="0">
+              <a:spcBef>
+                <a:spcPts val="0"/>
+              </a:spcBef>
+              <a:spcAft>
+                <a:spcPts val="0"/>
+              </a:spcAft>
+              <a:buClr>
+                <a:schemeClr val="tx1">
+                  <a:lumMod val="50000"/>
+                  <a:lumOff val="50000"/>
+                </a:schemeClr>
+              </a:buClr>
+              <a:buNone/>
+            </a:pPr>
+            <a:r>
+              <a:rPr lang="ko-KR" altLang="en-US" dirty="0" smtClean="0">
+                <a:solidFill>
+                  <a:srgbClr val="333300"/>
+                </a:solidFill>
+                <a:latin typeface="+mn-ea"/>
+              </a:rPr>
+              <a:t>원격으로 파일이 삭제된 </a:t>
+            </a:r>
+            <a:r>
+              <a:rPr lang="ko-KR" altLang="en-US" dirty="0" err="1" smtClean="0">
+                <a:solidFill>
+                  <a:srgbClr val="333300"/>
+                </a:solidFill>
+                <a:latin typeface="+mn-ea"/>
+              </a:rPr>
+              <a:t>브랜치를</a:t>
+            </a:r>
+            <a:r>
+              <a:rPr lang="ko-KR" altLang="en-US" dirty="0" smtClean="0">
+                <a:solidFill>
+                  <a:srgbClr val="333300"/>
+                </a:solidFill>
+                <a:latin typeface="+mn-ea"/>
+              </a:rPr>
+              <a:t> </a:t>
+            </a:r>
+            <a:r>
+              <a:rPr lang="en-US" altLang="ko-KR" dirty="0" smtClean="0">
+                <a:solidFill>
+                  <a:srgbClr val="333300"/>
+                </a:solidFill>
+                <a:latin typeface="+mn-ea"/>
+              </a:rPr>
+              <a:t>push</a:t>
+            </a:r>
+            <a:r>
+              <a:rPr lang="ko-KR" altLang="en-US" dirty="0" smtClean="0">
+                <a:solidFill>
+                  <a:srgbClr val="333300"/>
+                </a:solidFill>
+                <a:latin typeface="+mn-ea"/>
+              </a:rPr>
+              <a:t>하고 </a:t>
+            </a:r>
+            <a:r>
+              <a:rPr lang="en-US" altLang="ko-KR" dirty="0" smtClean="0">
+                <a:solidFill>
+                  <a:srgbClr val="333300"/>
+                </a:solidFill>
+                <a:latin typeface="+mn-ea"/>
+              </a:rPr>
+              <a:t>main</a:t>
+            </a:r>
+            <a:r>
+              <a:rPr lang="ko-KR" altLang="en-US" dirty="0" smtClean="0">
+                <a:solidFill>
+                  <a:srgbClr val="333300"/>
+                </a:solidFill>
+                <a:latin typeface="+mn-ea"/>
+              </a:rPr>
+              <a:t>과 </a:t>
+            </a:r>
+            <a:r>
+              <a:rPr lang="en-US" altLang="ko-KR" dirty="0" smtClean="0">
+                <a:solidFill>
+                  <a:srgbClr val="333300"/>
+                </a:solidFill>
+                <a:latin typeface="+mn-ea"/>
+              </a:rPr>
+              <a:t>merge</a:t>
+            </a:r>
+            <a:r>
+              <a:rPr lang="ko-KR" altLang="en-US" dirty="0" smtClean="0">
+                <a:solidFill>
+                  <a:srgbClr val="333300"/>
+                </a:solidFill>
+                <a:latin typeface="+mn-ea"/>
+              </a:rPr>
+              <a:t>하면 </a:t>
+            </a:r>
+            <a:r>
+              <a:rPr lang="en-US" altLang="ko-KR" dirty="0" smtClean="0">
+                <a:solidFill>
+                  <a:srgbClr val="333300"/>
+                </a:solidFill>
+                <a:latin typeface="+mn-ea"/>
+              </a:rPr>
+              <a:t>main</a:t>
+            </a:r>
+            <a:r>
+              <a:rPr lang="ko-KR" altLang="en-US" dirty="0" smtClean="0">
+                <a:solidFill>
+                  <a:srgbClr val="333300"/>
+                </a:solidFill>
+                <a:latin typeface="+mn-ea"/>
+              </a:rPr>
+              <a:t>의 파일이</a:t>
+            </a:r>
+            <a:endParaRPr lang="en-US" altLang="ko-KR" dirty="0" smtClean="0">
+              <a:solidFill>
+                <a:srgbClr val="333300"/>
+              </a:solidFill>
+              <a:latin typeface="+mn-ea"/>
+            </a:endParaRPr>
+          </a:p>
+          <a:p>
+            <a:pPr marL="266700" lvl="1" indent="0">
+              <a:spcBef>
+                <a:spcPts val="0"/>
+              </a:spcBef>
+              <a:spcAft>
+                <a:spcPts val="0"/>
+              </a:spcAft>
+              <a:buClr>
+                <a:schemeClr val="tx1">
+                  <a:lumMod val="50000"/>
+                  <a:lumOff val="50000"/>
+                </a:schemeClr>
+              </a:buClr>
+              <a:buNone/>
+            </a:pPr>
+            <a:r>
+              <a:rPr lang="ko-KR" altLang="en-US" dirty="0" err="1" smtClean="0">
+                <a:solidFill>
+                  <a:srgbClr val="333300"/>
+                </a:solidFill>
+                <a:latin typeface="+mn-ea"/>
+              </a:rPr>
+              <a:t>브랜치과</a:t>
+            </a:r>
+            <a:r>
+              <a:rPr lang="ko-KR" altLang="en-US" dirty="0" smtClean="0">
+                <a:solidFill>
+                  <a:srgbClr val="333300"/>
+                </a:solidFill>
+                <a:latin typeface="+mn-ea"/>
+              </a:rPr>
+              <a:t> 같이 파일이 삭제되어 있음 </a:t>
+            </a:r>
+            <a:r>
+              <a:rPr lang="en-US" altLang="ko-KR" dirty="0" smtClean="0">
+                <a:solidFill>
+                  <a:srgbClr val="333300"/>
+                </a:solidFill>
+                <a:latin typeface="+mn-ea"/>
+              </a:rPr>
+              <a:t>?? </a:t>
+            </a:r>
+            <a:r>
+              <a:rPr lang="en-US" altLang="ko-KR" smtClean="0">
+                <a:solidFill>
+                  <a:srgbClr val="333300"/>
+                </a:solidFill>
+                <a:latin typeface="+mn-ea"/>
+              </a:rPr>
+              <a:t>Cherry-pick?</a:t>
+            </a:r>
+            <a:endParaRPr lang="en-US" altLang="ko-KR" dirty="0">
+              <a:solidFill>
+                <a:srgbClr val="333300"/>
+              </a:solidFill>
+              <a:latin typeface="+mn-ea"/>
+            </a:endParaRPr>
+          </a:p>
+          <a:p>
+            <a:pPr marL="266700" lvl="1" indent="0">
+              <a:spcBef>
+                <a:spcPts val="0"/>
+              </a:spcBef>
+              <a:spcAft>
+                <a:spcPts val="0"/>
+              </a:spcAft>
+              <a:buClr>
+                <a:schemeClr val="tx1">
+                  <a:lumMod val="50000"/>
+                  <a:lumOff val="50000"/>
+                </a:schemeClr>
+              </a:buClr>
+              <a:buNone/>
+            </a:pPr>
+            <a:r>
+              <a:rPr lang="en-US" altLang="ko-KR" dirty="0">
+                <a:latin typeface="+mn-ea"/>
+              </a:rPr>
+              <a:t/>
+            </a:r>
+            <a:br>
+              <a:rPr lang="en-US" altLang="ko-KR" dirty="0">
+                <a:latin typeface="+mn-ea"/>
+              </a:rPr>
+            </a:br>
+            <a:endParaRPr lang="en-US" altLang="ko-KR" dirty="0">
+              <a:latin typeface="+mn-ea"/>
+            </a:endParaRPr>
+          </a:p>
+        </p:txBody>
+      </p:sp>
+      <p:sp>
+        <p:nvSpPr>
+          <p:cNvPr id="3" name="슬라이드 번호 개체 틀 2">
             <a:extLst>
               <a:ext uri="{FF2B5EF4-FFF2-40B4-BE49-F238E27FC236}">
-                <a16:creationId xmlns:a16="http://schemas.microsoft.com/office/drawing/2014/main" id="{F173C1D3-216A-403A-A8C8-A8FF24D1DB4D}"/>
+                <a16:creationId xmlns:a16="http://schemas.microsoft.com/office/drawing/2014/main" id="{BE465CB4-1564-4317-824A-C2A69657AB3D}"/>
               </a:ext>
             </a:extLst>
           </p:cNvPr>
@@ -45751,10 +46711,59 @@
           </a:p>
         </p:txBody>
       </p:sp>
+      <p:sp>
+        <p:nvSpPr>
+          <p:cNvPr id="2" name="직사각형 1"/>
+          <p:cNvSpPr/>
+          <p:nvPr/>
+        </p:nvSpPr>
+        <p:spPr>
+          <a:xfrm>
+            <a:off x="338973" y="5690744"/>
+            <a:ext cx="4099327" cy="369332"/>
+          </a:xfrm>
+          <a:prstGeom prst="rect">
+            <a:avLst/>
+          </a:prstGeom>
+        </p:spPr>
+        <p:txBody>
+          <a:bodyPr wrap="none">
+            <a:spAutoFit/>
+          </a:bodyPr>
+          <a:lstStyle/>
+          <a:p>
+            <a:r>
+              <a:rPr lang="en-US" altLang="ko-KR" dirty="0">
+                <a:hlinkClick r:id="rId3"/>
+              </a:rPr>
+              <a:t>How To Delete File on </a:t>
+            </a:r>
+            <a:r>
+              <a:rPr lang="en-US" altLang="ko-KR" dirty="0" err="1">
+                <a:hlinkClick r:id="rId3"/>
+              </a:rPr>
+              <a:t>Git</a:t>
+            </a:r>
+            <a:r>
+              <a:rPr lang="en-US" altLang="ko-KR" dirty="0">
+                <a:hlinkClick r:id="rId3"/>
+              </a:rPr>
+              <a:t> – </a:t>
+            </a:r>
+            <a:r>
+              <a:rPr lang="en-US" altLang="ko-KR" dirty="0" err="1">
+                <a:hlinkClick r:id="rId3"/>
+              </a:rPr>
+              <a:t>devconnected</a:t>
+            </a:r>
+            <a:endParaRPr lang="ko-KR" altLang="en-US" dirty="0"/>
+          </a:p>
+        </p:txBody>
+      </p:sp>
     </p:spTree>
     <p:extLst>
       <p:ext uri="{BB962C8B-B14F-4D97-AF65-F5344CB8AC3E}">
-        <p14:creationId xmlns:p14="http://schemas.microsoft.com/office/powerpoint/2010/main" val="1963916080"/>
+        <p14:creationId xmlns:p14="http://schemas.microsoft.com/office/powerpoint/2010/main" val="3124954509"/>
       </p:ext>
     </p:extLst>
   </p:cSld>
@@ -46501,6 +47510,36 @@
           </a:p>
         </p:txBody>
       </p:sp>
+      <p:pic>
+        <p:nvPicPr>
+          <p:cNvPr id="3" name="그림 2">
+            <a:extLst>
+              <a:ext uri="{FF2B5EF4-FFF2-40B4-BE49-F238E27FC236}">
+                <a16:creationId xmlns:a16="http://schemas.microsoft.com/office/drawing/2014/main" id="{081AFC1A-AA20-4AA5-812B-B5483AD4CC5E}"/>
+              </a:ext>
+            </a:extLst>
+          </p:cNvPr>
+          <p:cNvPicPr>
+            <a:picLocks noChangeAspect="1"/>
+          </p:cNvPicPr>
+          <p:nvPr/>
+        </p:nvPicPr>
+        <p:blipFill>
+          <a:blip r:embed="rId2"/>
+          <a:stretch>
+            <a:fillRect/>
+          </a:stretch>
+        </p:blipFill>
+        <p:spPr>
+          <a:xfrm>
+            <a:off x="2252662" y="1943100"/>
+            <a:ext cx="4638675" cy="2971800"/>
+          </a:xfrm>
+          <a:prstGeom prst="rect">
+            <a:avLst/>
+          </a:prstGeom>
+        </p:spPr>
+      </p:pic>
       <p:sp>
         <p:nvSpPr>
           <p:cNvPr id="5" name="슬라이드 번호 개체 틀 4">
@@ -46531,389 +47570,10 @@
           </a:p>
         </p:txBody>
       </p:sp>
-      <p:sp>
-        <p:nvSpPr>
-          <p:cNvPr id="6" name="내용 개체 틀 4">
-            <a:extLst>
-              <a:ext uri="{FF2B5EF4-FFF2-40B4-BE49-F238E27FC236}">
-                <a16:creationId xmlns:a16="http://schemas.microsoft.com/office/drawing/2014/main" id="{D3B4B56B-08C3-4B04-B45F-D928F752AE57}"/>
-              </a:ext>
-            </a:extLst>
-          </p:cNvPr>
-          <p:cNvSpPr>
-            <a:spLocks noGrp="1"/>
-          </p:cNvSpPr>
-          <p:nvPr>
-            <p:ph idx="1"/>
-          </p:nvPr>
-        </p:nvSpPr>
-        <p:spPr>
-          <a:xfrm>
-            <a:off x="250825" y="1000221"/>
-            <a:ext cx="8813165" cy="5356130"/>
-          </a:xfrm>
-        </p:spPr>
-        <p:txBody>
-          <a:bodyPr>
-            <a:noAutofit/>
-          </a:bodyPr>
-          <a:lstStyle/>
-          <a:p>
-            <a:pPr>
-              <a:spcBef>
-                <a:spcPct val="0"/>
-              </a:spcBef>
-              <a:buClr>
-                <a:schemeClr val="tx1">
-                  <a:lumMod val="65000"/>
-                  <a:lumOff val="35000"/>
-                </a:schemeClr>
-              </a:buClr>
-            </a:pPr>
-            <a:r>
-              <a:rPr lang="ko-KR" altLang="en-US" dirty="0"/>
-              <a:t>명령어</a:t>
-            </a:r>
-            <a:r>
-              <a:rPr lang="en-US" altLang="ko-KR" dirty="0">
-                <a:latin typeface="+mn-ea"/>
-              </a:rPr>
-              <a:t> </a:t>
-            </a:r>
-          </a:p>
-          <a:p>
-            <a:pPr marL="444500" lvl="1" indent="0">
-              <a:spcBef>
-                <a:spcPts val="0"/>
-              </a:spcBef>
-              <a:spcAft>
-                <a:spcPts val="0"/>
-              </a:spcAft>
-              <a:buClr>
-                <a:schemeClr val="tx1">
-                  <a:lumMod val="50000"/>
-                  <a:lumOff val="50000"/>
-                </a:schemeClr>
-              </a:buClr>
-              <a:buNone/>
-            </a:pPr>
-            <a:r>
-              <a:rPr lang="en-US" altLang="ko-KR" dirty="0">
-                <a:latin typeface="+mn-ea"/>
-              </a:rPr>
-              <a:t> ☞  git </a:t>
-            </a:r>
-            <a:r>
-              <a:rPr lang="en-US" altLang="ko-KR" dirty="0" err="1">
-                <a:latin typeface="+mn-ea"/>
-              </a:rPr>
-              <a:t>init</a:t>
-            </a:r>
-            <a:endParaRPr lang="en-US" altLang="ko-KR" dirty="0">
-              <a:latin typeface="+mn-ea"/>
-            </a:endParaRPr>
-          </a:p>
-          <a:p>
-            <a:pPr marL="444500" lvl="1" indent="0">
-              <a:spcBef>
-                <a:spcPts val="0"/>
-              </a:spcBef>
-              <a:spcAft>
-                <a:spcPts val="0"/>
-              </a:spcAft>
-              <a:buClr>
-                <a:schemeClr val="tx1">
-                  <a:lumMod val="50000"/>
-                  <a:lumOff val="50000"/>
-                </a:schemeClr>
-              </a:buClr>
-              <a:buNone/>
-            </a:pPr>
-            <a:r>
-              <a:rPr lang="en-US" altLang="ko-KR" dirty="0">
-                <a:latin typeface="+mn-ea"/>
-              </a:rPr>
-              <a:t> ☞  git config --global </a:t>
-            </a:r>
-          </a:p>
-          <a:p>
-            <a:pPr marL="444500" lvl="1" indent="0">
-              <a:spcBef>
-                <a:spcPts val="0"/>
-              </a:spcBef>
-              <a:spcAft>
-                <a:spcPts val="0"/>
-              </a:spcAft>
-              <a:buClr>
-                <a:schemeClr val="tx1">
-                  <a:lumMod val="50000"/>
-                  <a:lumOff val="50000"/>
-                </a:schemeClr>
-              </a:buClr>
-              <a:buNone/>
-            </a:pPr>
-            <a:r>
-              <a:rPr lang="en-US" altLang="ko-KR" dirty="0">
-                <a:latin typeface="+mn-ea"/>
-              </a:rPr>
-              <a:t> ☞  git status</a:t>
-            </a:r>
-          </a:p>
-          <a:p>
-            <a:pPr marL="444500" lvl="1" indent="0">
-              <a:spcBef>
-                <a:spcPts val="0"/>
-              </a:spcBef>
-              <a:spcAft>
-                <a:spcPts val="0"/>
-              </a:spcAft>
-              <a:buClr>
-                <a:schemeClr val="tx1">
-                  <a:lumMod val="50000"/>
-                  <a:lumOff val="50000"/>
-                </a:schemeClr>
-              </a:buClr>
-              <a:buNone/>
-            </a:pPr>
-            <a:r>
-              <a:rPr lang="en-US" altLang="ko-KR" dirty="0">
-                <a:latin typeface="+mn-ea"/>
-              </a:rPr>
-              <a:t> ☞  git add</a:t>
-            </a:r>
-          </a:p>
-          <a:p>
-            <a:pPr marL="444500" lvl="1" indent="0">
-              <a:spcBef>
-                <a:spcPts val="0"/>
-              </a:spcBef>
-              <a:spcAft>
-                <a:spcPts val="0"/>
-              </a:spcAft>
-              <a:buClr>
-                <a:schemeClr val="tx1">
-                  <a:lumMod val="50000"/>
-                  <a:lumOff val="50000"/>
-                </a:schemeClr>
-              </a:buClr>
-              <a:buNone/>
-            </a:pPr>
-            <a:r>
-              <a:rPr lang="en-US" altLang="ko-KR" dirty="0">
-                <a:latin typeface="+mn-ea"/>
-              </a:rPr>
-              <a:t> ☞  git commit -am</a:t>
-            </a:r>
-          </a:p>
-          <a:p>
-            <a:pPr marL="444500" lvl="1" indent="0">
-              <a:spcBef>
-                <a:spcPts val="0"/>
-              </a:spcBef>
-              <a:spcAft>
-                <a:spcPts val="0"/>
-              </a:spcAft>
-              <a:buClr>
-                <a:schemeClr val="tx1">
-                  <a:lumMod val="50000"/>
-                  <a:lumOff val="50000"/>
-                </a:schemeClr>
-              </a:buClr>
-              <a:buNone/>
-            </a:pPr>
-            <a:r>
-              <a:rPr lang="en-US" altLang="ko-KR" dirty="0">
-                <a:latin typeface="+mn-ea"/>
-              </a:rPr>
-              <a:t> ☞  git log --branches --</a:t>
-            </a:r>
-            <a:r>
-              <a:rPr lang="en-US" altLang="ko-KR" dirty="0" err="1">
-                <a:latin typeface="+mn-ea"/>
-              </a:rPr>
-              <a:t>oneline</a:t>
-            </a:r>
-            <a:r>
-              <a:rPr lang="en-US" altLang="ko-KR" dirty="0">
-                <a:latin typeface="+mn-ea"/>
-              </a:rPr>
-              <a:t> --graph</a:t>
-            </a:r>
-          </a:p>
-          <a:p>
-            <a:pPr marL="444500" lvl="1" indent="0">
-              <a:spcBef>
-                <a:spcPts val="0"/>
-              </a:spcBef>
-              <a:spcAft>
-                <a:spcPts val="0"/>
-              </a:spcAft>
-              <a:buClr>
-                <a:schemeClr val="tx1">
-                  <a:lumMod val="50000"/>
-                  <a:lumOff val="50000"/>
-                </a:schemeClr>
-              </a:buClr>
-              <a:buNone/>
-            </a:pPr>
-            <a:r>
-              <a:rPr lang="en-US" altLang="ko-KR" dirty="0">
-                <a:latin typeface="+mn-ea"/>
-              </a:rPr>
-              <a:t> ☞  git branch</a:t>
-            </a:r>
-          </a:p>
-          <a:p>
-            <a:pPr marL="444500" lvl="1" indent="0">
-              <a:spcBef>
-                <a:spcPts val="0"/>
-              </a:spcBef>
-              <a:spcAft>
-                <a:spcPts val="0"/>
-              </a:spcAft>
-              <a:buClr>
-                <a:schemeClr val="tx1">
-                  <a:lumMod val="50000"/>
-                  <a:lumOff val="50000"/>
-                </a:schemeClr>
-              </a:buClr>
-              <a:buNone/>
-            </a:pPr>
-            <a:r>
-              <a:rPr lang="en-US" altLang="ko-KR" dirty="0">
-                <a:latin typeface="+mn-ea"/>
-              </a:rPr>
-              <a:t> ☞  git checkout</a:t>
-            </a:r>
-          </a:p>
-          <a:p>
-            <a:pPr marL="444500" lvl="1" indent="0">
-              <a:spcBef>
-                <a:spcPts val="0"/>
-              </a:spcBef>
-              <a:spcAft>
-                <a:spcPts val="0"/>
-              </a:spcAft>
-              <a:buClr>
-                <a:schemeClr val="tx1">
-                  <a:lumMod val="50000"/>
-                  <a:lumOff val="50000"/>
-                </a:schemeClr>
-              </a:buClr>
-              <a:buNone/>
-            </a:pPr>
-            <a:r>
-              <a:rPr lang="en-US" altLang="ko-KR" dirty="0">
-                <a:latin typeface="+mn-ea"/>
-              </a:rPr>
-              <a:t> ☞  git merge</a:t>
-            </a:r>
-          </a:p>
-          <a:p>
-            <a:pPr marL="444500" lvl="1" indent="0">
-              <a:spcBef>
-                <a:spcPts val="0"/>
-              </a:spcBef>
-              <a:spcAft>
-                <a:spcPts val="0"/>
-              </a:spcAft>
-              <a:buClr>
-                <a:schemeClr val="tx1">
-                  <a:lumMod val="50000"/>
-                  <a:lumOff val="50000"/>
-                </a:schemeClr>
-              </a:buClr>
-              <a:buNone/>
-            </a:pPr>
-            <a:r>
-              <a:rPr lang="en-US" altLang="ko-KR" dirty="0">
-                <a:latin typeface="+mn-ea"/>
-              </a:rPr>
-              <a:t> ☞  git diff</a:t>
-            </a:r>
-          </a:p>
-          <a:p>
-            <a:pPr marL="444500" lvl="1" indent="0">
-              <a:spcBef>
-                <a:spcPts val="0"/>
-              </a:spcBef>
-              <a:spcAft>
-                <a:spcPts val="0"/>
-              </a:spcAft>
-              <a:buClr>
-                <a:schemeClr val="tx1">
-                  <a:lumMod val="50000"/>
-                  <a:lumOff val="50000"/>
-                </a:schemeClr>
-              </a:buClr>
-              <a:buNone/>
-            </a:pPr>
-            <a:r>
-              <a:rPr lang="en-US" altLang="ko-KR" dirty="0">
-                <a:latin typeface="+mn-ea"/>
-              </a:rPr>
-              <a:t> ☞  git tag</a:t>
-            </a:r>
-          </a:p>
-          <a:p>
-            <a:pPr marL="444500" lvl="1" indent="0">
-              <a:spcBef>
-                <a:spcPts val="0"/>
-              </a:spcBef>
-              <a:spcAft>
-                <a:spcPts val="0"/>
-              </a:spcAft>
-              <a:buClr>
-                <a:schemeClr val="tx1">
-                  <a:lumMod val="50000"/>
-                  <a:lumOff val="50000"/>
-                </a:schemeClr>
-              </a:buClr>
-              <a:buNone/>
-            </a:pPr>
-            <a:r>
-              <a:rPr lang="en-US" altLang="ko-KR" sz="1600" dirty="0">
-                <a:latin typeface="+mn-ea"/>
-              </a:rPr>
-              <a:t> </a:t>
-            </a:r>
-            <a:r>
-              <a:rPr lang="en-US" altLang="ko-KR" dirty="0">
-                <a:latin typeface="+mn-ea"/>
-              </a:rPr>
-              <a:t>☞  git stash</a:t>
-            </a:r>
-            <a:endParaRPr lang="en-US" altLang="ko-KR" sz="1600" b="0" dirty="0"/>
-          </a:p>
-          <a:p>
-            <a:pPr marL="444500" lvl="1" indent="0">
-              <a:spcBef>
-                <a:spcPts val="0"/>
-              </a:spcBef>
-              <a:spcAft>
-                <a:spcPts val="0"/>
-              </a:spcAft>
-              <a:buClr>
-                <a:schemeClr val="tx1">
-                  <a:lumMod val="50000"/>
-                  <a:lumOff val="50000"/>
-                </a:schemeClr>
-              </a:buClr>
-              <a:buNone/>
-            </a:pPr>
-            <a:r>
-              <a:rPr lang="en-US" altLang="ko-KR" dirty="0">
-                <a:latin typeface="+mn-ea"/>
-              </a:rPr>
-              <a:t> ☞  git show {commit ID}</a:t>
-            </a:r>
-          </a:p>
-        </p:txBody>
-      </p:sp>
     </p:spTree>
     <p:extLst>
       <p:ext uri="{BB962C8B-B14F-4D97-AF65-F5344CB8AC3E}">
-        <p14:creationId xmlns:p14="http://schemas.microsoft.com/office/powerpoint/2010/main" val="360098451"/>
+        <p14:creationId xmlns:p14="http://schemas.microsoft.com/office/powerpoint/2010/main" val="1963916080"/>
       </p:ext>
     </p:extLst>
   </p:cSld>
@@ -46998,6 +47658,478 @@
               <a:rPr lang="ko-KR" altLang="en-US" smtClean="0"/>
               <a:pPr/>
               <a:t>61</a:t>
+            </a:fld>
+            <a:endParaRPr lang="ko-KR" altLang="en-US" dirty="0"/>
+          </a:p>
+        </p:txBody>
+      </p:sp>
+      <p:sp>
+        <p:nvSpPr>
+          <p:cNvPr id="6" name="내용 개체 틀 4">
+            <a:extLst>
+              <a:ext uri="{FF2B5EF4-FFF2-40B4-BE49-F238E27FC236}">
+                <a16:creationId xmlns:a16="http://schemas.microsoft.com/office/drawing/2014/main" id="{D3B4B56B-08C3-4B04-B45F-D928F752AE57}"/>
+              </a:ext>
+            </a:extLst>
+          </p:cNvPr>
+          <p:cNvSpPr>
+            <a:spLocks noGrp="1"/>
+          </p:cNvSpPr>
+          <p:nvPr>
+            <p:ph idx="1"/>
+          </p:nvPr>
+        </p:nvSpPr>
+        <p:spPr>
+          <a:xfrm>
+            <a:off x="250825" y="1000221"/>
+            <a:ext cx="8813165" cy="5356130"/>
+          </a:xfrm>
+        </p:spPr>
+        <p:txBody>
+          <a:bodyPr>
+            <a:noAutofit/>
+          </a:bodyPr>
+          <a:lstStyle/>
+          <a:p>
+            <a:pPr>
+              <a:spcBef>
+                <a:spcPct val="0"/>
+              </a:spcBef>
+              <a:buClr>
+                <a:schemeClr val="tx1">
+                  <a:lumMod val="65000"/>
+                  <a:lumOff val="35000"/>
+                </a:schemeClr>
+              </a:buClr>
+            </a:pPr>
+            <a:r>
+              <a:rPr lang="ko-KR" altLang="en-US" dirty="0"/>
+              <a:t>명령어</a:t>
+            </a:r>
+            <a:r>
+              <a:rPr lang="en-US" altLang="ko-KR" dirty="0">
+                <a:latin typeface="+mn-ea"/>
+              </a:rPr>
+              <a:t> </a:t>
+            </a:r>
+          </a:p>
+          <a:p>
+            <a:pPr marL="444500" lvl="1" indent="0">
+              <a:spcBef>
+                <a:spcPts val="0"/>
+              </a:spcBef>
+              <a:spcAft>
+                <a:spcPts val="0"/>
+              </a:spcAft>
+              <a:buClr>
+                <a:schemeClr val="tx1">
+                  <a:lumMod val="50000"/>
+                  <a:lumOff val="50000"/>
+                </a:schemeClr>
+              </a:buClr>
+              <a:buNone/>
+            </a:pPr>
+            <a:r>
+              <a:rPr lang="en-US" altLang="ko-KR" dirty="0">
+                <a:latin typeface="+mn-ea"/>
+              </a:rPr>
+              <a:t> ☞  git </a:t>
+            </a:r>
+            <a:r>
+              <a:rPr lang="en-US" altLang="ko-KR" dirty="0" err="1">
+                <a:latin typeface="+mn-ea"/>
+              </a:rPr>
+              <a:t>init</a:t>
+            </a:r>
+            <a:endParaRPr lang="en-US" altLang="ko-KR" dirty="0">
+              <a:latin typeface="+mn-ea"/>
+            </a:endParaRPr>
+          </a:p>
+          <a:p>
+            <a:pPr marL="444500" lvl="1" indent="0">
+              <a:spcBef>
+                <a:spcPts val="0"/>
+              </a:spcBef>
+              <a:spcAft>
+                <a:spcPts val="0"/>
+              </a:spcAft>
+              <a:buClr>
+                <a:schemeClr val="tx1">
+                  <a:lumMod val="50000"/>
+                  <a:lumOff val="50000"/>
+                </a:schemeClr>
+              </a:buClr>
+              <a:buNone/>
+            </a:pPr>
+            <a:r>
+              <a:rPr lang="en-US" altLang="ko-KR" dirty="0">
+                <a:latin typeface="+mn-ea"/>
+              </a:rPr>
+              <a:t> ☞  git config --global </a:t>
+            </a:r>
+          </a:p>
+          <a:p>
+            <a:pPr marL="444500" lvl="1" indent="0">
+              <a:spcBef>
+                <a:spcPts val="0"/>
+              </a:spcBef>
+              <a:spcAft>
+                <a:spcPts val="0"/>
+              </a:spcAft>
+              <a:buClr>
+                <a:schemeClr val="tx1">
+                  <a:lumMod val="50000"/>
+                  <a:lumOff val="50000"/>
+                </a:schemeClr>
+              </a:buClr>
+              <a:buNone/>
+            </a:pPr>
+            <a:r>
+              <a:rPr lang="en-US" altLang="ko-KR" dirty="0">
+                <a:latin typeface="+mn-ea"/>
+              </a:rPr>
+              <a:t> ☞  git status</a:t>
+            </a:r>
+          </a:p>
+          <a:p>
+            <a:pPr marL="444500" lvl="1" indent="0">
+              <a:spcBef>
+                <a:spcPts val="0"/>
+              </a:spcBef>
+              <a:spcAft>
+                <a:spcPts val="0"/>
+              </a:spcAft>
+              <a:buClr>
+                <a:schemeClr val="tx1">
+                  <a:lumMod val="50000"/>
+                  <a:lumOff val="50000"/>
+                </a:schemeClr>
+              </a:buClr>
+              <a:buNone/>
+            </a:pPr>
+            <a:r>
+              <a:rPr lang="en-US" altLang="ko-KR" dirty="0">
+                <a:latin typeface="+mn-ea"/>
+              </a:rPr>
+              <a:t> ☞  git add</a:t>
+            </a:r>
+          </a:p>
+          <a:p>
+            <a:pPr marL="444500" lvl="1" indent="0">
+              <a:spcBef>
+                <a:spcPts val="0"/>
+              </a:spcBef>
+              <a:spcAft>
+                <a:spcPts val="0"/>
+              </a:spcAft>
+              <a:buClr>
+                <a:schemeClr val="tx1">
+                  <a:lumMod val="50000"/>
+                  <a:lumOff val="50000"/>
+                </a:schemeClr>
+              </a:buClr>
+              <a:buNone/>
+            </a:pPr>
+            <a:r>
+              <a:rPr lang="en-US" altLang="ko-KR" dirty="0">
+                <a:latin typeface="+mn-ea"/>
+              </a:rPr>
+              <a:t> ☞  git commit -am</a:t>
+            </a:r>
+          </a:p>
+          <a:p>
+            <a:pPr marL="444500" lvl="1" indent="0">
+              <a:spcBef>
+                <a:spcPts val="0"/>
+              </a:spcBef>
+              <a:spcAft>
+                <a:spcPts val="0"/>
+              </a:spcAft>
+              <a:buClr>
+                <a:schemeClr val="tx1">
+                  <a:lumMod val="50000"/>
+                  <a:lumOff val="50000"/>
+                </a:schemeClr>
+              </a:buClr>
+              <a:buNone/>
+            </a:pPr>
+            <a:r>
+              <a:rPr lang="en-US" altLang="ko-KR" dirty="0">
+                <a:latin typeface="+mn-ea"/>
+              </a:rPr>
+              <a:t> ☞  git log --branches --</a:t>
+            </a:r>
+            <a:r>
+              <a:rPr lang="en-US" altLang="ko-KR" dirty="0" err="1">
+                <a:latin typeface="+mn-ea"/>
+              </a:rPr>
+              <a:t>oneline</a:t>
+            </a:r>
+            <a:r>
+              <a:rPr lang="en-US" altLang="ko-KR" dirty="0">
+                <a:latin typeface="+mn-ea"/>
+              </a:rPr>
+              <a:t> --graph</a:t>
+            </a:r>
+          </a:p>
+          <a:p>
+            <a:pPr marL="444500" lvl="1" indent="0">
+              <a:spcBef>
+                <a:spcPts val="0"/>
+              </a:spcBef>
+              <a:spcAft>
+                <a:spcPts val="0"/>
+              </a:spcAft>
+              <a:buClr>
+                <a:schemeClr val="tx1">
+                  <a:lumMod val="50000"/>
+                  <a:lumOff val="50000"/>
+                </a:schemeClr>
+              </a:buClr>
+              <a:buNone/>
+            </a:pPr>
+            <a:r>
+              <a:rPr lang="en-US" altLang="ko-KR" dirty="0">
+                <a:latin typeface="+mn-ea"/>
+              </a:rPr>
+              <a:t> ☞  git branch</a:t>
+            </a:r>
+          </a:p>
+          <a:p>
+            <a:pPr marL="444500" lvl="1" indent="0">
+              <a:spcBef>
+                <a:spcPts val="0"/>
+              </a:spcBef>
+              <a:spcAft>
+                <a:spcPts val="0"/>
+              </a:spcAft>
+              <a:buClr>
+                <a:schemeClr val="tx1">
+                  <a:lumMod val="50000"/>
+                  <a:lumOff val="50000"/>
+                </a:schemeClr>
+              </a:buClr>
+              <a:buNone/>
+            </a:pPr>
+            <a:r>
+              <a:rPr lang="en-US" altLang="ko-KR" dirty="0">
+                <a:latin typeface="+mn-ea"/>
+              </a:rPr>
+              <a:t> ☞  git checkout</a:t>
+            </a:r>
+          </a:p>
+          <a:p>
+            <a:pPr marL="444500" lvl="1" indent="0">
+              <a:spcBef>
+                <a:spcPts val="0"/>
+              </a:spcBef>
+              <a:spcAft>
+                <a:spcPts val="0"/>
+              </a:spcAft>
+              <a:buClr>
+                <a:schemeClr val="tx1">
+                  <a:lumMod val="50000"/>
+                  <a:lumOff val="50000"/>
+                </a:schemeClr>
+              </a:buClr>
+              <a:buNone/>
+            </a:pPr>
+            <a:r>
+              <a:rPr lang="en-US" altLang="ko-KR" dirty="0">
+                <a:latin typeface="+mn-ea"/>
+              </a:rPr>
+              <a:t> ☞  git merge</a:t>
+            </a:r>
+          </a:p>
+          <a:p>
+            <a:pPr marL="444500" lvl="1" indent="0">
+              <a:spcBef>
+                <a:spcPts val="0"/>
+              </a:spcBef>
+              <a:spcAft>
+                <a:spcPts val="0"/>
+              </a:spcAft>
+              <a:buClr>
+                <a:schemeClr val="tx1">
+                  <a:lumMod val="50000"/>
+                  <a:lumOff val="50000"/>
+                </a:schemeClr>
+              </a:buClr>
+              <a:buNone/>
+            </a:pPr>
+            <a:r>
+              <a:rPr lang="en-US" altLang="ko-KR" dirty="0">
+                <a:latin typeface="+mn-ea"/>
+              </a:rPr>
+              <a:t> ☞  git diff</a:t>
+            </a:r>
+          </a:p>
+          <a:p>
+            <a:pPr marL="444500" lvl="1" indent="0">
+              <a:spcBef>
+                <a:spcPts val="0"/>
+              </a:spcBef>
+              <a:spcAft>
+                <a:spcPts val="0"/>
+              </a:spcAft>
+              <a:buClr>
+                <a:schemeClr val="tx1">
+                  <a:lumMod val="50000"/>
+                  <a:lumOff val="50000"/>
+                </a:schemeClr>
+              </a:buClr>
+              <a:buNone/>
+            </a:pPr>
+            <a:r>
+              <a:rPr lang="en-US" altLang="ko-KR" dirty="0">
+                <a:latin typeface="+mn-ea"/>
+              </a:rPr>
+              <a:t> ☞  git tag</a:t>
+            </a:r>
+          </a:p>
+          <a:p>
+            <a:pPr marL="444500" lvl="1" indent="0">
+              <a:spcBef>
+                <a:spcPts val="0"/>
+              </a:spcBef>
+              <a:spcAft>
+                <a:spcPts val="0"/>
+              </a:spcAft>
+              <a:buClr>
+                <a:schemeClr val="tx1">
+                  <a:lumMod val="50000"/>
+                  <a:lumOff val="50000"/>
+                </a:schemeClr>
+              </a:buClr>
+              <a:buNone/>
+            </a:pPr>
+            <a:r>
+              <a:rPr lang="en-US" altLang="ko-KR" sz="1600" dirty="0">
+                <a:latin typeface="+mn-ea"/>
+              </a:rPr>
+              <a:t> </a:t>
+            </a:r>
+            <a:r>
+              <a:rPr lang="en-US" altLang="ko-KR" dirty="0">
+                <a:latin typeface="+mn-ea"/>
+              </a:rPr>
+              <a:t>☞  git stash</a:t>
+            </a:r>
+            <a:endParaRPr lang="en-US" altLang="ko-KR" sz="1600" b="0" dirty="0"/>
+          </a:p>
+          <a:p>
+            <a:pPr marL="444500" lvl="1" indent="0">
+              <a:spcBef>
+                <a:spcPts val="0"/>
+              </a:spcBef>
+              <a:spcAft>
+                <a:spcPts val="0"/>
+              </a:spcAft>
+              <a:buClr>
+                <a:schemeClr val="tx1">
+                  <a:lumMod val="50000"/>
+                  <a:lumOff val="50000"/>
+                </a:schemeClr>
+              </a:buClr>
+              <a:buNone/>
+            </a:pPr>
+            <a:r>
+              <a:rPr lang="en-US" altLang="ko-KR" dirty="0">
+                <a:latin typeface="+mn-ea"/>
+              </a:rPr>
+              <a:t> ☞  git show {commit ID}</a:t>
+            </a:r>
+          </a:p>
+        </p:txBody>
+      </p:sp>
+    </p:spTree>
+    <p:extLst>
+      <p:ext uri="{BB962C8B-B14F-4D97-AF65-F5344CB8AC3E}">
+        <p14:creationId xmlns:p14="http://schemas.microsoft.com/office/powerpoint/2010/main" val="360098451"/>
+      </p:ext>
+    </p:extLst>
+  </p:cSld>
+  <p:clrMapOvr>
+    <a:masterClrMapping/>
+  </p:clrMapOvr>
+</p:sld>
+</file>
+
+<file path=ppt/slides/slide62.xml><?xml version="1.0" encoding="utf-8"?>
+<p:sld xmlns:a="http://schemas.openxmlformats.org/drawingml/2006/main" xmlns:r="http://schemas.openxmlformats.org/officeDocument/2006/relationships" xmlns:p="http://schemas.openxmlformats.org/presentationml/2006/main">
+  <p:cSld>
+    <p:spTree>
+      <p:nvGrpSpPr>
+        <p:cNvPr id="1" name=""/>
+        <p:cNvGrpSpPr/>
+        <p:nvPr/>
+      </p:nvGrpSpPr>
+      <p:grpSpPr>
+        <a:xfrm>
+          <a:off x="0" y="0"/>
+          <a:ext cx="0" cy="0"/>
+          <a:chOff x="0" y="0"/>
+          <a:chExt cx="0" cy="0"/>
+        </a:xfrm>
+      </p:grpSpPr>
+      <p:sp>
+        <p:nvSpPr>
+          <p:cNvPr id="4" name="제목 3">
+            <a:extLst>
+              <a:ext uri="{FF2B5EF4-FFF2-40B4-BE49-F238E27FC236}">
+                <a16:creationId xmlns:a16="http://schemas.microsoft.com/office/drawing/2014/main" id="{F0CEB32B-CB43-4410-BA08-A97E4BC47FCB}"/>
+              </a:ext>
+            </a:extLst>
+          </p:cNvPr>
+          <p:cNvSpPr>
+            <a:spLocks noGrp="1"/>
+          </p:cNvSpPr>
+          <p:nvPr>
+            <p:ph type="title"/>
+          </p:nvPr>
+        </p:nvSpPr>
+        <p:spPr/>
+        <p:txBody>
+          <a:bodyPr/>
+          <a:lstStyle/>
+          <a:p>
+            <a:r>
+              <a:rPr lang="ko-KR" altLang="en-US" dirty="0"/>
+              <a:t>복습 </a:t>
+            </a:r>
+            <a:r>
+              <a:rPr lang="en-US" altLang="ko-KR" dirty="0"/>
+              <a:t>&amp;</a:t>
+            </a:r>
+            <a:endParaRPr lang="ko-KR" altLang="en-US" dirty="0"/>
+          </a:p>
+        </p:txBody>
+      </p:sp>
+      <p:sp>
+        <p:nvSpPr>
+          <p:cNvPr id="5" name="슬라이드 번호 개체 틀 4">
+            <a:extLst>
+              <a:ext uri="{FF2B5EF4-FFF2-40B4-BE49-F238E27FC236}">
+                <a16:creationId xmlns:a16="http://schemas.microsoft.com/office/drawing/2014/main" id="{F173C1D3-216A-403A-A8C8-A8FF24D1DB4D}"/>
+              </a:ext>
+            </a:extLst>
+          </p:cNvPr>
+          <p:cNvSpPr>
+            <a:spLocks noGrp="1"/>
+          </p:cNvSpPr>
+          <p:nvPr>
+            <p:ph type="sldNum" sz="quarter" idx="12"/>
+          </p:nvPr>
+        </p:nvSpPr>
+        <p:spPr/>
+        <p:txBody>
+          <a:bodyPr/>
+          <a:lstStyle/>
+          <a:p>
+            <a:fld id="{526ADF51-C4A2-4521-899C-87F34FDB9C0A}" type="slidenum">
+              <a:rPr lang="ko-KR" altLang="en-US" smtClean="0"/>
+              <a:pPr/>
+              <a:t>62</a:t>
             </a:fld>
             <a:endParaRPr lang="ko-KR" altLang="en-US" dirty="0"/>
           </a:p>
@@ -47447,7 +48579,7 @@
 </p:sld>
 </file>
 
-<file path=ppt/slides/slide62.xml><?xml version="1.0" encoding="utf-8"?>
+<file path=ppt/slides/slide63.xml><?xml version="1.0" encoding="utf-8"?>
 <p:sld xmlns:a="http://schemas.openxmlformats.org/drawingml/2006/main" xmlns:r="http://schemas.openxmlformats.org/officeDocument/2006/relationships" xmlns:p="http://schemas.openxmlformats.org/presentationml/2006/main">
   <p:cSld>
     <p:spTree>
@@ -48281,7 +49413,7 @@
             <a:fld id="{526ADF51-C4A2-4521-899C-87F34FDB9C0A}" type="slidenum">
               <a:rPr lang="ko-KR" altLang="en-US" smtClean="0"/>
               <a:pPr/>
-              <a:t>62</a:t>
+              <a:t>63</a:t>
             </a:fld>
             <a:endParaRPr lang="ko-KR" altLang="en-US" dirty="0"/>
           </a:p>
@@ -49499,7 +50631,7 @@
         </p:spPr>
         <p:txBody>
           <a:bodyPr>
-            <a:normAutofit/>
+            <a:normAutofit fontScale="92500" lnSpcReduction="10000"/>
           </a:bodyPr>
           <a:lstStyle/>
           <a:p>

--- a/git및github첫걸음1-git사용하기.pptx
+++ b/git및github첫걸음1-git사용하기.pptx
@@ -270,7 +270,7 @@
           <a:p>
             <a:fld id="{A17B9194-BDE3-40E3-983E-94CE6FA773AF}" type="datetimeFigureOut">
               <a:rPr lang="ko-KR" altLang="en-US" smtClean="0"/>
-              <a:t>2021-04-03</a:t>
+              <a:t>2021-04-04</a:t>
             </a:fld>
             <a:endParaRPr lang="ko-KR" altLang="en-US"/>
           </a:p>
@@ -46079,16 +46079,7 @@
                 </a:solidFill>
                 <a:latin typeface="+mn-ea"/>
               </a:rPr>
-              <a:t>   </a:t>
-            </a:r>
-            <a:r>
-              <a:rPr lang="en-US" altLang="ko-KR" dirty="0" smtClean="0">
-                <a:solidFill>
-                  <a:srgbClr val="333300"/>
-                </a:solidFill>
-                <a:latin typeface="+mn-ea"/>
-              </a:rPr>
-              <a:t> </a:t>
+              <a:t>    </a:t>
             </a:r>
             <a:r>
               <a:rPr lang="en-US" altLang="ko-KR" dirty="0">

--- a/git및github첫걸음1-git사용하기.pptx
+++ b/git및github첫걸음1-git사용하기.pptx
@@ -270,7 +270,7 @@
           <a:p>
             <a:fld id="{A17B9194-BDE3-40E3-983E-94CE6FA773AF}" type="datetimeFigureOut">
               <a:rPr lang="ko-KR" altLang="en-US" smtClean="0"/>
-              <a:t>2021-04-04</a:t>
+              <a:t>2021-04-09</a:t>
             </a:fld>
             <a:endParaRPr lang="ko-KR" altLang="en-US"/>
           </a:p>
@@ -2590,7 +2590,85 @@
           <a:bodyPr/>
           <a:lstStyle/>
           <a:p>
+            <a:r>
+              <a:rPr lang="en-US" altLang="ko-KR" baseline="0" dirty="0"/>
+              <a:t>-a </a:t>
+            </a:r>
+            <a:r>
+              <a:rPr lang="ko-KR" altLang="en-US" baseline="0" dirty="0"/>
+              <a:t>는 삭제된 파일</a:t>
+            </a:r>
+            <a:r>
+              <a:rPr lang="en-US" altLang="ko-KR" baseline="0" dirty="0"/>
+              <a:t>, </a:t>
+            </a:r>
+            <a:r>
+              <a:rPr lang="ko-KR" altLang="en-US" baseline="0" dirty="0"/>
+              <a:t>처음 </a:t>
+            </a:r>
+            <a:r>
+              <a:rPr lang="en-US" altLang="ko-KR" baseline="0" dirty="0"/>
+              <a:t>add</a:t>
+            </a:r>
+            <a:r>
+              <a:rPr lang="ko-KR" altLang="en-US" baseline="0" dirty="0"/>
+              <a:t>한 파일</a:t>
+            </a:r>
+            <a:r>
+              <a:rPr lang="en-US" altLang="ko-KR" baseline="0" dirty="0"/>
+              <a:t>, </a:t>
+            </a:r>
+            <a:r>
+              <a:rPr lang="en-US" altLang="ko-KR" baseline="0" dirty="0" err="1"/>
+              <a:t>commi</a:t>
+            </a:r>
+            <a:r>
+              <a:rPr lang="ko-KR" altLang="en-US" baseline="0" dirty="0"/>
+              <a:t>후 </a:t>
+            </a:r>
+            <a:r>
+              <a:rPr lang="en-US" altLang="ko-KR" baseline="0" dirty="0" err="1"/>
+              <a:t>moidified</a:t>
+            </a:r>
+            <a:r>
+              <a:rPr lang="ko-KR" altLang="en-US" baseline="0" dirty="0"/>
+              <a:t>된 파일을 모두 일괄적으로 하겠다는 의미</a:t>
+            </a:r>
             <a:endParaRPr lang="en-US" altLang="ko-KR" baseline="0" dirty="0"/>
+          </a:p>
+          <a:p>
+            <a:r>
+              <a:rPr lang="ko-KR" altLang="en-US" baseline="0" dirty="0"/>
+              <a:t>개벌적으로 하려면 </a:t>
+            </a:r>
+            <a:r>
+              <a:rPr lang="en-US" altLang="ko-KR" baseline="0" dirty="0"/>
+              <a:t>git commit </a:t>
+            </a:r>
+            <a:r>
+              <a:rPr lang="ko-KR" altLang="en-US" baseline="0" dirty="0"/>
+              <a:t>파일명 </a:t>
+            </a:r>
+            <a:r>
+              <a:rPr lang="en-US" altLang="ko-KR" baseline="0" dirty="0"/>
+              <a:t>-m ‘</a:t>
+            </a:r>
+            <a:r>
+              <a:rPr lang="ko-KR" altLang="en-US" baseline="0" dirty="0"/>
+              <a:t>메시지</a:t>
+            </a:r>
+            <a:r>
+              <a:rPr lang="en-US" altLang="ko-KR" baseline="0" dirty="0"/>
+              <a:t>’</a:t>
+            </a:r>
+            <a:r>
+              <a:rPr lang="ko-KR" altLang="en-US" baseline="0" dirty="0"/>
+              <a:t>로 해야 함</a:t>
+            </a:r>
+            <a:r>
+              <a:rPr lang="en-US" altLang="ko-KR" baseline="0" dirty="0"/>
+              <a:t>.</a:t>
+            </a:r>
           </a:p>
         </p:txBody>
       </p:sp>
@@ -5004,6 +5082,10 @@
           <a:bodyPr/>
           <a:lstStyle/>
           <a:p>
+            <a:r>
+              <a:rPr lang="en-US" altLang="ko-KR" dirty="0"/>
+              <a:t>Switch -c = switch --create</a:t>
+            </a:r>
             <a:endParaRPr lang="ko-KR" altLang="en-US" dirty="0"/>
           </a:p>
         </p:txBody>
@@ -19765,9 +19847,33 @@
               </a:rPr>
               <a:t>전환</a:t>
             </a:r>
-            <a:endParaRPr lang="en-US" altLang="ko-KR" dirty="0">
-              <a:latin typeface="+mn-ea"/>
-            </a:endParaRPr>
+            <a:r>
+              <a:rPr lang="en-US" altLang="ko-KR" dirty="0">
+                <a:latin typeface="+mn-ea"/>
+              </a:rPr>
+              <a:t>, </a:t>
+            </a:r>
+            <a:r>
+              <a:rPr lang="en-US" altLang="ko-KR" dirty="0">
+                <a:solidFill>
+                  <a:srgbClr val="FF0000"/>
+                </a:solidFill>
+                <a:latin typeface="+mn-ea"/>
+              </a:rPr>
+              <a:t>switch</a:t>
+            </a:r>
+            <a:r>
+              <a:rPr lang="ko-KR" altLang="en-US" dirty="0">
+                <a:latin typeface="+mn-ea"/>
+              </a:rPr>
+              <a:t>로 바뀌고 있음</a:t>
+            </a:r>
+            <a:r>
+              <a:rPr lang="en-US" altLang="ko-KR" dirty="0">
+                <a:latin typeface="+mn-ea"/>
+              </a:rPr>
+              <a:t>.</a:t>
+            </a:r>
           </a:p>
           <a:p>
             <a:pPr marL="357188" lvl="1" indent="0">
@@ -35868,7 +35974,34 @@
               <a:rPr lang="en-US" altLang="ko-KR" dirty="0">
                 <a:latin typeface="+mn-ea"/>
               </a:rPr>
-              <a:t>.</a:t>
+              <a:t>. = git </a:t>
+            </a:r>
+            <a:r>
+              <a:rPr lang="en-US" altLang="ko-KR" dirty="0">
+                <a:solidFill>
+                  <a:srgbClr val="FF0000"/>
+                </a:solidFill>
+                <a:latin typeface="+mn-ea"/>
+              </a:rPr>
+              <a:t>switch</a:t>
+            </a:r>
+            <a:r>
+              <a:rPr lang="ko-KR" altLang="en-US" dirty="0">
+                <a:solidFill>
+                  <a:srgbClr val="FF0000"/>
+                </a:solidFill>
+                <a:latin typeface="+mn-ea"/>
+              </a:rPr>
+              <a:t> </a:t>
+            </a:r>
+            <a:r>
+              <a:rPr lang="en-US" altLang="ko-KR" dirty="0">
+                <a:solidFill>
+                  <a:srgbClr val="FF0000"/>
+                </a:solidFill>
+                <a:latin typeface="+mn-ea"/>
+              </a:rPr>
+              <a:t>-c</a:t>
             </a:r>
           </a:p>
           <a:p>
@@ -43779,7 +43912,7 @@
         <p:spPr>
           <a:xfrm>
             <a:off x="250826" y="1000222"/>
-            <a:ext cx="4557842" cy="1881212"/>
+            <a:ext cx="5487368" cy="1881212"/>
           </a:xfrm>
           <a:prstGeom prst="rect">
             <a:avLst/>
@@ -44028,6 +44161,18 @@
                 <a:latin typeface="+mn-lt"/>
               </a:rPr>
               <a:t> 비교</a:t>
+            </a:r>
+            <a:r>
+              <a:rPr lang="en-US" altLang="ko-KR" sz="1600" dirty="0">
+                <a:latin typeface="+mn-lt"/>
+              </a:rPr>
+              <a:t>, </a:t>
+            </a:r>
+            <a:r>
+              <a:rPr lang="en-US" altLang="ko-KR" sz="1600" dirty="0">
+                <a:latin typeface="+mn-ea"/>
+              </a:rPr>
+              <a:t>☞ git diff v3.0..v2.0</a:t>
             </a:r>
             <a:r>
               <a:rPr lang="en-US" altLang="ko-KR" sz="1600" dirty="0">
@@ -45529,12 +45674,6 @@
               </a:rPr>
               <a:t>하지 않은 수정한 파일만 저장</a:t>
             </a:r>
-            <a:r>
-              <a:rPr lang="en-US" altLang="ko-KR" dirty="0">
-                <a:latin typeface="+mn-ea"/>
-              </a:rPr>
-              <a:t/>
-            </a:r>
             <a:br>
               <a:rPr lang="en-US" altLang="ko-KR" dirty="0">
                 <a:latin typeface="+mn-ea"/>
@@ -45677,12 +45816,6 @@
                 <a:latin typeface="+mn-ea"/>
               </a:rPr>
               <a:t>을 동시에 수행하는 명령어</a:t>
-            </a:r>
-            <a:r>
-              <a:rPr lang="en-US" altLang="ko-KR" dirty="0">
-                <a:latin typeface="+mn-ea"/>
-              </a:rPr>
-              <a:t/>
             </a:r>
             <a:br>
               <a:rPr lang="en-US" altLang="ko-KR" dirty="0">
@@ -45777,18 +45910,17 @@
           <a:lstStyle/>
           <a:p>
             <a:r>
-              <a:rPr lang="ko-KR" altLang="en-US" dirty="0" smtClean="0"/>
+              <a:rPr lang="ko-KR" altLang="en-US" dirty="0"/>
               <a:t>파일 삭제</a:t>
             </a:r>
             <a:r>
-              <a:rPr lang="en-US" altLang="ko-KR" dirty="0" smtClean="0"/>
+              <a:rPr lang="en-US" altLang="ko-KR" dirty="0"/>
               <a:t> </a:t>
             </a:r>
             <a:r>
-              <a:rPr lang="ko-KR" altLang="en-US" dirty="0" smtClean="0"/>
+              <a:rPr lang="ko-KR" altLang="en-US" dirty="0"/>
               <a:t> </a:t>
             </a:r>
-            <a:endParaRPr lang="ko-KR" altLang="en-US" dirty="0"/>
           </a:p>
         </p:txBody>
       </p:sp>
@@ -45832,19 +45964,19 @@
               </a:buClr>
             </a:pPr>
             <a:r>
-              <a:rPr lang="ko-KR" altLang="en-US" dirty="0" err="1" smtClean="0"/>
+              <a:rPr lang="ko-KR" altLang="en-US" dirty="0" err="1"/>
               <a:t>브랜치에서</a:t>
             </a:r>
             <a:r>
-              <a:rPr lang="ko-KR" altLang="en-US" dirty="0" smtClean="0"/>
+              <a:rPr lang="ko-KR" altLang="en-US" dirty="0"/>
               <a:t> 삭제할 때 </a:t>
             </a:r>
             <a:r>
-              <a:rPr lang="en-US" altLang="ko-KR" dirty="0" smtClean="0"/>
+              <a:rPr lang="en-US" altLang="ko-KR" dirty="0"/>
               <a:t>main</a:t>
             </a:r>
             <a:r>
-              <a:rPr lang="ko-KR" altLang="en-US" dirty="0" smtClean="0"/>
+              <a:rPr lang="ko-KR" altLang="en-US" dirty="0"/>
               <a:t>에도 영향을 줌</a:t>
             </a:r>
             <a:endParaRPr lang="ko-KR" altLang="en-US" dirty="0">
@@ -45869,19 +46001,19 @@
               </a:buClr>
             </a:pPr>
             <a:r>
-              <a:rPr lang="en-US" altLang="ko-KR" dirty="0" smtClean="0">
+              <a:rPr lang="en-US" altLang="ko-KR" dirty="0">
                 <a:latin typeface="+mn-ea"/>
               </a:rPr>
               <a:t>Rm </a:t>
             </a:r>
             <a:r>
-              <a:rPr lang="ko-KR" altLang="en-US" dirty="0" smtClean="0">
+              <a:rPr lang="ko-KR" altLang="en-US" dirty="0">
                 <a:latin typeface="+mn-ea"/>
               </a:rPr>
               <a:t>후 마지막은 항상 </a:t>
             </a:r>
             <a:r>
-              <a:rPr lang="en-US" altLang="ko-KR" dirty="0" smtClean="0">
+              <a:rPr lang="en-US" altLang="ko-KR" dirty="0">
                 <a:latin typeface="+mn-ea"/>
               </a:rPr>
               <a:t>commit!</a:t>
@@ -45904,22 +46036,13 @@
               <a:buNone/>
             </a:pPr>
             <a:r>
-              <a:rPr lang="en-US" altLang="ko-KR" dirty="0" smtClean="0">
+              <a:rPr lang="en-US" altLang="ko-KR" dirty="0">
                 <a:solidFill>
                   <a:srgbClr val="333300"/>
                 </a:solidFill>
                 <a:latin typeface="+mn-ea"/>
               </a:rPr>
-              <a:t>    </a:t>
-            </a:r>
-            <a:r>
-              <a:rPr lang="en-US" altLang="ko-KR" dirty="0">
-                <a:solidFill>
-                  <a:srgbClr val="333300"/>
-                </a:solidFill>
-                <a:latin typeface="+mn-ea"/>
-              </a:rPr>
-              <a:t>☞ </a:t>
+              <a:t>    ☞ </a:t>
             </a:r>
             <a:r>
               <a:rPr lang="en-US" altLang="ko-KR" dirty="0" err="1">
@@ -45940,84 +46063,13 @@
               <a:t> </a:t>
             </a:r>
             <a:r>
-              <a:rPr lang="en-US" altLang="ko-KR" dirty="0" err="1" smtClean="0">
-                <a:solidFill>
-                  <a:srgbClr val="333300"/>
-                </a:solidFill>
-                <a:latin typeface="+mn-ea"/>
-              </a:rPr>
-              <a:t>rm</a:t>
-            </a:r>
-            <a:r>
-              <a:rPr lang="en-US" altLang="ko-KR" dirty="0" smtClean="0">
-                <a:solidFill>
-                  <a:srgbClr val="333300"/>
-                </a:solidFill>
-                <a:latin typeface="+mn-ea"/>
-              </a:rPr>
-              <a:t> &lt;file</a:t>
-            </a:r>
-            <a:r>
-              <a:rPr lang="ko-KR" altLang="en-US" dirty="0" smtClean="0">
-                <a:solidFill>
-                  <a:srgbClr val="333300"/>
-                </a:solidFill>
-                <a:latin typeface="+mn-ea"/>
-              </a:rPr>
-              <a:t>명</a:t>
-            </a:r>
-            <a:r>
-              <a:rPr lang="en-US" altLang="ko-KR" dirty="0" smtClean="0">
-                <a:solidFill>
-                  <a:srgbClr val="333300"/>
-                </a:solidFill>
-                <a:latin typeface="+mn-ea"/>
-              </a:rPr>
-              <a:t>&gt;</a:t>
-            </a:r>
-          </a:p>
-          <a:p>
-            <a:pPr marL="266700" lvl="1" indent="0">
-              <a:spcBef>
-                <a:spcPts val="0"/>
-              </a:spcBef>
-              <a:spcAft>
-                <a:spcPts val="0"/>
-              </a:spcAft>
-              <a:buClr>
-                <a:schemeClr val="tx1">
-                  <a:lumMod val="50000"/>
-                  <a:lumOff val="50000"/>
-                </a:schemeClr>
-              </a:buClr>
-              <a:buNone/>
-            </a:pPr>
-            <a:r>
-              <a:rPr lang="en-US" altLang="ko-KR" dirty="0">
-                <a:solidFill>
-                  <a:srgbClr val="333300"/>
-                </a:solidFill>
-                <a:latin typeface="+mn-ea"/>
-              </a:rPr>
-              <a:t> </a:t>
-            </a:r>
-            <a:r>
-              <a:rPr lang="en-US" altLang="ko-KR" dirty="0" smtClean="0">
-                <a:solidFill>
-                  <a:srgbClr val="333300"/>
-                </a:solidFill>
-                <a:latin typeface="+mn-ea"/>
-              </a:rPr>
-              <a:t>   ☞ </a:t>
-            </a:r>
-            <a:r>
               <a:rPr lang="en-US" altLang="ko-KR" dirty="0" err="1">
                 <a:solidFill>
                   <a:srgbClr val="333300"/>
                 </a:solidFill>
                 <a:latin typeface="+mn-ea"/>
               </a:rPr>
-              <a:t>git</a:t>
+              <a:t>rm</a:t>
             </a:r>
             <a:r>
               <a:rPr lang="en-US" altLang="ko-KR" dirty="0">
@@ -46026,69 +46078,51 @@
                 </a:solidFill>
                 <a:latin typeface="+mn-ea"/>
               </a:rPr>
-              <a:t> </a:t>
-            </a:r>
-            <a:r>
-              <a:rPr lang="en-US" altLang="ko-KR" dirty="0" smtClean="0">
+              <a:t> &lt;file</a:t>
+            </a:r>
+            <a:r>
+              <a:rPr lang="ko-KR" altLang="en-US" dirty="0">
                 <a:solidFill>
                   <a:srgbClr val="333300"/>
                 </a:solidFill>
                 <a:latin typeface="+mn-ea"/>
               </a:rPr>
-              <a:t>commit –m &lt;deleted the file from the </a:t>
-            </a:r>
-            <a:r>
-              <a:rPr lang="en-US" altLang="ko-KR" dirty="0" err="1" smtClean="0">
+              <a:t>명</a:t>
+            </a:r>
+            <a:r>
+              <a:rPr lang="en-US" altLang="ko-KR" dirty="0">
                 <a:solidFill>
                   <a:srgbClr val="333300"/>
                 </a:solidFill>
                 <a:latin typeface="+mn-ea"/>
               </a:rPr>
-              <a:t>git</a:t>
-            </a:r>
-            <a:r>
-              <a:rPr lang="en-US" altLang="ko-KR" dirty="0" smtClean="0">
+              <a:t>&gt;</a:t>
+            </a:r>
+          </a:p>
+          <a:p>
+            <a:pPr marL="266700" lvl="1" indent="0">
+              <a:spcBef>
+                <a:spcPts val="0"/>
+              </a:spcBef>
+              <a:spcAft>
+                <a:spcPts val="0"/>
+              </a:spcAft>
+              <a:buClr>
+                <a:schemeClr val="tx1">
+                  <a:lumMod val="50000"/>
+                  <a:lumOff val="50000"/>
+                </a:schemeClr>
+              </a:buClr>
+              <a:buNone/>
+            </a:pPr>
+            <a:r>
+              <a:rPr lang="en-US" altLang="ko-KR" dirty="0">
                 <a:solidFill>
                   <a:srgbClr val="333300"/>
                 </a:solidFill>
                 <a:latin typeface="+mn-ea"/>
               </a:rPr>
-              <a:t> repository’</a:t>
-            </a:r>
-          </a:p>
-          <a:p>
-            <a:pPr marL="266700" lvl="1" indent="0">
-              <a:spcBef>
-                <a:spcPts val="0"/>
-              </a:spcBef>
-              <a:spcAft>
-                <a:spcPts val="0"/>
-              </a:spcAft>
-              <a:buClr>
-                <a:schemeClr val="tx1">
-                  <a:lumMod val="50000"/>
-                  <a:lumOff val="50000"/>
-                </a:schemeClr>
-              </a:buClr>
-              <a:buNone/>
-            </a:pPr>
-            <a:r>
-              <a:rPr lang="en-US" altLang="ko-KR" dirty="0" smtClean="0">
-                <a:solidFill>
-                  <a:srgbClr val="333300"/>
-                </a:solidFill>
-                <a:latin typeface="+mn-ea"/>
-              </a:rPr>
-              <a:t>    </a:t>
-            </a:r>
-            <a:r>
-              <a:rPr lang="en-US" altLang="ko-KR" dirty="0">
-                <a:solidFill>
-                  <a:srgbClr val="333300"/>
-                </a:solidFill>
-                <a:latin typeface="+mn-ea"/>
-              </a:rPr>
-              <a:t>☞ </a:t>
+              <a:t>    ☞ </a:t>
             </a:r>
             <a:r>
               <a:rPr lang="en-US" altLang="ko-KR" dirty="0" err="1">
@@ -46106,146 +46140,7 @@
                 </a:solidFill>
                 <a:latin typeface="+mn-ea"/>
               </a:rPr>
-              <a:t> </a:t>
-            </a:r>
-            <a:r>
-              <a:rPr lang="en-US" altLang="ko-KR" dirty="0" smtClean="0">
-                <a:solidFill>
-                  <a:srgbClr val="333300"/>
-                </a:solidFill>
-                <a:latin typeface="+mn-ea"/>
-              </a:rPr>
-              <a:t>push</a:t>
-            </a:r>
-          </a:p>
-          <a:p>
-            <a:pPr marL="266700" lvl="1" indent="0">
-              <a:spcBef>
-                <a:spcPts val="0"/>
-              </a:spcBef>
-              <a:spcAft>
-                <a:spcPts val="0"/>
-              </a:spcAft>
-              <a:buClr>
-                <a:schemeClr val="tx1">
-                  <a:lumMod val="50000"/>
-                  <a:lumOff val="50000"/>
-                </a:schemeClr>
-              </a:buClr>
-              <a:buNone/>
-            </a:pPr>
-            <a:r>
-              <a:rPr lang="en-US" altLang="ko-KR" dirty="0">
-                <a:solidFill>
-                  <a:srgbClr val="333300"/>
-                </a:solidFill>
-                <a:latin typeface="+mn-ea"/>
-              </a:rPr>
-              <a:t> </a:t>
-            </a:r>
-            <a:r>
-              <a:rPr lang="en-US" altLang="ko-KR" dirty="0" smtClean="0">
-                <a:solidFill>
-                  <a:srgbClr val="333300"/>
-                </a:solidFill>
-                <a:latin typeface="+mn-ea"/>
-              </a:rPr>
-              <a:t>  - </a:t>
-            </a:r>
-            <a:r>
-              <a:rPr lang="en-US" altLang="ko-KR" dirty="0" err="1" smtClean="0">
-                <a:solidFill>
-                  <a:srgbClr val="333300"/>
-                </a:solidFill>
-                <a:latin typeface="+mn-ea"/>
-              </a:rPr>
-              <a:t>git</a:t>
-            </a:r>
-            <a:r>
-              <a:rPr lang="en-US" altLang="ko-KR" dirty="0" smtClean="0">
-                <a:solidFill>
-                  <a:srgbClr val="333300"/>
-                </a:solidFill>
-                <a:latin typeface="+mn-ea"/>
-              </a:rPr>
-              <a:t> </a:t>
-            </a:r>
-            <a:r>
-              <a:rPr lang="en-US" altLang="ko-KR" dirty="0" err="1" smtClean="0">
-                <a:solidFill>
-                  <a:srgbClr val="333300"/>
-                </a:solidFill>
-                <a:latin typeface="+mn-ea"/>
-              </a:rPr>
-              <a:t>rm</a:t>
-            </a:r>
-            <a:r>
-              <a:rPr lang="en-US" altLang="ko-KR" dirty="0" smtClean="0">
-                <a:solidFill>
-                  <a:srgbClr val="333300"/>
-                </a:solidFill>
-                <a:latin typeface="+mn-ea"/>
-              </a:rPr>
-              <a:t> = delete files from repository + </a:t>
-            </a:r>
-            <a:r>
-              <a:rPr lang="en-US" altLang="ko-KR" dirty="0" err="1" smtClean="0">
-                <a:solidFill>
-                  <a:srgbClr val="333300"/>
-                </a:solidFill>
-                <a:latin typeface="+mn-ea"/>
-              </a:rPr>
-              <a:t>filesystem</a:t>
-            </a:r>
-            <a:endParaRPr lang="en-US" altLang="ko-KR" dirty="0" smtClean="0">
-              <a:solidFill>
-                <a:srgbClr val="333300"/>
-              </a:solidFill>
-              <a:latin typeface="+mn-ea"/>
-            </a:endParaRPr>
-          </a:p>
-          <a:p>
-            <a:pPr marL="266700" lvl="1" indent="0">
-              <a:spcBef>
-                <a:spcPts val="0"/>
-              </a:spcBef>
-              <a:spcAft>
-                <a:spcPts val="0"/>
-              </a:spcAft>
-              <a:buClr>
-                <a:schemeClr val="tx1">
-                  <a:lumMod val="50000"/>
-                  <a:lumOff val="50000"/>
-                </a:schemeClr>
-              </a:buClr>
-              <a:buNone/>
-            </a:pPr>
-            <a:r>
-              <a:rPr lang="en-US" altLang="ko-KR" dirty="0">
-                <a:solidFill>
-                  <a:srgbClr val="333300"/>
-                </a:solidFill>
-                <a:latin typeface="+mn-ea"/>
-              </a:rPr>
-              <a:t> </a:t>
-            </a:r>
-            <a:r>
-              <a:rPr lang="en-US" altLang="ko-KR" dirty="0" smtClean="0">
-                <a:solidFill>
-                  <a:srgbClr val="333300"/>
-                </a:solidFill>
-                <a:latin typeface="+mn-ea"/>
-              </a:rPr>
-              <a:t>   </a:t>
-            </a:r>
-            <a:r>
-              <a:rPr lang="en-US" altLang="ko-KR" dirty="0">
-                <a:solidFill>
-                  <a:srgbClr val="333300"/>
-                </a:solidFill>
-                <a:latin typeface="+mn-ea"/>
-              </a:rPr>
-              <a:t> ☞ </a:t>
+              <a:t> commit –m &lt;deleted the file from the </a:t>
             </a:r>
             <a:r>
               <a:rPr lang="en-US" altLang="ko-KR" dirty="0" err="1">
@@ -46263,374 +46158,122 @@
                 </a:solidFill>
                 <a:latin typeface="+mn-ea"/>
               </a:rPr>
-              <a:t> </a:t>
-            </a:r>
-            <a:r>
-              <a:rPr lang="en-US" altLang="ko-KR" dirty="0" smtClean="0">
+              <a:t> repository’</a:t>
+            </a:r>
+          </a:p>
+          <a:p>
+            <a:pPr marL="266700" lvl="1" indent="0">
+              <a:spcBef>
+                <a:spcPts val="0"/>
+              </a:spcBef>
+              <a:spcAft>
+                <a:spcPts val="0"/>
+              </a:spcAft>
+              <a:buClr>
+                <a:schemeClr val="tx1">
+                  <a:lumMod val="50000"/>
+                  <a:lumOff val="50000"/>
+                </a:schemeClr>
+              </a:buClr>
+              <a:buNone/>
+            </a:pPr>
+            <a:r>
+              <a:rPr lang="en-US" altLang="ko-KR" dirty="0">
                 <a:solidFill>
                   <a:srgbClr val="333300"/>
                 </a:solidFill>
                 <a:latin typeface="+mn-ea"/>
               </a:rPr>
-              <a:t>ls-tree –r main</a:t>
-            </a:r>
-          </a:p>
-          <a:p>
-            <a:pPr marL="266700" lvl="1" indent="0">
-              <a:spcBef>
-                <a:spcPts val="0"/>
-              </a:spcBef>
-              <a:spcAft>
-                <a:spcPts val="0"/>
-              </a:spcAft>
-              <a:buClr>
-                <a:schemeClr val="tx1">
-                  <a:lumMod val="50000"/>
-                  <a:lumOff val="50000"/>
-                </a:schemeClr>
-              </a:buClr>
-              <a:buNone/>
-            </a:pPr>
-            <a:r>
-              <a:rPr lang="en-US" altLang="ko-KR" dirty="0" smtClean="0">
+              <a:t>    ☞ </a:t>
+            </a:r>
+            <a:r>
+              <a:rPr lang="en-US" altLang="ko-KR" dirty="0" err="1">
                 <a:solidFill>
                   <a:srgbClr val="333300"/>
                 </a:solidFill>
                 <a:latin typeface="+mn-ea"/>
               </a:rPr>
-              <a:t>Branch</a:t>
-            </a:r>
-            <a:r>
-              <a:rPr lang="ko-KR" altLang="en-US" dirty="0" smtClean="0">
+              <a:t>git</a:t>
+            </a:r>
+            <a:r>
+              <a:rPr lang="en-US" altLang="ko-KR" dirty="0">
                 <a:solidFill>
                   <a:srgbClr val="333300"/>
                 </a:solidFill>
                 <a:latin typeface="+mn-ea"/>
               </a:rPr>
-              <a:t>에서 삭제할 경우</a:t>
-            </a:r>
-            <a:r>
-              <a:rPr lang="en-US" altLang="ko-KR" dirty="0" smtClean="0">
+              <a:t> push</a:t>
+            </a:r>
+          </a:p>
+          <a:p>
+            <a:pPr marL="266700" lvl="1" indent="0">
+              <a:spcBef>
+                <a:spcPts val="0"/>
+              </a:spcBef>
+              <a:spcAft>
+                <a:spcPts val="0"/>
+              </a:spcAft>
+              <a:buClr>
+                <a:schemeClr val="tx1">
+                  <a:lumMod val="50000"/>
+                  <a:lumOff val="50000"/>
+                </a:schemeClr>
+              </a:buClr>
+              <a:buNone/>
+            </a:pPr>
+            <a:r>
+              <a:rPr lang="en-US" altLang="ko-KR" dirty="0">
                 <a:solidFill>
                   <a:srgbClr val="333300"/>
                 </a:solidFill>
                 <a:latin typeface="+mn-ea"/>
               </a:rPr>
-              <a:t>, main</a:t>
-            </a:r>
-            <a:r>
-              <a:rPr lang="ko-KR" altLang="en-US" dirty="0" smtClean="0">
+              <a:t>   - </a:t>
+            </a:r>
+            <a:r>
+              <a:rPr lang="en-US" altLang="ko-KR" dirty="0" err="1">
                 <a:solidFill>
                   <a:srgbClr val="333300"/>
                 </a:solidFill>
                 <a:latin typeface="+mn-ea"/>
               </a:rPr>
-              <a:t>에서 같이 삭제될 수 있으니 조심해야함</a:t>
-            </a:r>
-            <a:r>
-              <a:rPr lang="en-US" altLang="ko-KR" dirty="0" smtClean="0">
+              <a:t>git</a:t>
+            </a:r>
+            <a:r>
+              <a:rPr lang="en-US" altLang="ko-KR" dirty="0">
                 <a:solidFill>
                   <a:srgbClr val="333300"/>
                 </a:solidFill>
                 <a:latin typeface="+mn-ea"/>
               </a:rPr>
-              <a:t>.</a:t>
-            </a:r>
-          </a:p>
-          <a:p>
-            <a:pPr marL="609600" lvl="1" indent="-342900">
-              <a:spcBef>
-                <a:spcPts val="0"/>
-              </a:spcBef>
-              <a:spcAft>
-                <a:spcPts val="0"/>
-              </a:spcAft>
-              <a:buClr>
-                <a:schemeClr val="tx1">
-                  <a:lumMod val="50000"/>
-                  <a:lumOff val="50000"/>
-                </a:schemeClr>
-              </a:buClr>
-              <a:buAutoNum type="arabicPeriod"/>
-            </a:pPr>
-            <a:r>
-              <a:rPr lang="ko-KR" altLang="en-US" dirty="0" smtClean="0">
+              <a:t> </a:t>
+            </a:r>
+            <a:r>
+              <a:rPr lang="en-US" altLang="ko-KR" dirty="0" err="1">
                 <a:solidFill>
                   <a:srgbClr val="333300"/>
                 </a:solidFill>
                 <a:latin typeface="+mn-ea"/>
               </a:rPr>
-              <a:t>로컬 </a:t>
-            </a:r>
-            <a:r>
-              <a:rPr lang="en-US" altLang="ko-KR" dirty="0" smtClean="0">
+              <a:t>rm</a:t>
+            </a:r>
+            <a:r>
+              <a:rPr lang="en-US" altLang="ko-KR" dirty="0">
                 <a:solidFill>
                   <a:srgbClr val="333300"/>
                 </a:solidFill>
                 <a:latin typeface="+mn-ea"/>
               </a:rPr>
-              <a:t>main -&gt; checkout –b -&gt; </a:t>
-            </a:r>
-            <a:r>
-              <a:rPr lang="en-US" altLang="ko-KR" dirty="0" err="1" smtClean="0">
+              <a:t> = delete files from repository + </a:t>
+            </a:r>
+            <a:r>
+              <a:rPr lang="en-US" altLang="ko-KR" dirty="0" err="1">
                 <a:solidFill>
                   <a:srgbClr val="333300"/>
                 </a:solidFill>
                 <a:latin typeface="+mn-ea"/>
               </a:rPr>
-              <a:t>git</a:t>
-            </a:r>
-            <a:r>
-              <a:rPr lang="en-US" altLang="ko-KR" dirty="0" smtClean="0">
-                <a:solidFill>
-                  <a:srgbClr val="333300"/>
-                </a:solidFill>
-                <a:latin typeface="+mn-ea"/>
-              </a:rPr>
-              <a:t> </a:t>
-            </a:r>
-            <a:r>
-              <a:rPr lang="en-US" altLang="ko-KR" dirty="0" err="1" smtClean="0">
-                <a:solidFill>
-                  <a:srgbClr val="333300"/>
-                </a:solidFill>
-                <a:latin typeface="+mn-ea"/>
-              </a:rPr>
-              <a:t>rm</a:t>
-            </a:r>
-            <a:r>
-              <a:rPr lang="en-US" altLang="ko-KR" dirty="0" smtClean="0">
-                <a:solidFill>
-                  <a:srgbClr val="333300"/>
-                </a:solidFill>
-                <a:latin typeface="+mn-ea"/>
-              </a:rPr>
-              <a:t> -&gt; commit -&gt; main </a:t>
-            </a:r>
-            <a:r>
-              <a:rPr lang="ko-KR" altLang="en-US" dirty="0" err="1" smtClean="0">
-                <a:solidFill>
-                  <a:srgbClr val="333300"/>
-                </a:solidFill>
-                <a:latin typeface="+mn-ea"/>
-              </a:rPr>
-              <a:t>파일내용과</a:t>
-            </a:r>
-            <a:r>
-              <a:rPr lang="ko-KR" altLang="en-US" dirty="0" smtClean="0">
-                <a:solidFill>
-                  <a:srgbClr val="333300"/>
-                </a:solidFill>
-                <a:latin typeface="+mn-ea"/>
-              </a:rPr>
-              <a:t> 비교</a:t>
-            </a:r>
-            <a:endParaRPr lang="en-US" altLang="ko-KR" dirty="0" smtClean="0">
-              <a:solidFill>
-                <a:srgbClr val="333300"/>
-              </a:solidFill>
-              <a:latin typeface="+mn-ea"/>
-            </a:endParaRPr>
-          </a:p>
-          <a:p>
-            <a:pPr marL="609600" lvl="1" indent="-342900">
-              <a:spcBef>
-                <a:spcPts val="0"/>
-              </a:spcBef>
-              <a:spcAft>
-                <a:spcPts val="0"/>
-              </a:spcAft>
-              <a:buClr>
-                <a:schemeClr val="tx1">
-                  <a:lumMod val="50000"/>
-                  <a:lumOff val="50000"/>
-                </a:schemeClr>
-              </a:buClr>
-              <a:buAutoNum type="arabicPeriod"/>
-            </a:pPr>
-            <a:r>
-              <a:rPr lang="en-US" altLang="ko-KR" dirty="0" smtClean="0">
-                <a:solidFill>
-                  <a:srgbClr val="333300"/>
-                </a:solidFill>
-                <a:latin typeface="+mn-ea"/>
-              </a:rPr>
-              <a:t>Push main</a:t>
-            </a:r>
-          </a:p>
-          <a:p>
-            <a:pPr marL="266700" lvl="1" indent="0">
-              <a:spcBef>
-                <a:spcPts val="0"/>
-              </a:spcBef>
-              <a:spcAft>
-                <a:spcPts val="0"/>
-              </a:spcAft>
-              <a:buClr>
-                <a:schemeClr val="tx1">
-                  <a:lumMod val="50000"/>
-                  <a:lumOff val="50000"/>
-                </a:schemeClr>
-              </a:buClr>
-              <a:buNone/>
-            </a:pPr>
-            <a:r>
-              <a:rPr lang="ko-KR" altLang="en-US" dirty="0" smtClean="0">
-                <a:solidFill>
-                  <a:srgbClr val="333300"/>
-                </a:solidFill>
-                <a:latin typeface="+mn-ea"/>
-              </a:rPr>
-              <a:t>원격으로 파일이 삭제된 </a:t>
-            </a:r>
-            <a:r>
-              <a:rPr lang="ko-KR" altLang="en-US" dirty="0" err="1" smtClean="0">
-                <a:solidFill>
-                  <a:srgbClr val="333300"/>
-                </a:solidFill>
-                <a:latin typeface="+mn-ea"/>
-              </a:rPr>
-              <a:t>브랜치를</a:t>
-            </a:r>
-            <a:r>
-              <a:rPr lang="ko-KR" altLang="en-US" dirty="0" smtClean="0">
-                <a:solidFill>
-                  <a:srgbClr val="333300"/>
-                </a:solidFill>
-                <a:latin typeface="+mn-ea"/>
-              </a:rPr>
-              <a:t> </a:t>
-            </a:r>
-            <a:r>
-              <a:rPr lang="en-US" altLang="ko-KR" dirty="0" smtClean="0">
-                <a:solidFill>
-                  <a:srgbClr val="333300"/>
-                </a:solidFill>
-                <a:latin typeface="+mn-ea"/>
-              </a:rPr>
-              <a:t>push</a:t>
-            </a:r>
-            <a:r>
-              <a:rPr lang="ko-KR" altLang="en-US" dirty="0" smtClean="0">
-                <a:solidFill>
-                  <a:srgbClr val="333300"/>
-                </a:solidFill>
-                <a:latin typeface="+mn-ea"/>
-              </a:rPr>
-              <a:t>하고 </a:t>
-            </a:r>
-            <a:r>
-              <a:rPr lang="en-US" altLang="ko-KR" dirty="0" smtClean="0">
-                <a:solidFill>
-                  <a:srgbClr val="333300"/>
-                </a:solidFill>
-                <a:latin typeface="+mn-ea"/>
-              </a:rPr>
-              <a:t>main</a:t>
-            </a:r>
-            <a:r>
-              <a:rPr lang="ko-KR" altLang="en-US" dirty="0" smtClean="0">
-                <a:solidFill>
-                  <a:srgbClr val="333300"/>
-                </a:solidFill>
-                <a:latin typeface="+mn-ea"/>
-              </a:rPr>
-              <a:t>과 </a:t>
-            </a:r>
-            <a:r>
-              <a:rPr lang="en-US" altLang="ko-KR" dirty="0" smtClean="0">
-                <a:solidFill>
-                  <a:srgbClr val="333300"/>
-                </a:solidFill>
-                <a:latin typeface="+mn-ea"/>
-              </a:rPr>
-              <a:t>merge</a:t>
-            </a:r>
-            <a:r>
-              <a:rPr lang="ko-KR" altLang="en-US" dirty="0" smtClean="0">
-                <a:solidFill>
-                  <a:srgbClr val="333300"/>
-                </a:solidFill>
-                <a:latin typeface="+mn-ea"/>
-              </a:rPr>
-              <a:t>하면 </a:t>
-            </a:r>
-            <a:r>
-              <a:rPr lang="en-US" altLang="ko-KR" dirty="0" smtClean="0">
-                <a:solidFill>
-                  <a:srgbClr val="333300"/>
-                </a:solidFill>
-                <a:latin typeface="+mn-ea"/>
-              </a:rPr>
-              <a:t>main</a:t>
-            </a:r>
-            <a:r>
-              <a:rPr lang="ko-KR" altLang="en-US" dirty="0" smtClean="0">
-                <a:solidFill>
-                  <a:srgbClr val="333300"/>
-                </a:solidFill>
-                <a:latin typeface="+mn-ea"/>
-              </a:rPr>
-              <a:t>의 파일이</a:t>
-            </a:r>
-            <a:endParaRPr lang="en-US" altLang="ko-KR" dirty="0" smtClean="0">
-              <a:solidFill>
-                <a:srgbClr val="333300"/>
-              </a:solidFill>
-              <a:latin typeface="+mn-ea"/>
-            </a:endParaRPr>
-          </a:p>
-          <a:p>
-            <a:pPr marL="266700" lvl="1" indent="0">
-              <a:spcBef>
-                <a:spcPts val="0"/>
-              </a:spcBef>
-              <a:spcAft>
-                <a:spcPts val="0"/>
-              </a:spcAft>
-              <a:buClr>
-                <a:schemeClr val="tx1">
-                  <a:lumMod val="50000"/>
-                  <a:lumOff val="50000"/>
-                </a:schemeClr>
-              </a:buClr>
-              <a:buNone/>
-            </a:pPr>
-            <a:r>
-              <a:rPr lang="ko-KR" altLang="en-US" dirty="0" err="1" smtClean="0">
-                <a:solidFill>
-                  <a:srgbClr val="333300"/>
-                </a:solidFill>
-                <a:latin typeface="+mn-ea"/>
-              </a:rPr>
-              <a:t>브랜치과</a:t>
-            </a:r>
-            <a:r>
-              <a:rPr lang="ko-KR" altLang="en-US" dirty="0" smtClean="0">
-                <a:solidFill>
-                  <a:srgbClr val="333300"/>
-                </a:solidFill>
-                <a:latin typeface="+mn-ea"/>
-              </a:rPr>
-              <a:t> 같이 파일이 삭제되어 있음 </a:t>
-            </a:r>
-            <a:r>
-              <a:rPr lang="en-US" altLang="ko-KR" dirty="0" smtClean="0">
-                <a:solidFill>
-                  <a:srgbClr val="333300"/>
-                </a:solidFill>
-                <a:latin typeface="+mn-ea"/>
-              </a:rPr>
-              <a:t>?? </a:t>
-            </a:r>
-            <a:r>
-              <a:rPr lang="en-US" altLang="ko-KR" smtClean="0">
-                <a:solidFill>
-                  <a:srgbClr val="333300"/>
-                </a:solidFill>
-                <a:latin typeface="+mn-ea"/>
-              </a:rPr>
-              <a:t>Cherry-pick?</a:t>
+              <a:t>filesystem</a:t>
             </a:r>
             <a:endParaRPr lang="en-US" altLang="ko-KR" dirty="0">
               <a:solidFill>
@@ -46657,10 +46300,412 @@
             </a:pPr>
             <a:r>
               <a:rPr lang="en-US" altLang="ko-KR" dirty="0">
-                <a:latin typeface="+mn-ea"/>
-              </a:rPr>
-              <a:t/>
-            </a:r>
+                <a:solidFill>
+                  <a:srgbClr val="333300"/>
+                </a:solidFill>
+                <a:latin typeface="+mn-ea"/>
+              </a:rPr>
+              <a:t>     ☞ </a:t>
+            </a:r>
+            <a:r>
+              <a:rPr lang="en-US" altLang="ko-KR" dirty="0" err="1">
+                <a:solidFill>
+                  <a:srgbClr val="333300"/>
+                </a:solidFill>
+                <a:latin typeface="+mn-ea"/>
+              </a:rPr>
+              <a:t>git</a:t>
+            </a:r>
+            <a:r>
+              <a:rPr lang="en-US" altLang="ko-KR" dirty="0">
+                <a:solidFill>
+                  <a:srgbClr val="333300"/>
+                </a:solidFill>
+                <a:latin typeface="+mn-ea"/>
+              </a:rPr>
+              <a:t> ls-tree –r main</a:t>
+            </a:r>
+          </a:p>
+          <a:p>
+            <a:pPr marL="266700" lvl="1" indent="0">
+              <a:spcBef>
+                <a:spcPts val="0"/>
+              </a:spcBef>
+              <a:spcAft>
+                <a:spcPts val="0"/>
+              </a:spcAft>
+              <a:buClr>
+                <a:schemeClr val="tx1">
+                  <a:lumMod val="50000"/>
+                  <a:lumOff val="50000"/>
+                </a:schemeClr>
+              </a:buClr>
+              <a:buNone/>
+            </a:pPr>
+            <a:r>
+              <a:rPr lang="en-US" altLang="ko-KR" dirty="0">
+                <a:solidFill>
+                  <a:srgbClr val="333300"/>
+                </a:solidFill>
+                <a:latin typeface="+mn-ea"/>
+              </a:rPr>
+              <a:t>Branch</a:t>
+            </a:r>
+            <a:r>
+              <a:rPr lang="ko-KR" altLang="en-US" dirty="0">
+                <a:solidFill>
+                  <a:srgbClr val="333300"/>
+                </a:solidFill>
+                <a:latin typeface="+mn-ea"/>
+              </a:rPr>
+              <a:t>에서 삭제할 경우</a:t>
+            </a:r>
+            <a:r>
+              <a:rPr lang="en-US" altLang="ko-KR" dirty="0">
+                <a:solidFill>
+                  <a:srgbClr val="333300"/>
+                </a:solidFill>
+                <a:latin typeface="+mn-ea"/>
+              </a:rPr>
+              <a:t>, main</a:t>
+            </a:r>
+            <a:r>
+              <a:rPr lang="ko-KR" altLang="en-US" dirty="0">
+                <a:solidFill>
+                  <a:srgbClr val="333300"/>
+                </a:solidFill>
+                <a:latin typeface="+mn-ea"/>
+              </a:rPr>
+              <a:t>에서 같이 삭제될 수 있으니 조심해야함</a:t>
+            </a:r>
+            <a:r>
+              <a:rPr lang="en-US" altLang="ko-KR" dirty="0">
+                <a:solidFill>
+                  <a:srgbClr val="333300"/>
+                </a:solidFill>
+                <a:latin typeface="+mn-ea"/>
+              </a:rPr>
+              <a:t>.</a:t>
+            </a:r>
+          </a:p>
+          <a:p>
+            <a:pPr marL="609600" lvl="1" indent="-342900">
+              <a:spcBef>
+                <a:spcPts val="0"/>
+              </a:spcBef>
+              <a:spcAft>
+                <a:spcPts val="0"/>
+              </a:spcAft>
+              <a:buClr>
+                <a:schemeClr val="tx1">
+                  <a:lumMod val="50000"/>
+                  <a:lumOff val="50000"/>
+                </a:schemeClr>
+              </a:buClr>
+              <a:buAutoNum type="arabicPeriod"/>
+            </a:pPr>
+            <a:r>
+              <a:rPr lang="ko-KR" altLang="en-US" dirty="0">
+                <a:solidFill>
+                  <a:srgbClr val="333300"/>
+                </a:solidFill>
+                <a:latin typeface="+mn-ea"/>
+              </a:rPr>
+              <a:t>로컬 </a:t>
+            </a:r>
+            <a:r>
+              <a:rPr lang="en-US" altLang="ko-KR" dirty="0">
+                <a:solidFill>
+                  <a:srgbClr val="333300"/>
+                </a:solidFill>
+                <a:latin typeface="+mn-ea"/>
+              </a:rPr>
+              <a:t>main -&gt; checkout –b -&gt; </a:t>
+            </a:r>
+            <a:r>
+              <a:rPr lang="en-US" altLang="ko-KR" dirty="0" err="1">
+                <a:solidFill>
+                  <a:srgbClr val="333300"/>
+                </a:solidFill>
+                <a:latin typeface="+mn-ea"/>
+              </a:rPr>
+              <a:t>git</a:t>
+            </a:r>
+            <a:r>
+              <a:rPr lang="en-US" altLang="ko-KR" dirty="0">
+                <a:solidFill>
+                  <a:srgbClr val="333300"/>
+                </a:solidFill>
+                <a:latin typeface="+mn-ea"/>
+              </a:rPr>
+              <a:t> </a:t>
+            </a:r>
+            <a:r>
+              <a:rPr lang="en-US" altLang="ko-KR" dirty="0" err="1">
+                <a:solidFill>
+                  <a:srgbClr val="333300"/>
+                </a:solidFill>
+                <a:latin typeface="+mn-ea"/>
+              </a:rPr>
+              <a:t>rm</a:t>
+            </a:r>
+            <a:r>
+              <a:rPr lang="en-US" altLang="ko-KR" dirty="0">
+                <a:solidFill>
+                  <a:srgbClr val="333300"/>
+                </a:solidFill>
+                <a:latin typeface="+mn-ea"/>
+              </a:rPr>
+              <a:t> -&gt; commit -&gt; main </a:t>
+            </a:r>
+            <a:r>
+              <a:rPr lang="ko-KR" altLang="en-US" dirty="0" err="1">
+                <a:solidFill>
+                  <a:srgbClr val="333300"/>
+                </a:solidFill>
+                <a:latin typeface="+mn-ea"/>
+              </a:rPr>
+              <a:t>파일내용과</a:t>
+            </a:r>
+            <a:r>
+              <a:rPr lang="ko-KR" altLang="en-US" dirty="0">
+                <a:solidFill>
+                  <a:srgbClr val="333300"/>
+                </a:solidFill>
+                <a:latin typeface="+mn-ea"/>
+              </a:rPr>
+              <a:t> 비교</a:t>
+            </a:r>
+            <a:endParaRPr lang="en-US" altLang="ko-KR" dirty="0">
+              <a:solidFill>
+                <a:srgbClr val="333300"/>
+              </a:solidFill>
+              <a:latin typeface="+mn-ea"/>
+            </a:endParaRPr>
+          </a:p>
+          <a:p>
+            <a:pPr marL="609600" lvl="1" indent="-342900">
+              <a:spcBef>
+                <a:spcPts val="0"/>
+              </a:spcBef>
+              <a:spcAft>
+                <a:spcPts val="0"/>
+              </a:spcAft>
+              <a:buClr>
+                <a:schemeClr val="tx1">
+                  <a:lumMod val="50000"/>
+                  <a:lumOff val="50000"/>
+                </a:schemeClr>
+              </a:buClr>
+              <a:buAutoNum type="arabicPeriod"/>
+            </a:pPr>
+            <a:r>
+              <a:rPr lang="en-US" altLang="ko-KR" dirty="0">
+                <a:solidFill>
+                  <a:srgbClr val="333300"/>
+                </a:solidFill>
+                <a:latin typeface="+mn-ea"/>
+              </a:rPr>
+              <a:t>Push main</a:t>
+            </a:r>
+          </a:p>
+          <a:p>
+            <a:pPr marL="266700" lvl="1" indent="0">
+              <a:spcBef>
+                <a:spcPts val="0"/>
+              </a:spcBef>
+              <a:spcAft>
+                <a:spcPts val="0"/>
+              </a:spcAft>
+              <a:buClr>
+                <a:schemeClr val="tx1">
+                  <a:lumMod val="50000"/>
+                  <a:lumOff val="50000"/>
+                </a:schemeClr>
+              </a:buClr>
+              <a:buNone/>
+            </a:pPr>
+            <a:r>
+              <a:rPr lang="ko-KR" altLang="en-US" dirty="0">
+                <a:solidFill>
+                  <a:srgbClr val="333300"/>
+                </a:solidFill>
+                <a:latin typeface="+mn-ea"/>
+              </a:rPr>
+              <a:t>원격으로 파일이 삭제된 </a:t>
+            </a:r>
+            <a:r>
+              <a:rPr lang="ko-KR" altLang="en-US" dirty="0" err="1">
+                <a:solidFill>
+                  <a:srgbClr val="333300"/>
+                </a:solidFill>
+                <a:latin typeface="+mn-ea"/>
+              </a:rPr>
+              <a:t>브랜치를</a:t>
+            </a:r>
+            <a:r>
+              <a:rPr lang="ko-KR" altLang="en-US" dirty="0">
+                <a:solidFill>
+                  <a:srgbClr val="333300"/>
+                </a:solidFill>
+                <a:latin typeface="+mn-ea"/>
+              </a:rPr>
+              <a:t> </a:t>
+            </a:r>
+            <a:r>
+              <a:rPr lang="en-US" altLang="ko-KR" dirty="0">
+                <a:solidFill>
+                  <a:srgbClr val="333300"/>
+                </a:solidFill>
+                <a:latin typeface="+mn-ea"/>
+              </a:rPr>
+              <a:t>push</a:t>
+            </a:r>
+            <a:r>
+              <a:rPr lang="ko-KR" altLang="en-US" dirty="0">
+                <a:solidFill>
+                  <a:srgbClr val="333300"/>
+                </a:solidFill>
+                <a:latin typeface="+mn-ea"/>
+              </a:rPr>
+              <a:t>하고 </a:t>
+            </a:r>
+            <a:r>
+              <a:rPr lang="en-US" altLang="ko-KR" dirty="0">
+                <a:solidFill>
+                  <a:srgbClr val="333300"/>
+                </a:solidFill>
+                <a:latin typeface="+mn-ea"/>
+              </a:rPr>
+              <a:t>main</a:t>
+            </a:r>
+            <a:r>
+              <a:rPr lang="ko-KR" altLang="en-US" dirty="0">
+                <a:solidFill>
+                  <a:srgbClr val="333300"/>
+                </a:solidFill>
+                <a:latin typeface="+mn-ea"/>
+              </a:rPr>
+              <a:t>과 </a:t>
+            </a:r>
+            <a:r>
+              <a:rPr lang="en-US" altLang="ko-KR" dirty="0">
+                <a:solidFill>
+                  <a:srgbClr val="333300"/>
+                </a:solidFill>
+                <a:latin typeface="+mn-ea"/>
+              </a:rPr>
+              <a:t>merge</a:t>
+            </a:r>
+            <a:r>
+              <a:rPr lang="ko-KR" altLang="en-US" dirty="0">
+                <a:solidFill>
+                  <a:srgbClr val="333300"/>
+                </a:solidFill>
+                <a:latin typeface="+mn-ea"/>
+              </a:rPr>
+              <a:t>하면 </a:t>
+            </a:r>
+            <a:r>
+              <a:rPr lang="en-US" altLang="ko-KR" dirty="0">
+                <a:solidFill>
+                  <a:srgbClr val="333300"/>
+                </a:solidFill>
+                <a:latin typeface="+mn-ea"/>
+              </a:rPr>
+              <a:t>main</a:t>
+            </a:r>
+            <a:r>
+              <a:rPr lang="ko-KR" altLang="en-US" dirty="0">
+                <a:solidFill>
+                  <a:srgbClr val="333300"/>
+                </a:solidFill>
+                <a:latin typeface="+mn-ea"/>
+              </a:rPr>
+              <a:t>의 파일이</a:t>
+            </a:r>
+            <a:endParaRPr lang="en-US" altLang="ko-KR" dirty="0">
+              <a:solidFill>
+                <a:srgbClr val="333300"/>
+              </a:solidFill>
+              <a:latin typeface="+mn-ea"/>
+            </a:endParaRPr>
+          </a:p>
+          <a:p>
+            <a:pPr marL="266700" lvl="1" indent="0">
+              <a:spcBef>
+                <a:spcPts val="0"/>
+              </a:spcBef>
+              <a:spcAft>
+                <a:spcPts val="0"/>
+              </a:spcAft>
+              <a:buClr>
+                <a:schemeClr val="tx1">
+                  <a:lumMod val="50000"/>
+                  <a:lumOff val="50000"/>
+                </a:schemeClr>
+              </a:buClr>
+              <a:buNone/>
+            </a:pPr>
+            <a:r>
+              <a:rPr lang="ko-KR" altLang="en-US" dirty="0" err="1">
+                <a:solidFill>
+                  <a:srgbClr val="333300"/>
+                </a:solidFill>
+                <a:latin typeface="+mn-ea"/>
+              </a:rPr>
+              <a:t>브랜치과</a:t>
+            </a:r>
+            <a:r>
+              <a:rPr lang="ko-KR" altLang="en-US" dirty="0">
+                <a:solidFill>
+                  <a:srgbClr val="333300"/>
+                </a:solidFill>
+                <a:latin typeface="+mn-ea"/>
+              </a:rPr>
+              <a:t> 같이 파일이 삭제되어 있음 </a:t>
+            </a:r>
+            <a:r>
+              <a:rPr lang="en-US" altLang="ko-KR" dirty="0">
+                <a:solidFill>
+                  <a:srgbClr val="333300"/>
+                </a:solidFill>
+                <a:latin typeface="+mn-ea"/>
+              </a:rPr>
+              <a:t>?? </a:t>
+            </a:r>
+            <a:r>
+              <a:rPr lang="en-US" altLang="ko-KR">
+                <a:solidFill>
+                  <a:srgbClr val="333300"/>
+                </a:solidFill>
+                <a:latin typeface="+mn-ea"/>
+              </a:rPr>
+              <a:t>Cherry-pick?</a:t>
+            </a:r>
+            <a:endParaRPr lang="en-US" altLang="ko-KR" dirty="0">
+              <a:solidFill>
+                <a:srgbClr val="333300"/>
+              </a:solidFill>
+              <a:latin typeface="+mn-ea"/>
+            </a:endParaRPr>
+          </a:p>
+          <a:p>
+            <a:pPr marL="266700" lvl="1" indent="0">
+              <a:spcBef>
+                <a:spcPts val="0"/>
+              </a:spcBef>
+              <a:spcAft>
+                <a:spcPts val="0"/>
+              </a:spcAft>
+              <a:buClr>
+                <a:schemeClr val="tx1">
+                  <a:lumMod val="50000"/>
+                  <a:lumOff val="50000"/>
+                </a:schemeClr>
+              </a:buClr>
+              <a:buNone/>
+            </a:pPr>
             <a:br>
               <a:rPr lang="en-US" altLang="ko-KR" dirty="0">
                 <a:latin typeface="+mn-ea"/>
@@ -50622,7 +50667,7 @@
         </p:spPr>
         <p:txBody>
           <a:bodyPr>
-            <a:normAutofit fontScale="92500" lnSpcReduction="10000"/>
+            <a:normAutofit/>
           </a:bodyPr>
           <a:lstStyle/>
           <a:p>

--- a/git및github첫걸음1-git사용하기.pptx
+++ b/git및github첫걸음1-git사용하기.pptx
@@ -270,7 +270,7 @@
           <a:p>
             <a:fld id="{A17B9194-BDE3-40E3-983E-94CE6FA773AF}" type="datetimeFigureOut">
               <a:rPr lang="ko-KR" altLang="en-US" smtClean="0"/>
-              <a:t>2021-04-09</a:t>
+              <a:t>2021-04-12</a:t>
             </a:fld>
             <a:endParaRPr lang="ko-KR" altLang="en-US"/>
           </a:p>
@@ -46376,7 +46376,7 @@
                 </a:solidFill>
                 <a:latin typeface="+mn-ea"/>
               </a:rPr>
-              <a:t>에서 같이 삭제될 수 있으니 조심해야함</a:t>
+              <a:t>에서 같이 삭제될 수 있으니 조심해야 함</a:t>
             </a:r>
             <a:r>
               <a:rPr lang="en-US" altLang="ko-KR" dirty="0">
@@ -46672,23 +46672,8 @@
                 </a:solidFill>
                 <a:latin typeface="+mn-ea"/>
               </a:rPr>
-              <a:t>?? </a:t>
-            </a:r>
-            <a:r>
-              <a:rPr lang="en-US" altLang="ko-KR">
-                <a:solidFill>
-                  <a:srgbClr val="333300"/>
-                </a:solidFill>
-                <a:latin typeface="+mn-ea"/>
-              </a:rPr>
-              <a:t>Cherry-pick?</a:t>
-            </a:r>
-            <a:endParaRPr lang="en-US" altLang="ko-KR" dirty="0">
-              <a:solidFill>
-                <a:srgbClr val="333300"/>
-              </a:solidFill>
-              <a:latin typeface="+mn-ea"/>
-            </a:endParaRPr>
+              <a:t>?? Cherry-pick?</a:t>
+            </a:r>
           </a:p>
           <a:p>
             <a:pPr marL="266700" lvl="1" indent="0">
@@ -49401,7 +49386,7 @@
             </a:r>
             <a:r>
               <a:rPr lang="en-US" altLang="ko-KR" dirty="0"/>
-              <a:t> input’   for UNX machines</a:t>
+              <a:t> input’   for UNIX machines</a:t>
             </a:r>
           </a:p>
           <a:p>

--- a/git및github첫걸음1-git사용하기.pptx
+++ b/git및github첫걸음1-git사용하기.pptx
@@ -270,7 +270,7 @@
           <a:p>
             <a:fld id="{A17B9194-BDE3-40E3-983E-94CE6FA773AF}" type="datetimeFigureOut">
               <a:rPr lang="ko-KR" altLang="en-US" smtClean="0"/>
-              <a:t>2021-04-12</a:t>
+              <a:t>2021-04-14</a:t>
             </a:fld>
             <a:endParaRPr lang="ko-KR" altLang="en-US"/>
           </a:p>
@@ -23873,7 +23873,25 @@
                 </a:solidFill>
                 <a:latin typeface="+mn-ea"/>
               </a:rPr>
-              <a:t>log --branches  </a:t>
+              <a:t>log --branches </a:t>
+            </a:r>
+            <a:r>
+              <a:rPr lang="en-US" altLang="ko-KR" dirty="0">
+                <a:latin typeface="+mn-ea"/>
+              </a:rPr>
+              <a:t>--</a:t>
+            </a:r>
+            <a:r>
+              <a:rPr lang="en-US" altLang="ko-KR" dirty="0" err="1">
+                <a:latin typeface="+mn-ea"/>
+              </a:rPr>
+              <a:t>oneline</a:t>
+            </a:r>
+            <a:r>
+              <a:rPr lang="en-US" altLang="ko-KR" dirty="0">
+                <a:latin typeface="+mn-ea"/>
+              </a:rPr>
+              <a:t> </a:t>
             </a:r>
             <a:r>
               <a:rPr lang="en-US" altLang="ko-KR" dirty="0">
@@ -24298,7 +24316,7 @@
         </p:blipFill>
         <p:spPr>
           <a:xfrm>
-            <a:off x="7177980" y="2546349"/>
+            <a:off x="7330206" y="3351212"/>
             <a:ext cx="1714500" cy="2085975"/>
           </a:xfrm>
           <a:prstGeom prst="rect">
@@ -24309,13 +24327,15 @@
       <p:cxnSp>
         <p:nvCxnSpPr>
           <p:cNvPr id="7" name="직선 화살표 연결선 6"/>
-          <p:cNvCxnSpPr/>
+          <p:cNvCxnSpPr>
+            <a:cxnSpLocks/>
+          </p:cNvCxnSpPr>
           <p:nvPr/>
         </p:nvCxnSpPr>
         <p:spPr>
           <a:xfrm>
             <a:off x="6437064" y="2581275"/>
-            <a:ext cx="753616" cy="1812925"/>
+            <a:ext cx="893142" cy="2603911"/>
           </a:xfrm>
           <a:prstGeom prst="straightConnector1">
             <a:avLst/>
@@ -38314,7 +38334,7 @@
               <a:rPr lang="en-US" altLang="ko-KR" dirty="0">
                 <a:latin typeface="+mn-ea"/>
               </a:rPr>
-              <a:t>it log --</a:t>
+              <a:t>git log --</a:t>
             </a:r>
             <a:r>
               <a:rPr lang="en-US" altLang="ko-KR" dirty="0" err="1">

--- a/git및github첫걸음1-git사용하기.pptx
+++ b/git및github첫걸음1-git사용하기.pptx
@@ -270,7 +270,7 @@
           <a:p>
             <a:fld id="{A17B9194-BDE3-40E3-983E-94CE6FA773AF}" type="datetimeFigureOut">
               <a:rPr lang="ko-KR" altLang="en-US" smtClean="0"/>
-              <a:t>2021-04-14</a:t>
+              <a:t>2021-04-15</a:t>
             </a:fld>
             <a:endParaRPr lang="ko-KR" altLang="en-US"/>
           </a:p>
@@ -7320,9 +7320,7 @@
             <a:lvl1pPr>
               <a:defRPr>
                 <a:solidFill>
-                  <a:schemeClr val="bg1">
-                    <a:lumMod val="75000"/>
-                  </a:schemeClr>
+                  <a:srgbClr val="FFFF00"/>
                 </a:solidFill>
               </a:defRPr>
             </a:lvl1pPr>
@@ -7333,6 +7331,10 @@
               <a:pPr/>
               <a:t>‹#›</a:t>
             </a:fld>
+            <a:r>
+              <a:rPr lang="en-US" altLang="ko-KR" dirty="0" smtClean="0"/>
+              <a:t>/59</a:t>
+            </a:r>
             <a:endParaRPr lang="ko-KR" altLang="en-US" dirty="0"/>
           </a:p>
         </p:txBody>
@@ -8455,13 +8457,7 @@
       </p:sp>
       <p:sp>
         <p:nvSpPr>
-          <p:cNvPr id="6" name="슬라이드 번호 개체 틀 5">
-            <a:extLst>
-              <a:ext uri="{FF2B5EF4-FFF2-40B4-BE49-F238E27FC236}">
-                <a16:creationId xmlns:a16="http://schemas.microsoft.com/office/drawing/2014/main" id="{E447173C-AE5C-4C43-960F-2EFF9F6C6773}"/>
-              </a:ext>
-            </a:extLst>
-          </p:cNvPr>
+          <p:cNvPr id="2" name="슬라이드 번호 개체 틀 1"/>
           <p:cNvSpPr>
             <a:spLocks noGrp="1"/>
           </p:cNvSpPr>
@@ -8479,6 +8475,10 @@
               <a:pPr/>
               <a:t>10</a:t>
             </a:fld>
+            <a:r>
+              <a:rPr lang="en-US" altLang="ko-KR" smtClean="0"/>
+              <a:t>/59</a:t>
+            </a:r>
             <a:endParaRPr lang="ko-KR" altLang="en-US" dirty="0"/>
           </a:p>
         </p:txBody>
@@ -8820,13 +8820,7 @@
       </p:sp>
       <p:sp>
         <p:nvSpPr>
-          <p:cNvPr id="3" name="슬라이드 번호 개체 틀 2">
-            <a:extLst>
-              <a:ext uri="{FF2B5EF4-FFF2-40B4-BE49-F238E27FC236}">
-                <a16:creationId xmlns:a16="http://schemas.microsoft.com/office/drawing/2014/main" id="{1BC15E75-9139-4DBD-B049-365F2F4909B5}"/>
-              </a:ext>
-            </a:extLst>
-          </p:cNvPr>
+          <p:cNvPr id="2" name="슬라이드 번호 개체 틀 1"/>
           <p:cNvSpPr>
             <a:spLocks noGrp="1"/>
           </p:cNvSpPr>
@@ -8844,6 +8838,10 @@
               <a:pPr/>
               <a:t>11</a:t>
             </a:fld>
+            <a:r>
+              <a:rPr lang="en-US" altLang="ko-KR" smtClean="0"/>
+              <a:t>/59</a:t>
+            </a:r>
             <a:endParaRPr lang="ko-KR" altLang="en-US" dirty="0"/>
           </a:p>
         </p:txBody>
@@ -9179,13 +9177,7 @@
       </p:sp>
       <p:sp>
         <p:nvSpPr>
-          <p:cNvPr id="6" name="슬라이드 번호 개체 틀 5">
-            <a:extLst>
-              <a:ext uri="{FF2B5EF4-FFF2-40B4-BE49-F238E27FC236}">
-                <a16:creationId xmlns:a16="http://schemas.microsoft.com/office/drawing/2014/main" id="{3B583A2C-B52F-47CB-B616-CCEA0CAB2C80}"/>
-              </a:ext>
-            </a:extLst>
-          </p:cNvPr>
+          <p:cNvPr id="2" name="슬라이드 번호 개체 틀 1"/>
           <p:cNvSpPr>
             <a:spLocks noGrp="1"/>
           </p:cNvSpPr>
@@ -9203,6 +9195,10 @@
               <a:pPr/>
               <a:t>12</a:t>
             </a:fld>
+            <a:r>
+              <a:rPr lang="en-US" altLang="ko-KR" smtClean="0"/>
+              <a:t>/59</a:t>
+            </a:r>
             <a:endParaRPr lang="ko-KR" altLang="en-US" dirty="0"/>
           </a:p>
         </p:txBody>
@@ -9876,13 +9872,7 @@
       </p:sp>
       <p:sp>
         <p:nvSpPr>
-          <p:cNvPr id="3" name="슬라이드 번호 개체 틀 2">
-            <a:extLst>
-              <a:ext uri="{FF2B5EF4-FFF2-40B4-BE49-F238E27FC236}">
-                <a16:creationId xmlns:a16="http://schemas.microsoft.com/office/drawing/2014/main" id="{5EECA502-7626-46A3-8AD7-32ABEABD41ED}"/>
-              </a:ext>
-            </a:extLst>
-          </p:cNvPr>
+          <p:cNvPr id="2" name="슬라이드 번호 개체 틀 1"/>
           <p:cNvSpPr>
             <a:spLocks noGrp="1"/>
           </p:cNvSpPr>
@@ -9900,6 +9890,10 @@
               <a:pPr/>
               <a:t>13</a:t>
             </a:fld>
+            <a:r>
+              <a:rPr lang="en-US" altLang="ko-KR" smtClean="0"/>
+              <a:t>/59</a:t>
+            </a:r>
             <a:endParaRPr lang="ko-KR" altLang="en-US" dirty="0"/>
           </a:p>
         </p:txBody>
@@ -10568,13 +10562,7 @@
       </p:sp>
       <p:sp>
         <p:nvSpPr>
-          <p:cNvPr id="3" name="슬라이드 번호 개체 틀 2">
-            <a:extLst>
-              <a:ext uri="{FF2B5EF4-FFF2-40B4-BE49-F238E27FC236}">
-                <a16:creationId xmlns:a16="http://schemas.microsoft.com/office/drawing/2014/main" id="{5EECA502-7626-46A3-8AD7-32ABEABD41ED}"/>
-              </a:ext>
-            </a:extLst>
-          </p:cNvPr>
+          <p:cNvPr id="2" name="슬라이드 번호 개체 틀 1"/>
           <p:cNvSpPr>
             <a:spLocks noGrp="1"/>
           </p:cNvSpPr>
@@ -10592,6 +10580,10 @@
               <a:pPr/>
               <a:t>14</a:t>
             </a:fld>
+            <a:r>
+              <a:rPr lang="en-US" altLang="ko-KR" smtClean="0"/>
+              <a:t>/59</a:t>
+            </a:r>
             <a:endParaRPr lang="ko-KR" altLang="en-US" dirty="0"/>
           </a:p>
         </p:txBody>
@@ -11495,13 +11487,7 @@
       </p:cxnSp>
       <p:sp>
         <p:nvSpPr>
-          <p:cNvPr id="6" name="슬라이드 번호 개체 틀 5">
-            <a:extLst>
-              <a:ext uri="{FF2B5EF4-FFF2-40B4-BE49-F238E27FC236}">
-                <a16:creationId xmlns:a16="http://schemas.microsoft.com/office/drawing/2014/main" id="{98BE4CCD-E18E-4084-8093-FC11F2C3B84E}"/>
-              </a:ext>
-            </a:extLst>
-          </p:cNvPr>
+          <p:cNvPr id="3" name="슬라이드 번호 개체 틀 2"/>
           <p:cNvSpPr>
             <a:spLocks noGrp="1"/>
           </p:cNvSpPr>
@@ -11519,6 +11505,10 @@
               <a:pPr/>
               <a:t>15</a:t>
             </a:fld>
+            <a:r>
+              <a:rPr lang="en-US" altLang="ko-KR" smtClean="0"/>
+              <a:t>/59</a:t>
+            </a:r>
             <a:endParaRPr lang="ko-KR" altLang="en-US" dirty="0"/>
           </a:p>
         </p:txBody>
@@ -12295,13 +12285,7 @@
       </p:pic>
       <p:sp>
         <p:nvSpPr>
-          <p:cNvPr id="3" name="슬라이드 번호 개체 틀 2">
-            <a:extLst>
-              <a:ext uri="{FF2B5EF4-FFF2-40B4-BE49-F238E27FC236}">
-                <a16:creationId xmlns:a16="http://schemas.microsoft.com/office/drawing/2014/main" id="{C1D78CCD-DF67-499F-BE83-C6987F44D7B0}"/>
-              </a:ext>
-            </a:extLst>
-          </p:cNvPr>
+          <p:cNvPr id="2" name="슬라이드 번호 개체 틀 1"/>
           <p:cNvSpPr>
             <a:spLocks noGrp="1"/>
           </p:cNvSpPr>
@@ -12319,6 +12303,10 @@
               <a:pPr/>
               <a:t>16</a:t>
             </a:fld>
+            <a:r>
+              <a:rPr lang="en-US" altLang="ko-KR" smtClean="0"/>
+              <a:t>/59</a:t>
+            </a:r>
             <a:endParaRPr lang="ko-KR" altLang="en-US" dirty="0"/>
           </a:p>
         </p:txBody>
@@ -13935,13 +13923,7 @@
       </p:sp>
       <p:sp>
         <p:nvSpPr>
-          <p:cNvPr id="9" name="슬라이드 번호 개체 틀 8">
-            <a:extLst>
-              <a:ext uri="{FF2B5EF4-FFF2-40B4-BE49-F238E27FC236}">
-                <a16:creationId xmlns:a16="http://schemas.microsoft.com/office/drawing/2014/main" id="{9519572B-D523-45BC-9418-50C7288F34E5}"/>
-              </a:ext>
-            </a:extLst>
-          </p:cNvPr>
+          <p:cNvPr id="6" name="슬라이드 번호 개체 틀 5"/>
           <p:cNvSpPr>
             <a:spLocks noGrp="1"/>
           </p:cNvSpPr>
@@ -13959,6 +13941,10 @@
               <a:pPr/>
               <a:t>17</a:t>
             </a:fld>
+            <a:r>
+              <a:rPr lang="en-US" altLang="ko-KR" smtClean="0"/>
+              <a:t>/59</a:t>
+            </a:r>
             <a:endParaRPr lang="ko-KR" altLang="en-US" dirty="0"/>
           </a:p>
         </p:txBody>
@@ -14793,36 +14779,6 @@
           </a:p>
         </p:txBody>
       </p:sp>
-      <p:sp>
-        <p:nvSpPr>
-          <p:cNvPr id="8" name="슬라이드 번호 개체 틀 7">
-            <a:extLst>
-              <a:ext uri="{FF2B5EF4-FFF2-40B4-BE49-F238E27FC236}">
-                <a16:creationId xmlns:a16="http://schemas.microsoft.com/office/drawing/2014/main" id="{1606EA42-503E-48AB-B6EE-38D88BC16EC5}"/>
-              </a:ext>
-            </a:extLst>
-          </p:cNvPr>
-          <p:cNvSpPr>
-            <a:spLocks noGrp="1"/>
-          </p:cNvSpPr>
-          <p:nvPr>
-            <p:ph type="sldNum" sz="quarter" idx="12"/>
-          </p:nvPr>
-        </p:nvSpPr>
-        <p:spPr/>
-        <p:txBody>
-          <a:bodyPr/>
-          <a:lstStyle/>
-          <a:p>
-            <a:fld id="{526ADF51-C4A2-4521-899C-87F34FDB9C0A}" type="slidenum">
-              <a:rPr lang="ko-KR" altLang="en-US" smtClean="0"/>
-              <a:pPr/>
-              <a:t>18</a:t>
-            </a:fld>
-            <a:endParaRPr lang="ko-KR" altLang="en-US" dirty="0"/>
-          </a:p>
-        </p:txBody>
-      </p:sp>
       <p:cxnSp>
         <p:nvCxnSpPr>
           <p:cNvPr id="9" name="직선 화살표 연결선 8">
@@ -14864,6 +14820,34 @@
           </a:fontRef>
         </p:style>
       </p:cxnSp>
+      <p:sp>
+        <p:nvSpPr>
+          <p:cNvPr id="6" name="슬라이드 번호 개체 틀 5"/>
+          <p:cNvSpPr>
+            <a:spLocks noGrp="1"/>
+          </p:cNvSpPr>
+          <p:nvPr>
+            <p:ph type="sldNum" sz="quarter" idx="12"/>
+          </p:nvPr>
+        </p:nvSpPr>
+        <p:spPr/>
+        <p:txBody>
+          <a:bodyPr/>
+          <a:lstStyle/>
+          <a:p>
+            <a:fld id="{526ADF51-C4A2-4521-899C-87F34FDB9C0A}" type="slidenum">
+              <a:rPr lang="ko-KR" altLang="en-US" smtClean="0"/>
+              <a:pPr/>
+              <a:t>18</a:t>
+            </a:fld>
+            <a:r>
+              <a:rPr lang="en-US" altLang="ko-KR" smtClean="0"/>
+              <a:t>/59</a:t>
+            </a:r>
+            <a:endParaRPr lang="ko-KR" altLang="en-US" dirty="0"/>
+          </a:p>
+        </p:txBody>
+      </p:sp>
     </p:spTree>
     <p:extLst>
       <p:ext uri="{BB962C8B-B14F-4D97-AF65-F5344CB8AC3E}">
@@ -15339,13 +15323,7 @@
       </p:pic>
       <p:sp>
         <p:nvSpPr>
-          <p:cNvPr id="7" name="슬라이드 번호 개체 틀 6">
-            <a:extLst>
-              <a:ext uri="{FF2B5EF4-FFF2-40B4-BE49-F238E27FC236}">
-                <a16:creationId xmlns:a16="http://schemas.microsoft.com/office/drawing/2014/main" id="{1CD3BC18-A713-410D-B57B-A59138F22456}"/>
-              </a:ext>
-            </a:extLst>
-          </p:cNvPr>
+          <p:cNvPr id="3" name="슬라이드 번호 개체 틀 2"/>
           <p:cNvSpPr>
             <a:spLocks noGrp="1"/>
           </p:cNvSpPr>
@@ -15363,6 +15341,10 @@
               <a:pPr/>
               <a:t>19</a:t>
             </a:fld>
+            <a:r>
+              <a:rPr lang="en-US" altLang="ko-KR" smtClean="0"/>
+              <a:t>/59</a:t>
+            </a:r>
             <a:endParaRPr lang="ko-KR" altLang="en-US" dirty="0"/>
           </a:p>
         </p:txBody>
@@ -16115,13 +16097,7 @@
       </p:sp>
       <p:sp>
         <p:nvSpPr>
-          <p:cNvPr id="3" name="슬라이드 번호 개체 틀 2">
-            <a:extLst>
-              <a:ext uri="{FF2B5EF4-FFF2-40B4-BE49-F238E27FC236}">
-                <a16:creationId xmlns:a16="http://schemas.microsoft.com/office/drawing/2014/main" id="{C08971C3-24A2-4AD8-AB6C-12BBEDC41B4B}"/>
-              </a:ext>
-            </a:extLst>
-          </p:cNvPr>
+          <p:cNvPr id="2" name="슬라이드 번호 개체 틀 1"/>
           <p:cNvSpPr>
             <a:spLocks noGrp="1"/>
           </p:cNvSpPr>
@@ -16139,6 +16115,10 @@
               <a:pPr/>
               <a:t>2</a:t>
             </a:fld>
+            <a:r>
+              <a:rPr lang="en-US" altLang="ko-KR" smtClean="0"/>
+              <a:t>/59</a:t>
+            </a:r>
             <a:endParaRPr lang="ko-KR" altLang="en-US" dirty="0"/>
           </a:p>
         </p:txBody>
@@ -16936,13 +16916,7 @@
       </p:sp>
       <p:sp>
         <p:nvSpPr>
-          <p:cNvPr id="3" name="슬라이드 번호 개체 틀 2">
-            <a:extLst>
-              <a:ext uri="{FF2B5EF4-FFF2-40B4-BE49-F238E27FC236}">
-                <a16:creationId xmlns:a16="http://schemas.microsoft.com/office/drawing/2014/main" id="{E06828E8-F83A-4C22-87B3-E86500F87D89}"/>
-              </a:ext>
-            </a:extLst>
-          </p:cNvPr>
+          <p:cNvPr id="2" name="슬라이드 번호 개체 틀 1"/>
           <p:cNvSpPr>
             <a:spLocks noGrp="1"/>
           </p:cNvSpPr>
@@ -16960,6 +16934,10 @@
               <a:pPr/>
               <a:t>20</a:t>
             </a:fld>
+            <a:r>
+              <a:rPr lang="en-US" altLang="ko-KR" smtClean="0"/>
+              <a:t>/59</a:t>
+            </a:r>
             <a:endParaRPr lang="ko-KR" altLang="en-US" dirty="0"/>
           </a:p>
         </p:txBody>
@@ -17095,13 +17073,7 @@
       </p:sp>
       <p:sp>
         <p:nvSpPr>
-          <p:cNvPr id="3" name="슬라이드 번호 개체 틀 2">
-            <a:extLst>
-              <a:ext uri="{FF2B5EF4-FFF2-40B4-BE49-F238E27FC236}">
-                <a16:creationId xmlns:a16="http://schemas.microsoft.com/office/drawing/2014/main" id="{A63B8814-C98D-45ED-BB82-D4B348CA8225}"/>
-              </a:ext>
-            </a:extLst>
-          </p:cNvPr>
+          <p:cNvPr id="2" name="슬라이드 번호 개체 틀 1"/>
           <p:cNvSpPr>
             <a:spLocks noGrp="1"/>
           </p:cNvSpPr>
@@ -17119,6 +17091,10 @@
               <a:pPr/>
               <a:t>21</a:t>
             </a:fld>
+            <a:r>
+              <a:rPr lang="en-US" altLang="ko-KR" smtClean="0"/>
+              <a:t>/59</a:t>
+            </a:r>
             <a:endParaRPr lang="ko-KR" altLang="en-US" dirty="0"/>
           </a:p>
         </p:txBody>
@@ -17845,13 +17821,7 @@
       </p:cxnSp>
       <p:sp>
         <p:nvSpPr>
-          <p:cNvPr id="3" name="슬라이드 번호 개체 틀 2">
-            <a:extLst>
-              <a:ext uri="{FF2B5EF4-FFF2-40B4-BE49-F238E27FC236}">
-                <a16:creationId xmlns:a16="http://schemas.microsoft.com/office/drawing/2014/main" id="{D80AC521-6F8C-4AD1-BE33-163EA6DEEEC4}"/>
-              </a:ext>
-            </a:extLst>
-          </p:cNvPr>
+          <p:cNvPr id="2" name="슬라이드 번호 개체 틀 1"/>
           <p:cNvSpPr>
             <a:spLocks noGrp="1"/>
           </p:cNvSpPr>
@@ -17869,6 +17839,10 @@
               <a:pPr/>
               <a:t>22</a:t>
             </a:fld>
+            <a:r>
+              <a:rPr lang="en-US" altLang="ko-KR" smtClean="0"/>
+              <a:t>/59</a:t>
+            </a:r>
             <a:endParaRPr lang="ko-KR" altLang="en-US" dirty="0"/>
           </a:p>
         </p:txBody>
@@ -18760,13 +18734,7 @@
       </p:pic>
       <p:sp>
         <p:nvSpPr>
-          <p:cNvPr id="3" name="슬라이드 번호 개체 틀 2">
-            <a:extLst>
-              <a:ext uri="{FF2B5EF4-FFF2-40B4-BE49-F238E27FC236}">
-                <a16:creationId xmlns:a16="http://schemas.microsoft.com/office/drawing/2014/main" id="{245DEEA5-247A-44BA-AD7A-45DFF3E99231}"/>
-              </a:ext>
-            </a:extLst>
-          </p:cNvPr>
+          <p:cNvPr id="2" name="슬라이드 번호 개체 틀 1"/>
           <p:cNvSpPr>
             <a:spLocks noGrp="1"/>
           </p:cNvSpPr>
@@ -18784,6 +18752,10 @@
               <a:pPr/>
               <a:t>23</a:t>
             </a:fld>
+            <a:r>
+              <a:rPr lang="en-US" altLang="ko-KR" smtClean="0"/>
+              <a:t>/59</a:t>
+            </a:r>
             <a:endParaRPr lang="ko-KR" altLang="en-US" dirty="0"/>
           </a:p>
         </p:txBody>
@@ -19520,13 +19492,7 @@
       </p:pic>
       <p:sp>
         <p:nvSpPr>
-          <p:cNvPr id="7" name="슬라이드 번호 개체 틀 6">
-            <a:extLst>
-              <a:ext uri="{FF2B5EF4-FFF2-40B4-BE49-F238E27FC236}">
-                <a16:creationId xmlns:a16="http://schemas.microsoft.com/office/drawing/2014/main" id="{E9FEF718-0573-4997-9215-D0F1251576AC}"/>
-              </a:ext>
-            </a:extLst>
-          </p:cNvPr>
+          <p:cNvPr id="2" name="슬라이드 번호 개체 틀 1"/>
           <p:cNvSpPr>
             <a:spLocks noGrp="1"/>
           </p:cNvSpPr>
@@ -19544,6 +19510,10 @@
               <a:pPr/>
               <a:t>24</a:t>
             </a:fld>
+            <a:r>
+              <a:rPr lang="en-US" altLang="ko-KR" smtClean="0"/>
+              <a:t>/59</a:t>
+            </a:r>
             <a:endParaRPr lang="ko-KR" altLang="en-US" dirty="0"/>
           </a:p>
         </p:txBody>
@@ -20414,13 +20384,7 @@
       </p:pic>
       <p:sp>
         <p:nvSpPr>
-          <p:cNvPr id="3" name="슬라이드 번호 개체 틀 2">
-            <a:extLst>
-              <a:ext uri="{FF2B5EF4-FFF2-40B4-BE49-F238E27FC236}">
-                <a16:creationId xmlns:a16="http://schemas.microsoft.com/office/drawing/2014/main" id="{4F806353-8EF3-4F45-8505-4C641B867B58}"/>
-              </a:ext>
-            </a:extLst>
-          </p:cNvPr>
+          <p:cNvPr id="2" name="슬라이드 번호 개체 틀 1"/>
           <p:cNvSpPr>
             <a:spLocks noGrp="1"/>
           </p:cNvSpPr>
@@ -20438,6 +20402,10 @@
               <a:pPr/>
               <a:t>25</a:t>
             </a:fld>
+            <a:r>
+              <a:rPr lang="en-US" altLang="ko-KR" smtClean="0"/>
+              <a:t>/59</a:t>
+            </a:r>
             <a:endParaRPr lang="ko-KR" altLang="en-US" dirty="0"/>
           </a:p>
         </p:txBody>
@@ -20929,13 +20897,7 @@
       </p:cxnSp>
       <p:sp>
         <p:nvSpPr>
-          <p:cNvPr id="3" name="슬라이드 번호 개체 틀 2">
-            <a:extLst>
-              <a:ext uri="{FF2B5EF4-FFF2-40B4-BE49-F238E27FC236}">
-                <a16:creationId xmlns:a16="http://schemas.microsoft.com/office/drawing/2014/main" id="{26DC8EE2-0A02-43BF-BB39-E08833F75282}"/>
-              </a:ext>
-            </a:extLst>
-          </p:cNvPr>
+          <p:cNvPr id="2" name="슬라이드 번호 개체 틀 1"/>
           <p:cNvSpPr>
             <a:spLocks noGrp="1"/>
           </p:cNvSpPr>
@@ -20953,6 +20915,10 @@
               <a:pPr/>
               <a:t>26</a:t>
             </a:fld>
+            <a:r>
+              <a:rPr lang="en-US" altLang="ko-KR" smtClean="0"/>
+              <a:t>/59</a:t>
+            </a:r>
             <a:endParaRPr lang="ko-KR" altLang="en-US" dirty="0"/>
           </a:p>
         </p:txBody>
@@ -21155,13 +21121,7 @@
       </p:pic>
       <p:sp>
         <p:nvSpPr>
-          <p:cNvPr id="6" name="슬라이드 번호 개체 틀 5">
-            <a:extLst>
-              <a:ext uri="{FF2B5EF4-FFF2-40B4-BE49-F238E27FC236}">
-                <a16:creationId xmlns:a16="http://schemas.microsoft.com/office/drawing/2014/main" id="{22C9513D-D696-4541-904B-7D9BB230FB45}"/>
-              </a:ext>
-            </a:extLst>
-          </p:cNvPr>
+          <p:cNvPr id="2" name="슬라이드 번호 개체 틀 1"/>
           <p:cNvSpPr>
             <a:spLocks noGrp="1"/>
           </p:cNvSpPr>
@@ -21179,6 +21139,10 @@
               <a:pPr/>
               <a:t>27</a:t>
             </a:fld>
+            <a:r>
+              <a:rPr lang="en-US" altLang="ko-KR" smtClean="0"/>
+              <a:t>/59</a:t>
+            </a:r>
             <a:endParaRPr lang="ko-KR" altLang="en-US" dirty="0"/>
           </a:p>
         </p:txBody>
@@ -21868,13 +21832,7 @@
       </p:cxnSp>
       <p:sp>
         <p:nvSpPr>
-          <p:cNvPr id="3" name="슬라이드 번호 개체 틀 2">
-            <a:extLst>
-              <a:ext uri="{FF2B5EF4-FFF2-40B4-BE49-F238E27FC236}">
-                <a16:creationId xmlns:a16="http://schemas.microsoft.com/office/drawing/2014/main" id="{5125E0CE-C7B4-42CC-8EE3-E4AE59CA328A}"/>
-              </a:ext>
-            </a:extLst>
-          </p:cNvPr>
+          <p:cNvPr id="2" name="슬라이드 번호 개체 틀 1"/>
           <p:cNvSpPr>
             <a:spLocks noGrp="1"/>
           </p:cNvSpPr>
@@ -21892,6 +21850,10 @@
               <a:pPr/>
               <a:t>28</a:t>
             </a:fld>
+            <a:r>
+              <a:rPr lang="en-US" altLang="ko-KR" smtClean="0"/>
+              <a:t>/59</a:t>
+            </a:r>
             <a:endParaRPr lang="ko-KR" altLang="en-US" dirty="0"/>
           </a:p>
         </p:txBody>
@@ -22453,13 +22415,7 @@
       </p:cxnSp>
       <p:sp>
         <p:nvSpPr>
-          <p:cNvPr id="6" name="슬라이드 번호 개체 틀 5">
-            <a:extLst>
-              <a:ext uri="{FF2B5EF4-FFF2-40B4-BE49-F238E27FC236}">
-                <a16:creationId xmlns:a16="http://schemas.microsoft.com/office/drawing/2014/main" id="{4027DF28-BAEF-4F4D-A1A7-D65E153D2FE5}"/>
-              </a:ext>
-            </a:extLst>
-          </p:cNvPr>
+          <p:cNvPr id="2" name="슬라이드 번호 개체 틀 1"/>
           <p:cNvSpPr>
             <a:spLocks noGrp="1"/>
           </p:cNvSpPr>
@@ -22477,6 +22433,10 @@
               <a:pPr/>
               <a:t>29</a:t>
             </a:fld>
+            <a:r>
+              <a:rPr lang="en-US" altLang="ko-KR" smtClean="0"/>
+              <a:t>/59</a:t>
+            </a:r>
             <a:endParaRPr lang="ko-KR" altLang="en-US" dirty="0"/>
           </a:p>
         </p:txBody>
@@ -22982,13 +22942,7 @@
       </p:sp>
       <p:sp>
         <p:nvSpPr>
-          <p:cNvPr id="5" name="슬라이드 번호 개체 틀 4">
-            <a:extLst>
-              <a:ext uri="{FF2B5EF4-FFF2-40B4-BE49-F238E27FC236}">
-                <a16:creationId xmlns:a16="http://schemas.microsoft.com/office/drawing/2014/main" id="{1C2B2077-5A58-4F3D-8150-BB2BE9BADD2B}"/>
-              </a:ext>
-            </a:extLst>
-          </p:cNvPr>
+          <p:cNvPr id="2" name="슬라이드 번호 개체 틀 1"/>
           <p:cNvSpPr>
             <a:spLocks noGrp="1"/>
           </p:cNvSpPr>
@@ -23006,6 +22960,10 @@
               <a:pPr/>
               <a:t>3</a:t>
             </a:fld>
+            <a:r>
+              <a:rPr lang="en-US" altLang="ko-KR" smtClean="0"/>
+              <a:t>/59</a:t>
+            </a:r>
             <a:endParaRPr lang="ko-KR" altLang="en-US" dirty="0"/>
           </a:p>
         </p:txBody>
@@ -23483,13 +23441,7 @@
       </p:sp>
       <p:sp>
         <p:nvSpPr>
-          <p:cNvPr id="3" name="슬라이드 번호 개체 틀 2">
-            <a:extLst>
-              <a:ext uri="{FF2B5EF4-FFF2-40B4-BE49-F238E27FC236}">
-                <a16:creationId xmlns:a16="http://schemas.microsoft.com/office/drawing/2014/main" id="{EA5EEE46-C5EF-4317-A79F-866F3D5FD333}"/>
-              </a:ext>
-            </a:extLst>
-          </p:cNvPr>
+          <p:cNvPr id="2" name="슬라이드 번호 개체 틀 1"/>
           <p:cNvSpPr>
             <a:spLocks noGrp="1"/>
           </p:cNvSpPr>
@@ -23507,6 +23459,10 @@
               <a:pPr/>
               <a:t>30</a:t>
             </a:fld>
+            <a:r>
+              <a:rPr lang="en-US" altLang="ko-KR" smtClean="0"/>
+              <a:t>/59</a:t>
+            </a:r>
             <a:endParaRPr lang="ko-KR" altLang="en-US" dirty="0"/>
           </a:p>
         </p:txBody>
@@ -24391,13 +24347,7 @@
       </p:pic>
       <p:sp>
         <p:nvSpPr>
-          <p:cNvPr id="3" name="슬라이드 번호 개체 틀 2">
-            <a:extLst>
-              <a:ext uri="{FF2B5EF4-FFF2-40B4-BE49-F238E27FC236}">
-                <a16:creationId xmlns:a16="http://schemas.microsoft.com/office/drawing/2014/main" id="{15F69FBB-23AB-4251-B5D2-402CF8B68AF3}"/>
-              </a:ext>
-            </a:extLst>
-          </p:cNvPr>
+          <p:cNvPr id="2" name="슬라이드 번호 개체 틀 1"/>
           <p:cNvSpPr>
             <a:spLocks noGrp="1"/>
           </p:cNvSpPr>
@@ -24415,6 +24365,10 @@
               <a:pPr/>
               <a:t>31</a:t>
             </a:fld>
+            <a:r>
+              <a:rPr lang="en-US" altLang="ko-KR" smtClean="0"/>
+              <a:t>/59</a:t>
+            </a:r>
             <a:endParaRPr lang="ko-KR" altLang="en-US" dirty="0"/>
           </a:p>
         </p:txBody>
@@ -25131,13 +25085,7 @@
       </p:cxnSp>
       <p:sp>
         <p:nvSpPr>
-          <p:cNvPr id="8" name="슬라이드 번호 개체 틀 7">
-            <a:extLst>
-              <a:ext uri="{FF2B5EF4-FFF2-40B4-BE49-F238E27FC236}">
-                <a16:creationId xmlns:a16="http://schemas.microsoft.com/office/drawing/2014/main" id="{871018EC-A6C9-4C9C-B643-35E70A5F7695}"/>
-              </a:ext>
-            </a:extLst>
-          </p:cNvPr>
+          <p:cNvPr id="7" name="슬라이드 번호 개체 틀 6"/>
           <p:cNvSpPr>
             <a:spLocks noGrp="1"/>
           </p:cNvSpPr>
@@ -25155,6 +25103,10 @@
               <a:pPr/>
               <a:t>32</a:t>
             </a:fld>
+            <a:r>
+              <a:rPr lang="en-US" altLang="ko-KR" smtClean="0"/>
+              <a:t>/59</a:t>
+            </a:r>
             <a:endParaRPr lang="ko-KR" altLang="en-US" dirty="0"/>
           </a:p>
         </p:txBody>
@@ -25704,36 +25656,6 @@
       </p:sp>
       <p:sp>
         <p:nvSpPr>
-          <p:cNvPr id="6" name="슬라이드 번호 개체 틀 5">
-            <a:extLst>
-              <a:ext uri="{FF2B5EF4-FFF2-40B4-BE49-F238E27FC236}">
-                <a16:creationId xmlns:a16="http://schemas.microsoft.com/office/drawing/2014/main" id="{D45E14D8-C803-4D01-84FB-782F35C679A3}"/>
-              </a:ext>
-            </a:extLst>
-          </p:cNvPr>
-          <p:cNvSpPr>
-            <a:spLocks noGrp="1"/>
-          </p:cNvSpPr>
-          <p:nvPr>
-            <p:ph type="sldNum" sz="quarter" idx="12"/>
-          </p:nvPr>
-        </p:nvSpPr>
-        <p:spPr/>
-        <p:txBody>
-          <a:bodyPr/>
-          <a:lstStyle/>
-          <a:p>
-            <a:fld id="{526ADF51-C4A2-4521-899C-87F34FDB9C0A}" type="slidenum">
-              <a:rPr lang="ko-KR" altLang="en-US" smtClean="0"/>
-              <a:pPr/>
-              <a:t>33</a:t>
-            </a:fld>
-            <a:endParaRPr lang="ko-KR" altLang="en-US" dirty="0"/>
-          </a:p>
-        </p:txBody>
-      </p:sp>
-      <p:sp>
-        <p:nvSpPr>
           <p:cNvPr id="11" name="직사각형 10">
             <a:extLst>
               <a:ext uri="{FF2B5EF4-FFF2-40B4-BE49-F238E27FC236}">
@@ -25781,6 +25703,34 @@
           <a:p>
             <a:pPr algn="ctr"/>
             <a:endParaRPr lang="ko-KR" altLang="en-US"/>
+          </a:p>
+        </p:txBody>
+      </p:sp>
+      <p:sp>
+        <p:nvSpPr>
+          <p:cNvPr id="3" name="슬라이드 번호 개체 틀 2"/>
+          <p:cNvSpPr>
+            <a:spLocks noGrp="1"/>
+          </p:cNvSpPr>
+          <p:nvPr>
+            <p:ph type="sldNum" sz="quarter" idx="12"/>
+          </p:nvPr>
+        </p:nvSpPr>
+        <p:spPr/>
+        <p:txBody>
+          <a:bodyPr/>
+          <a:lstStyle/>
+          <a:p>
+            <a:fld id="{526ADF51-C4A2-4521-899C-87F34FDB9C0A}" type="slidenum">
+              <a:rPr lang="ko-KR" altLang="en-US" smtClean="0"/>
+              <a:pPr/>
+              <a:t>33</a:t>
+            </a:fld>
+            <a:r>
+              <a:rPr lang="en-US" altLang="ko-KR" smtClean="0"/>
+              <a:t>/59</a:t>
+            </a:r>
+            <a:endParaRPr lang="ko-KR" altLang="en-US" dirty="0"/>
           </a:p>
         </p:txBody>
       </p:sp>
@@ -26270,36 +26220,6 @@
           </a:fontRef>
         </p:style>
       </p:cxnSp>
-      <p:sp>
-        <p:nvSpPr>
-          <p:cNvPr id="3" name="슬라이드 번호 개체 틀 2">
-            <a:extLst>
-              <a:ext uri="{FF2B5EF4-FFF2-40B4-BE49-F238E27FC236}">
-                <a16:creationId xmlns:a16="http://schemas.microsoft.com/office/drawing/2014/main" id="{CB619832-58DE-4A50-8487-CBBC490D6789}"/>
-              </a:ext>
-            </a:extLst>
-          </p:cNvPr>
-          <p:cNvSpPr>
-            <a:spLocks noGrp="1"/>
-          </p:cNvSpPr>
-          <p:nvPr>
-            <p:ph type="sldNum" sz="quarter" idx="12"/>
-          </p:nvPr>
-        </p:nvSpPr>
-        <p:spPr/>
-        <p:txBody>
-          <a:bodyPr/>
-          <a:lstStyle/>
-          <a:p>
-            <a:fld id="{526ADF51-C4A2-4521-899C-87F34FDB9C0A}" type="slidenum">
-              <a:rPr lang="ko-KR" altLang="en-US" smtClean="0"/>
-              <a:pPr/>
-              <a:t>34</a:t>
-            </a:fld>
-            <a:endParaRPr lang="ko-KR" altLang="en-US" dirty="0"/>
-          </a:p>
-        </p:txBody>
-      </p:sp>
       <p:pic>
         <p:nvPicPr>
           <p:cNvPr id="6" name="그림 5">
@@ -26382,6 +26302,34 @@
           </a:p>
         </p:txBody>
       </p:sp>
+      <p:sp>
+        <p:nvSpPr>
+          <p:cNvPr id="2" name="슬라이드 번호 개체 틀 1"/>
+          <p:cNvSpPr>
+            <a:spLocks noGrp="1"/>
+          </p:cNvSpPr>
+          <p:nvPr>
+            <p:ph type="sldNum" sz="quarter" idx="12"/>
+          </p:nvPr>
+        </p:nvSpPr>
+        <p:spPr/>
+        <p:txBody>
+          <a:bodyPr/>
+          <a:lstStyle/>
+          <a:p>
+            <a:fld id="{526ADF51-C4A2-4521-899C-87F34FDB9C0A}" type="slidenum">
+              <a:rPr lang="ko-KR" altLang="en-US" smtClean="0"/>
+              <a:pPr/>
+              <a:t>34</a:t>
+            </a:fld>
+            <a:r>
+              <a:rPr lang="en-US" altLang="ko-KR" smtClean="0"/>
+              <a:t>/59</a:t>
+            </a:r>
+            <a:endParaRPr lang="ko-KR" altLang="en-US" dirty="0"/>
+          </a:p>
+        </p:txBody>
+      </p:sp>
     </p:spTree>
     <p:extLst>
       <p:ext uri="{BB962C8B-B14F-4D97-AF65-F5344CB8AC3E}">
@@ -26766,36 +26714,6 @@
             <a:endParaRPr lang="en-US" altLang="ko-KR" dirty="0">
               <a:latin typeface="+mn-ea"/>
             </a:endParaRPr>
-          </a:p>
-        </p:txBody>
-      </p:sp>
-      <p:sp>
-        <p:nvSpPr>
-          <p:cNvPr id="6" name="슬라이드 번호 개체 틀 5">
-            <a:extLst>
-              <a:ext uri="{FF2B5EF4-FFF2-40B4-BE49-F238E27FC236}">
-                <a16:creationId xmlns:a16="http://schemas.microsoft.com/office/drawing/2014/main" id="{EA9245E9-C142-4A5F-AB45-5A0B639B1240}"/>
-              </a:ext>
-            </a:extLst>
-          </p:cNvPr>
-          <p:cNvSpPr>
-            <a:spLocks noGrp="1"/>
-          </p:cNvSpPr>
-          <p:nvPr>
-            <p:ph type="sldNum" sz="quarter" idx="12"/>
-          </p:nvPr>
-        </p:nvSpPr>
-        <p:spPr/>
-        <p:txBody>
-          <a:bodyPr/>
-          <a:lstStyle/>
-          <a:p>
-            <a:fld id="{526ADF51-C4A2-4521-899C-87F34FDB9C0A}" type="slidenum">
-              <a:rPr lang="ko-KR" altLang="en-US" smtClean="0"/>
-              <a:pPr/>
-              <a:t>35</a:t>
-            </a:fld>
-            <a:endParaRPr lang="ko-KR" altLang="en-US" dirty="0"/>
           </a:p>
         </p:txBody>
       </p:sp>
@@ -27119,6 +27037,34 @@
           </a:p>
         </p:txBody>
       </p:sp>
+      <p:sp>
+        <p:nvSpPr>
+          <p:cNvPr id="2" name="슬라이드 번호 개체 틀 1"/>
+          <p:cNvSpPr>
+            <a:spLocks noGrp="1"/>
+          </p:cNvSpPr>
+          <p:nvPr>
+            <p:ph type="sldNum" sz="quarter" idx="12"/>
+          </p:nvPr>
+        </p:nvSpPr>
+        <p:spPr/>
+        <p:txBody>
+          <a:bodyPr/>
+          <a:lstStyle/>
+          <a:p>
+            <a:fld id="{526ADF51-C4A2-4521-899C-87F34FDB9C0A}" type="slidenum">
+              <a:rPr lang="ko-KR" altLang="en-US" smtClean="0"/>
+              <a:pPr/>
+              <a:t>35</a:t>
+            </a:fld>
+            <a:r>
+              <a:rPr lang="en-US" altLang="ko-KR" smtClean="0"/>
+              <a:t>/59</a:t>
+            </a:r>
+            <a:endParaRPr lang="ko-KR" altLang="en-US" dirty="0"/>
+          </a:p>
+        </p:txBody>
+      </p:sp>
     </p:spTree>
     <p:extLst>
       <p:ext uri="{BB962C8B-B14F-4D97-AF65-F5344CB8AC3E}">
@@ -27671,36 +27617,6 @@
           </a:p>
         </p:txBody>
       </p:sp>
-      <p:sp>
-        <p:nvSpPr>
-          <p:cNvPr id="11" name="슬라이드 번호 개체 틀 10">
-            <a:extLst>
-              <a:ext uri="{FF2B5EF4-FFF2-40B4-BE49-F238E27FC236}">
-                <a16:creationId xmlns:a16="http://schemas.microsoft.com/office/drawing/2014/main" id="{5FF55DAF-323D-472D-ADEB-37E2549548FE}"/>
-              </a:ext>
-            </a:extLst>
-          </p:cNvPr>
-          <p:cNvSpPr>
-            <a:spLocks noGrp="1"/>
-          </p:cNvSpPr>
-          <p:nvPr>
-            <p:ph type="sldNum" sz="quarter" idx="12"/>
-          </p:nvPr>
-        </p:nvSpPr>
-        <p:spPr/>
-        <p:txBody>
-          <a:bodyPr/>
-          <a:lstStyle/>
-          <a:p>
-            <a:fld id="{526ADF51-C4A2-4521-899C-87F34FDB9C0A}" type="slidenum">
-              <a:rPr lang="ko-KR" altLang="en-US" smtClean="0"/>
-              <a:pPr/>
-              <a:t>36</a:t>
-            </a:fld>
-            <a:endParaRPr lang="ko-KR" altLang="en-US" dirty="0"/>
-          </a:p>
-        </p:txBody>
-      </p:sp>
       <p:pic>
         <p:nvPicPr>
           <p:cNvPr id="14" name="그림 13">
@@ -27783,6 +27699,34 @@
           </a:p>
         </p:txBody>
       </p:sp>
+      <p:sp>
+        <p:nvSpPr>
+          <p:cNvPr id="2" name="슬라이드 번호 개체 틀 1"/>
+          <p:cNvSpPr>
+            <a:spLocks noGrp="1"/>
+          </p:cNvSpPr>
+          <p:nvPr>
+            <p:ph type="sldNum" sz="quarter" idx="12"/>
+          </p:nvPr>
+        </p:nvSpPr>
+        <p:spPr/>
+        <p:txBody>
+          <a:bodyPr/>
+          <a:lstStyle/>
+          <a:p>
+            <a:fld id="{526ADF51-C4A2-4521-899C-87F34FDB9C0A}" type="slidenum">
+              <a:rPr lang="ko-KR" altLang="en-US" smtClean="0"/>
+              <a:pPr/>
+              <a:t>36</a:t>
+            </a:fld>
+            <a:r>
+              <a:rPr lang="en-US" altLang="ko-KR" smtClean="0"/>
+              <a:t>/59</a:t>
+            </a:r>
+            <a:endParaRPr lang="ko-KR" altLang="en-US" dirty="0"/>
+          </a:p>
+        </p:txBody>
+      </p:sp>
     </p:spTree>
     <p:extLst>
       <p:ext uri="{BB962C8B-B14F-4D97-AF65-F5344CB8AC3E}">
@@ -28365,36 +28309,6 @@
           </a:p>
         </p:txBody>
       </p:sp>
-      <p:sp>
-        <p:nvSpPr>
-          <p:cNvPr id="3" name="슬라이드 번호 개체 틀 2">
-            <a:extLst>
-              <a:ext uri="{FF2B5EF4-FFF2-40B4-BE49-F238E27FC236}">
-                <a16:creationId xmlns:a16="http://schemas.microsoft.com/office/drawing/2014/main" id="{8EDC73F6-FE45-463A-BBF6-5E371D258776}"/>
-              </a:ext>
-            </a:extLst>
-          </p:cNvPr>
-          <p:cNvSpPr>
-            <a:spLocks noGrp="1"/>
-          </p:cNvSpPr>
-          <p:nvPr>
-            <p:ph type="sldNum" sz="quarter" idx="12"/>
-          </p:nvPr>
-        </p:nvSpPr>
-        <p:spPr/>
-        <p:txBody>
-          <a:bodyPr/>
-          <a:lstStyle/>
-          <a:p>
-            <a:fld id="{526ADF51-C4A2-4521-899C-87F34FDB9C0A}" type="slidenum">
-              <a:rPr lang="ko-KR" altLang="en-US" smtClean="0"/>
-              <a:pPr/>
-              <a:t>37</a:t>
-            </a:fld>
-            <a:endParaRPr lang="ko-KR" altLang="en-US" dirty="0"/>
-          </a:p>
-        </p:txBody>
-      </p:sp>
       <p:pic>
         <p:nvPicPr>
           <p:cNvPr id="6" name="그림 5">
@@ -28477,6 +28391,34 @@
           </a:p>
         </p:txBody>
       </p:sp>
+      <p:sp>
+        <p:nvSpPr>
+          <p:cNvPr id="2" name="슬라이드 번호 개체 틀 1"/>
+          <p:cNvSpPr>
+            <a:spLocks noGrp="1"/>
+          </p:cNvSpPr>
+          <p:nvPr>
+            <p:ph type="sldNum" sz="quarter" idx="12"/>
+          </p:nvPr>
+        </p:nvSpPr>
+        <p:spPr/>
+        <p:txBody>
+          <a:bodyPr/>
+          <a:lstStyle/>
+          <a:p>
+            <a:fld id="{526ADF51-C4A2-4521-899C-87F34FDB9C0A}" type="slidenum">
+              <a:rPr lang="ko-KR" altLang="en-US" smtClean="0"/>
+              <a:pPr/>
+              <a:t>37</a:t>
+            </a:fld>
+            <a:r>
+              <a:rPr lang="en-US" altLang="ko-KR" smtClean="0"/>
+              <a:t>/59</a:t>
+            </a:r>
+            <a:endParaRPr lang="ko-KR" altLang="en-US" dirty="0"/>
+          </a:p>
+        </p:txBody>
+      </p:sp>
     </p:spTree>
     <p:extLst>
       <p:ext uri="{BB962C8B-B14F-4D97-AF65-F5344CB8AC3E}">
@@ -28771,36 +28713,6 @@
             <a:endParaRPr lang="en-US" altLang="ko-KR" dirty="0">
               <a:latin typeface="+mn-ea"/>
             </a:endParaRPr>
-          </a:p>
-        </p:txBody>
-      </p:sp>
-      <p:sp>
-        <p:nvSpPr>
-          <p:cNvPr id="7" name="슬라이드 번호 개체 틀 6">
-            <a:extLst>
-              <a:ext uri="{FF2B5EF4-FFF2-40B4-BE49-F238E27FC236}">
-                <a16:creationId xmlns:a16="http://schemas.microsoft.com/office/drawing/2014/main" id="{DBBE8D85-EBF9-40B5-9D1F-1C7498208B23}"/>
-              </a:ext>
-            </a:extLst>
-          </p:cNvPr>
-          <p:cNvSpPr>
-            <a:spLocks noGrp="1"/>
-          </p:cNvSpPr>
-          <p:nvPr>
-            <p:ph type="sldNum" sz="quarter" idx="12"/>
-          </p:nvPr>
-        </p:nvSpPr>
-        <p:spPr/>
-        <p:txBody>
-          <a:bodyPr/>
-          <a:lstStyle/>
-          <a:p>
-            <a:fld id="{526ADF51-C4A2-4521-899C-87F34FDB9C0A}" type="slidenum">
-              <a:rPr lang="ko-KR" altLang="en-US" smtClean="0"/>
-              <a:pPr/>
-              <a:t>38</a:t>
-            </a:fld>
-            <a:endParaRPr lang="ko-KR" altLang="en-US" dirty="0"/>
           </a:p>
         </p:txBody>
       </p:sp>
@@ -29001,6 +28913,34 @@
           </a:p>
         </p:txBody>
       </p:sp>
+      <p:sp>
+        <p:nvSpPr>
+          <p:cNvPr id="2" name="슬라이드 번호 개체 틀 1"/>
+          <p:cNvSpPr>
+            <a:spLocks noGrp="1"/>
+          </p:cNvSpPr>
+          <p:nvPr>
+            <p:ph type="sldNum" sz="quarter" idx="12"/>
+          </p:nvPr>
+        </p:nvSpPr>
+        <p:spPr/>
+        <p:txBody>
+          <a:bodyPr/>
+          <a:lstStyle/>
+          <a:p>
+            <a:fld id="{526ADF51-C4A2-4521-899C-87F34FDB9C0A}" type="slidenum">
+              <a:rPr lang="ko-KR" altLang="en-US" smtClean="0"/>
+              <a:pPr/>
+              <a:t>38</a:t>
+            </a:fld>
+            <a:r>
+              <a:rPr lang="en-US" altLang="ko-KR" smtClean="0"/>
+              <a:t>/59</a:t>
+            </a:r>
+            <a:endParaRPr lang="ko-KR" altLang="en-US" dirty="0"/>
+          </a:p>
+        </p:txBody>
+      </p:sp>
     </p:spTree>
     <p:extLst>
       <p:ext uri="{BB962C8B-B14F-4D97-AF65-F5344CB8AC3E}">
@@ -29447,36 +29387,6 @@
           </a:fontRef>
         </p:style>
       </p:cxnSp>
-      <p:sp>
-        <p:nvSpPr>
-          <p:cNvPr id="3" name="슬라이드 번호 개체 틀 2">
-            <a:extLst>
-              <a:ext uri="{FF2B5EF4-FFF2-40B4-BE49-F238E27FC236}">
-                <a16:creationId xmlns:a16="http://schemas.microsoft.com/office/drawing/2014/main" id="{CB619832-58DE-4A50-8487-CBBC490D6789}"/>
-              </a:ext>
-            </a:extLst>
-          </p:cNvPr>
-          <p:cNvSpPr>
-            <a:spLocks noGrp="1"/>
-          </p:cNvSpPr>
-          <p:nvPr>
-            <p:ph type="sldNum" sz="quarter" idx="12"/>
-          </p:nvPr>
-        </p:nvSpPr>
-        <p:spPr/>
-        <p:txBody>
-          <a:bodyPr/>
-          <a:lstStyle/>
-          <a:p>
-            <a:fld id="{526ADF51-C4A2-4521-899C-87F34FDB9C0A}" type="slidenum">
-              <a:rPr lang="ko-KR" altLang="en-US" smtClean="0"/>
-              <a:pPr/>
-              <a:t>39</a:t>
-            </a:fld>
-            <a:endParaRPr lang="ko-KR" altLang="en-US" dirty="0"/>
-          </a:p>
-        </p:txBody>
-      </p:sp>
       <p:pic>
         <p:nvPicPr>
           <p:cNvPr id="9" name="그림 8">
@@ -29611,6 +29521,34 @@
           </a:p>
         </p:txBody>
       </p:sp>
+      <p:sp>
+        <p:nvSpPr>
+          <p:cNvPr id="2" name="슬라이드 번호 개체 틀 1"/>
+          <p:cNvSpPr>
+            <a:spLocks noGrp="1"/>
+          </p:cNvSpPr>
+          <p:nvPr>
+            <p:ph type="sldNum" sz="quarter" idx="12"/>
+          </p:nvPr>
+        </p:nvSpPr>
+        <p:spPr/>
+        <p:txBody>
+          <a:bodyPr/>
+          <a:lstStyle/>
+          <a:p>
+            <a:fld id="{526ADF51-C4A2-4521-899C-87F34FDB9C0A}" type="slidenum">
+              <a:rPr lang="ko-KR" altLang="en-US" smtClean="0"/>
+              <a:pPr/>
+              <a:t>39</a:t>
+            </a:fld>
+            <a:r>
+              <a:rPr lang="en-US" altLang="ko-KR" smtClean="0"/>
+              <a:t>/59</a:t>
+            </a:r>
+            <a:endParaRPr lang="ko-KR" altLang="en-US" dirty="0"/>
+          </a:p>
+        </p:txBody>
+      </p:sp>
     </p:spTree>
     <p:extLst>
       <p:ext uri="{BB962C8B-B14F-4D97-AF65-F5344CB8AC3E}">
@@ -29743,36 +29681,6 @@
           </a:p>
         </p:txBody>
       </p:sp>
-      <p:sp>
-        <p:nvSpPr>
-          <p:cNvPr id="6" name="슬라이드 번호 개체 틀 5">
-            <a:extLst>
-              <a:ext uri="{FF2B5EF4-FFF2-40B4-BE49-F238E27FC236}">
-                <a16:creationId xmlns:a16="http://schemas.microsoft.com/office/drawing/2014/main" id="{4A6FA89B-8456-4B30-B70B-0959D9117430}"/>
-              </a:ext>
-            </a:extLst>
-          </p:cNvPr>
-          <p:cNvSpPr>
-            <a:spLocks noGrp="1"/>
-          </p:cNvSpPr>
-          <p:nvPr>
-            <p:ph type="sldNum" sz="quarter" idx="12"/>
-          </p:nvPr>
-        </p:nvSpPr>
-        <p:spPr/>
-        <p:txBody>
-          <a:bodyPr/>
-          <a:lstStyle/>
-          <a:p>
-            <a:fld id="{526ADF51-C4A2-4521-899C-87F34FDB9C0A}" type="slidenum">
-              <a:rPr lang="ko-KR" altLang="en-US" smtClean="0"/>
-              <a:pPr/>
-              <a:t>4</a:t>
-            </a:fld>
-            <a:endParaRPr lang="ko-KR" altLang="en-US" dirty="0"/>
-          </a:p>
-        </p:txBody>
-      </p:sp>
       <p:pic>
         <p:nvPicPr>
           <p:cNvPr id="7" name="그림 6">
@@ -29803,6 +29711,34 @@
           </a:prstGeom>
         </p:spPr>
       </p:pic>
+      <p:sp>
+        <p:nvSpPr>
+          <p:cNvPr id="2" name="슬라이드 번호 개체 틀 1"/>
+          <p:cNvSpPr>
+            <a:spLocks noGrp="1"/>
+          </p:cNvSpPr>
+          <p:nvPr>
+            <p:ph type="sldNum" sz="quarter" idx="12"/>
+          </p:nvPr>
+        </p:nvSpPr>
+        <p:spPr/>
+        <p:txBody>
+          <a:bodyPr/>
+          <a:lstStyle/>
+          <a:p>
+            <a:fld id="{526ADF51-C4A2-4521-899C-87F34FDB9C0A}" type="slidenum">
+              <a:rPr lang="ko-KR" altLang="en-US" smtClean="0"/>
+              <a:pPr/>
+              <a:t>4</a:t>
+            </a:fld>
+            <a:r>
+              <a:rPr lang="en-US" altLang="ko-KR" smtClean="0"/>
+              <a:t>/59</a:t>
+            </a:r>
+            <a:endParaRPr lang="ko-KR" altLang="en-US" dirty="0"/>
+          </a:p>
+        </p:txBody>
+      </p:sp>
     </p:spTree>
     <p:extLst>
       <p:ext uri="{BB962C8B-B14F-4D97-AF65-F5344CB8AC3E}">
@@ -30408,36 +30344,6 @@
               <a:t>수정후</a:t>
             </a:r>
             <a:endParaRPr lang="ko-KR" altLang="en-US" sz="1600" dirty="0"/>
-          </a:p>
-        </p:txBody>
-      </p:sp>
-      <p:sp>
-        <p:nvSpPr>
-          <p:cNvPr id="11" name="슬라이드 번호 개체 틀 10">
-            <a:extLst>
-              <a:ext uri="{FF2B5EF4-FFF2-40B4-BE49-F238E27FC236}">
-                <a16:creationId xmlns:a16="http://schemas.microsoft.com/office/drawing/2014/main" id="{5FF55DAF-323D-472D-ADEB-37E2549548FE}"/>
-              </a:ext>
-            </a:extLst>
-          </p:cNvPr>
-          <p:cNvSpPr>
-            <a:spLocks noGrp="1"/>
-          </p:cNvSpPr>
-          <p:nvPr>
-            <p:ph type="sldNum" sz="quarter" idx="12"/>
-          </p:nvPr>
-        </p:nvSpPr>
-        <p:spPr/>
-        <p:txBody>
-          <a:bodyPr/>
-          <a:lstStyle/>
-          <a:p>
-            <a:fld id="{526ADF51-C4A2-4521-899C-87F34FDB9C0A}" type="slidenum">
-              <a:rPr lang="ko-KR" altLang="en-US" smtClean="0"/>
-              <a:pPr/>
-              <a:t>40</a:t>
-            </a:fld>
-            <a:endParaRPr lang="ko-KR" altLang="en-US" dirty="0"/>
           </a:p>
         </p:txBody>
       </p:sp>
@@ -30547,6 +30453,34 @@
           </a:p>
         </p:txBody>
       </p:sp>
+      <p:sp>
+        <p:nvSpPr>
+          <p:cNvPr id="2" name="슬라이드 번호 개체 틀 1"/>
+          <p:cNvSpPr>
+            <a:spLocks noGrp="1"/>
+          </p:cNvSpPr>
+          <p:nvPr>
+            <p:ph type="sldNum" sz="quarter" idx="12"/>
+          </p:nvPr>
+        </p:nvSpPr>
+        <p:spPr/>
+        <p:txBody>
+          <a:bodyPr/>
+          <a:lstStyle/>
+          <a:p>
+            <a:fld id="{526ADF51-C4A2-4521-899C-87F34FDB9C0A}" type="slidenum">
+              <a:rPr lang="ko-KR" altLang="en-US" smtClean="0"/>
+              <a:pPr/>
+              <a:t>40</a:t>
+            </a:fld>
+            <a:r>
+              <a:rPr lang="en-US" altLang="ko-KR" smtClean="0"/>
+              <a:t>/59</a:t>
+            </a:r>
+            <a:endParaRPr lang="ko-KR" altLang="en-US" dirty="0"/>
+          </a:p>
+        </p:txBody>
+      </p:sp>
     </p:spTree>
     <p:extLst>
       <p:ext uri="{BB962C8B-B14F-4D97-AF65-F5344CB8AC3E}">
@@ -31138,36 +31072,6 @@
               <a:t>수정후</a:t>
             </a:r>
             <a:endParaRPr lang="ko-KR" altLang="en-US" sz="1600" dirty="0"/>
-          </a:p>
-        </p:txBody>
-      </p:sp>
-      <p:sp>
-        <p:nvSpPr>
-          <p:cNvPr id="3" name="슬라이드 번호 개체 틀 2">
-            <a:extLst>
-              <a:ext uri="{FF2B5EF4-FFF2-40B4-BE49-F238E27FC236}">
-                <a16:creationId xmlns:a16="http://schemas.microsoft.com/office/drawing/2014/main" id="{8EDC73F6-FE45-463A-BBF6-5E371D258776}"/>
-              </a:ext>
-            </a:extLst>
-          </p:cNvPr>
-          <p:cNvSpPr>
-            <a:spLocks noGrp="1"/>
-          </p:cNvSpPr>
-          <p:nvPr>
-            <p:ph type="sldNum" sz="quarter" idx="12"/>
-          </p:nvPr>
-        </p:nvSpPr>
-        <p:spPr/>
-        <p:txBody>
-          <a:bodyPr/>
-          <a:lstStyle/>
-          <a:p>
-            <a:fld id="{526ADF51-C4A2-4521-899C-87F34FDB9C0A}" type="slidenum">
-              <a:rPr lang="ko-KR" altLang="en-US" smtClean="0"/>
-              <a:pPr/>
-              <a:t>41</a:t>
-            </a:fld>
-            <a:endParaRPr lang="ko-KR" altLang="en-US" dirty="0"/>
           </a:p>
         </p:txBody>
       </p:sp>
@@ -31277,6 +31181,34 @@
           </a:p>
         </p:txBody>
       </p:sp>
+      <p:sp>
+        <p:nvSpPr>
+          <p:cNvPr id="2" name="슬라이드 번호 개체 틀 1"/>
+          <p:cNvSpPr>
+            <a:spLocks noGrp="1"/>
+          </p:cNvSpPr>
+          <p:nvPr>
+            <p:ph type="sldNum" sz="quarter" idx="12"/>
+          </p:nvPr>
+        </p:nvSpPr>
+        <p:spPr/>
+        <p:txBody>
+          <a:bodyPr/>
+          <a:lstStyle/>
+          <a:p>
+            <a:fld id="{526ADF51-C4A2-4521-899C-87F34FDB9C0A}" type="slidenum">
+              <a:rPr lang="ko-KR" altLang="en-US" smtClean="0"/>
+              <a:pPr/>
+              <a:t>41</a:t>
+            </a:fld>
+            <a:r>
+              <a:rPr lang="en-US" altLang="ko-KR" smtClean="0"/>
+              <a:t>/59</a:t>
+            </a:r>
+            <a:endParaRPr lang="ko-KR" altLang="en-US" dirty="0"/>
+          </a:p>
+        </p:txBody>
+      </p:sp>
     </p:spTree>
     <p:extLst>
       <p:ext uri="{BB962C8B-B14F-4D97-AF65-F5344CB8AC3E}">
@@ -32011,13 +31943,7 @@
       </p:sp>
       <p:sp>
         <p:nvSpPr>
-          <p:cNvPr id="7" name="슬라이드 번호 개체 틀 6">
-            <a:extLst>
-              <a:ext uri="{FF2B5EF4-FFF2-40B4-BE49-F238E27FC236}">
-                <a16:creationId xmlns:a16="http://schemas.microsoft.com/office/drawing/2014/main" id="{DBBE8D85-EBF9-40B5-9D1F-1C7498208B23}"/>
-              </a:ext>
-            </a:extLst>
-          </p:cNvPr>
+          <p:cNvPr id="2" name="슬라이드 번호 개체 틀 1"/>
           <p:cNvSpPr>
             <a:spLocks noGrp="1"/>
           </p:cNvSpPr>
@@ -32035,6 +31961,10 @@
               <a:pPr/>
               <a:t>42</a:t>
             </a:fld>
+            <a:r>
+              <a:rPr lang="en-US" altLang="ko-KR" smtClean="0"/>
+              <a:t>/59</a:t>
+            </a:r>
             <a:endParaRPr lang="ko-KR" altLang="en-US" dirty="0"/>
           </a:p>
         </p:txBody>
@@ -32371,36 +32301,6 @@
           </a:p>
         </p:txBody>
       </p:sp>
-      <p:sp>
-        <p:nvSpPr>
-          <p:cNvPr id="3" name="슬라이드 번호 개체 틀 2">
-            <a:extLst>
-              <a:ext uri="{FF2B5EF4-FFF2-40B4-BE49-F238E27FC236}">
-                <a16:creationId xmlns:a16="http://schemas.microsoft.com/office/drawing/2014/main" id="{9137AEDE-0924-49C3-ABA6-47900ED26016}"/>
-              </a:ext>
-            </a:extLst>
-          </p:cNvPr>
-          <p:cNvSpPr>
-            <a:spLocks noGrp="1"/>
-          </p:cNvSpPr>
-          <p:nvPr>
-            <p:ph type="sldNum" sz="quarter" idx="12"/>
-          </p:nvPr>
-        </p:nvSpPr>
-        <p:spPr/>
-        <p:txBody>
-          <a:bodyPr/>
-          <a:lstStyle/>
-          <a:p>
-            <a:fld id="{526ADF51-C4A2-4521-899C-87F34FDB9C0A}" type="slidenum">
-              <a:rPr lang="ko-KR" altLang="en-US" smtClean="0"/>
-              <a:pPr/>
-              <a:t>43</a:t>
-            </a:fld>
-            <a:endParaRPr lang="ko-KR" altLang="en-US" dirty="0"/>
-          </a:p>
-        </p:txBody>
-      </p:sp>
       <p:cxnSp>
         <p:nvCxnSpPr>
           <p:cNvPr id="8" name="직선 화살표 연결선 7">
@@ -32501,6 +32401,34 @@
               <a:t>을 이후에 진행해야 함</a:t>
             </a:r>
             <a:endParaRPr lang="ko-KR" altLang="en-US" sz="1400" dirty="0"/>
+          </a:p>
+        </p:txBody>
+      </p:sp>
+      <p:sp>
+        <p:nvSpPr>
+          <p:cNvPr id="2" name="슬라이드 번호 개체 틀 1"/>
+          <p:cNvSpPr>
+            <a:spLocks noGrp="1"/>
+          </p:cNvSpPr>
+          <p:nvPr>
+            <p:ph type="sldNum" sz="quarter" idx="12"/>
+          </p:nvPr>
+        </p:nvSpPr>
+        <p:spPr/>
+        <p:txBody>
+          <a:bodyPr/>
+          <a:lstStyle/>
+          <a:p>
+            <a:fld id="{526ADF51-C4A2-4521-899C-87F34FDB9C0A}" type="slidenum">
+              <a:rPr lang="ko-KR" altLang="en-US" smtClean="0"/>
+              <a:pPr/>
+              <a:t>43</a:t>
+            </a:fld>
+            <a:r>
+              <a:rPr lang="en-US" altLang="ko-KR" smtClean="0"/>
+              <a:t>/59</a:t>
+            </a:r>
+            <a:endParaRPr lang="ko-KR" altLang="en-US" dirty="0"/>
           </a:p>
         </p:txBody>
       </p:sp>
@@ -33249,36 +33177,6 @@
           <a:p>
             <a:pPr algn="ctr"/>
             <a:endParaRPr lang="ko-KR" altLang="en-US"/>
-          </a:p>
-        </p:txBody>
-      </p:sp>
-      <p:sp>
-        <p:nvSpPr>
-          <p:cNvPr id="3" name="슬라이드 번호 개체 틀 2">
-            <a:extLst>
-              <a:ext uri="{FF2B5EF4-FFF2-40B4-BE49-F238E27FC236}">
-                <a16:creationId xmlns:a16="http://schemas.microsoft.com/office/drawing/2014/main" id="{A2BD68BA-7B92-41E7-B503-C023CB2A83AA}"/>
-              </a:ext>
-            </a:extLst>
-          </p:cNvPr>
-          <p:cNvSpPr>
-            <a:spLocks noGrp="1"/>
-          </p:cNvSpPr>
-          <p:nvPr>
-            <p:ph type="sldNum" sz="quarter" idx="12"/>
-          </p:nvPr>
-        </p:nvSpPr>
-        <p:spPr/>
-        <p:txBody>
-          <a:bodyPr/>
-          <a:lstStyle/>
-          <a:p>
-            <a:fld id="{526ADF51-C4A2-4521-899C-87F34FDB9C0A}" type="slidenum">
-              <a:rPr lang="ko-KR" altLang="en-US" smtClean="0"/>
-              <a:pPr/>
-              <a:t>44</a:t>
-            </a:fld>
-            <a:endParaRPr lang="ko-KR" altLang="en-US" dirty="0"/>
           </a:p>
         </p:txBody>
       </p:sp>
@@ -33950,6 +33848,34 @@
           </a:fontRef>
         </p:style>
       </p:cxnSp>
+      <p:sp>
+        <p:nvSpPr>
+          <p:cNvPr id="2" name="슬라이드 번호 개체 틀 1"/>
+          <p:cNvSpPr>
+            <a:spLocks noGrp="1"/>
+          </p:cNvSpPr>
+          <p:nvPr>
+            <p:ph type="sldNum" sz="quarter" idx="12"/>
+          </p:nvPr>
+        </p:nvSpPr>
+        <p:spPr/>
+        <p:txBody>
+          <a:bodyPr/>
+          <a:lstStyle/>
+          <a:p>
+            <a:fld id="{526ADF51-C4A2-4521-899C-87F34FDB9C0A}" type="slidenum">
+              <a:rPr lang="ko-KR" altLang="en-US" smtClean="0"/>
+              <a:pPr/>
+              <a:t>44</a:t>
+            </a:fld>
+            <a:r>
+              <a:rPr lang="en-US" altLang="ko-KR" smtClean="0"/>
+              <a:t>/59</a:t>
+            </a:r>
+            <a:endParaRPr lang="ko-KR" altLang="en-US" dirty="0"/>
+          </a:p>
+        </p:txBody>
+      </p:sp>
     </p:spTree>
     <p:extLst>
       <p:ext uri="{BB962C8B-B14F-4D97-AF65-F5344CB8AC3E}">
@@ -34206,36 +34132,6 @@
           </a:p>
         </p:txBody>
       </p:sp>
-      <p:sp>
-        <p:nvSpPr>
-          <p:cNvPr id="6" name="슬라이드 번호 개체 틀 5">
-            <a:extLst>
-              <a:ext uri="{FF2B5EF4-FFF2-40B4-BE49-F238E27FC236}">
-                <a16:creationId xmlns:a16="http://schemas.microsoft.com/office/drawing/2014/main" id="{A7EB257E-54F3-461A-B3BA-D4A09DF4C5A8}"/>
-              </a:ext>
-            </a:extLst>
-          </p:cNvPr>
-          <p:cNvSpPr>
-            <a:spLocks noGrp="1"/>
-          </p:cNvSpPr>
-          <p:nvPr>
-            <p:ph type="sldNum" sz="quarter" idx="12"/>
-          </p:nvPr>
-        </p:nvSpPr>
-        <p:spPr/>
-        <p:txBody>
-          <a:bodyPr/>
-          <a:lstStyle/>
-          <a:p>
-            <a:fld id="{526ADF51-C4A2-4521-899C-87F34FDB9C0A}" type="slidenum">
-              <a:rPr lang="ko-KR" altLang="en-US" smtClean="0"/>
-              <a:pPr/>
-              <a:t>45</a:t>
-            </a:fld>
-            <a:endParaRPr lang="ko-KR" altLang="en-US" dirty="0"/>
-          </a:p>
-        </p:txBody>
-      </p:sp>
       <p:pic>
         <p:nvPicPr>
           <p:cNvPr id="7" name="그림 6">
@@ -34266,6 +34162,34 @@
           </a:prstGeom>
         </p:spPr>
       </p:pic>
+      <p:sp>
+        <p:nvSpPr>
+          <p:cNvPr id="2" name="슬라이드 번호 개체 틀 1"/>
+          <p:cNvSpPr>
+            <a:spLocks noGrp="1"/>
+          </p:cNvSpPr>
+          <p:nvPr>
+            <p:ph type="sldNum" sz="quarter" idx="12"/>
+          </p:nvPr>
+        </p:nvSpPr>
+        <p:spPr/>
+        <p:txBody>
+          <a:bodyPr/>
+          <a:lstStyle/>
+          <a:p>
+            <a:fld id="{526ADF51-C4A2-4521-899C-87F34FDB9C0A}" type="slidenum">
+              <a:rPr lang="ko-KR" altLang="en-US" smtClean="0"/>
+              <a:pPr/>
+              <a:t>45</a:t>
+            </a:fld>
+            <a:r>
+              <a:rPr lang="en-US" altLang="ko-KR" smtClean="0"/>
+              <a:t>/59</a:t>
+            </a:r>
+            <a:endParaRPr lang="ko-KR" altLang="en-US" dirty="0"/>
+          </a:p>
+        </p:txBody>
+      </p:sp>
     </p:spTree>
     <p:extLst>
       <p:ext uri="{BB962C8B-B14F-4D97-AF65-F5344CB8AC3E}">
@@ -35701,13 +35625,7 @@
       </p:cxnSp>
       <p:sp>
         <p:nvSpPr>
-          <p:cNvPr id="6" name="슬라이드 번호 개체 틀 5">
-            <a:extLst>
-              <a:ext uri="{FF2B5EF4-FFF2-40B4-BE49-F238E27FC236}">
-                <a16:creationId xmlns:a16="http://schemas.microsoft.com/office/drawing/2014/main" id="{F213F7ED-7E45-46BA-B02E-57537370AEF5}"/>
-              </a:ext>
-            </a:extLst>
-          </p:cNvPr>
+          <p:cNvPr id="3" name="슬라이드 번호 개체 틀 2"/>
           <p:cNvSpPr>
             <a:spLocks noGrp="1"/>
           </p:cNvSpPr>
@@ -35725,6 +35643,10 @@
               <a:pPr/>
               <a:t>46</a:t>
             </a:fld>
+            <a:r>
+              <a:rPr lang="en-US" altLang="ko-KR" smtClean="0"/>
+              <a:t>/59</a:t>
+            </a:r>
             <a:endParaRPr lang="ko-KR" altLang="en-US" dirty="0"/>
           </a:p>
         </p:txBody>
@@ -36627,13 +36549,7 @@
       </p:sp>
       <p:sp>
         <p:nvSpPr>
-          <p:cNvPr id="6" name="슬라이드 번호 개체 틀 5">
-            <a:extLst>
-              <a:ext uri="{FF2B5EF4-FFF2-40B4-BE49-F238E27FC236}">
-                <a16:creationId xmlns:a16="http://schemas.microsoft.com/office/drawing/2014/main" id="{433771CB-60B2-4835-845F-3151E4004D81}"/>
-              </a:ext>
-            </a:extLst>
-          </p:cNvPr>
+          <p:cNvPr id="3" name="슬라이드 번호 개체 틀 2"/>
           <p:cNvSpPr>
             <a:spLocks noGrp="1"/>
           </p:cNvSpPr>
@@ -36651,6 +36567,10 @@
               <a:pPr/>
               <a:t>47</a:t>
             </a:fld>
+            <a:r>
+              <a:rPr lang="en-US" altLang="ko-KR" smtClean="0"/>
+              <a:t>/59</a:t>
+            </a:r>
             <a:endParaRPr lang="ko-KR" altLang="en-US" dirty="0"/>
           </a:p>
         </p:txBody>
@@ -37136,13 +37056,7 @@
       </p:sp>
       <p:sp>
         <p:nvSpPr>
-          <p:cNvPr id="3" name="슬라이드 번호 개체 틀 2">
-            <a:extLst>
-              <a:ext uri="{FF2B5EF4-FFF2-40B4-BE49-F238E27FC236}">
-                <a16:creationId xmlns:a16="http://schemas.microsoft.com/office/drawing/2014/main" id="{098B7351-7B0C-4622-9321-CD353929C0DD}"/>
-              </a:ext>
-            </a:extLst>
-          </p:cNvPr>
+          <p:cNvPr id="2" name="슬라이드 번호 개체 틀 1"/>
           <p:cNvSpPr>
             <a:spLocks noGrp="1"/>
           </p:cNvSpPr>
@@ -37160,6 +37074,10 @@
               <a:pPr/>
               <a:t>48</a:t>
             </a:fld>
+            <a:r>
+              <a:rPr lang="en-US" altLang="ko-KR" smtClean="0"/>
+              <a:t>/59</a:t>
+            </a:r>
             <a:endParaRPr lang="ko-KR" altLang="en-US" dirty="0"/>
           </a:p>
         </p:txBody>
@@ -37890,13 +37808,7 @@
       </p:sp>
       <p:sp>
         <p:nvSpPr>
-          <p:cNvPr id="3" name="슬라이드 번호 개체 틀 2">
-            <a:extLst>
-              <a:ext uri="{FF2B5EF4-FFF2-40B4-BE49-F238E27FC236}">
-                <a16:creationId xmlns:a16="http://schemas.microsoft.com/office/drawing/2014/main" id="{A4AFD399-B9AE-4997-8D0E-C9CE4DAD007D}"/>
-              </a:ext>
-            </a:extLst>
-          </p:cNvPr>
+          <p:cNvPr id="2" name="슬라이드 번호 개체 틀 1"/>
           <p:cNvSpPr>
             <a:spLocks noGrp="1"/>
           </p:cNvSpPr>
@@ -37914,6 +37826,10 @@
               <a:pPr/>
               <a:t>49</a:t>
             </a:fld>
+            <a:r>
+              <a:rPr lang="en-US" altLang="ko-KR" smtClean="0"/>
+              <a:t>/59</a:t>
+            </a:r>
             <a:endParaRPr lang="ko-KR" altLang="en-US" dirty="0"/>
           </a:p>
         </p:txBody>
@@ -38180,13 +38096,7 @@
       </p:sp>
       <p:sp>
         <p:nvSpPr>
-          <p:cNvPr id="3" name="슬라이드 번호 개체 틀 2">
-            <a:extLst>
-              <a:ext uri="{FF2B5EF4-FFF2-40B4-BE49-F238E27FC236}">
-                <a16:creationId xmlns:a16="http://schemas.microsoft.com/office/drawing/2014/main" id="{68E82403-2058-4ACD-90F8-0A5103065DF6}"/>
-              </a:ext>
-            </a:extLst>
-          </p:cNvPr>
+          <p:cNvPr id="2" name="슬라이드 번호 개체 틀 1"/>
           <p:cNvSpPr>
             <a:spLocks noGrp="1"/>
           </p:cNvSpPr>
@@ -38204,6 +38114,10 @@
               <a:pPr/>
               <a:t>5</a:t>
             </a:fld>
+            <a:r>
+              <a:rPr lang="en-US" altLang="ko-KR" smtClean="0"/>
+              <a:t>/59</a:t>
+            </a:r>
             <a:endParaRPr lang="ko-KR" altLang="en-US" dirty="0"/>
           </a:p>
         </p:txBody>
@@ -38875,13 +38789,7 @@
       </p:sp>
       <p:sp>
         <p:nvSpPr>
-          <p:cNvPr id="3" name="슬라이드 번호 개체 틀 2">
-            <a:extLst>
-              <a:ext uri="{FF2B5EF4-FFF2-40B4-BE49-F238E27FC236}">
-                <a16:creationId xmlns:a16="http://schemas.microsoft.com/office/drawing/2014/main" id="{722D4277-B284-483A-B3D5-DE5723D81C1C}"/>
-              </a:ext>
-            </a:extLst>
-          </p:cNvPr>
+          <p:cNvPr id="2" name="슬라이드 번호 개체 틀 1"/>
           <p:cNvSpPr>
             <a:spLocks noGrp="1"/>
           </p:cNvSpPr>
@@ -38899,6 +38807,10 @@
               <a:pPr/>
               <a:t>50</a:t>
             </a:fld>
+            <a:r>
+              <a:rPr lang="en-US" altLang="ko-KR" smtClean="0"/>
+              <a:t>/59</a:t>
+            </a:r>
             <a:endParaRPr lang="ko-KR" altLang="en-US" dirty="0"/>
           </a:p>
         </p:txBody>
@@ -39706,13 +39618,7 @@
       </p:sp>
       <p:sp>
         <p:nvSpPr>
-          <p:cNvPr id="3" name="슬라이드 번호 개체 틀 2">
-            <a:extLst>
-              <a:ext uri="{FF2B5EF4-FFF2-40B4-BE49-F238E27FC236}">
-                <a16:creationId xmlns:a16="http://schemas.microsoft.com/office/drawing/2014/main" id="{1C872020-3E42-4377-8CC7-09C9FCDB6423}"/>
-              </a:ext>
-            </a:extLst>
-          </p:cNvPr>
+          <p:cNvPr id="2" name="슬라이드 번호 개체 틀 1"/>
           <p:cNvSpPr>
             <a:spLocks noGrp="1"/>
           </p:cNvSpPr>
@@ -39730,6 +39636,10 @@
               <a:pPr/>
               <a:t>51</a:t>
             </a:fld>
+            <a:r>
+              <a:rPr lang="en-US" altLang="ko-KR" smtClean="0"/>
+              <a:t>/59</a:t>
+            </a:r>
             <a:endParaRPr lang="ko-KR" altLang="en-US" dirty="0"/>
           </a:p>
         </p:txBody>
@@ -40277,13 +40187,7 @@
       </p:sp>
       <p:sp>
         <p:nvSpPr>
-          <p:cNvPr id="3" name="슬라이드 번호 개체 틀 2">
-            <a:extLst>
-              <a:ext uri="{FF2B5EF4-FFF2-40B4-BE49-F238E27FC236}">
-                <a16:creationId xmlns:a16="http://schemas.microsoft.com/office/drawing/2014/main" id="{A6779FAC-BB5A-48C4-A3C6-6FB6AFA9349A}"/>
-              </a:ext>
-            </a:extLst>
-          </p:cNvPr>
+          <p:cNvPr id="2" name="슬라이드 번호 개체 틀 1"/>
           <p:cNvSpPr>
             <a:spLocks noGrp="1"/>
           </p:cNvSpPr>
@@ -40301,6 +40205,10 @@
               <a:pPr/>
               <a:t>52</a:t>
             </a:fld>
+            <a:r>
+              <a:rPr lang="en-US" altLang="ko-KR" smtClean="0"/>
+              <a:t>/59</a:t>
+            </a:r>
             <a:endParaRPr lang="ko-KR" altLang="en-US" dirty="0"/>
           </a:p>
         </p:txBody>
@@ -40879,36 +40787,6 @@
                 <a:srgbClr val="FF0000"/>
               </a:solidFill>
             </a:endParaRPr>
-          </a:p>
-        </p:txBody>
-      </p:sp>
-      <p:sp>
-        <p:nvSpPr>
-          <p:cNvPr id="3" name="슬라이드 번호 개체 틀 2">
-            <a:extLst>
-              <a:ext uri="{FF2B5EF4-FFF2-40B4-BE49-F238E27FC236}">
-                <a16:creationId xmlns:a16="http://schemas.microsoft.com/office/drawing/2014/main" id="{A6779FAC-BB5A-48C4-A3C6-6FB6AFA9349A}"/>
-              </a:ext>
-            </a:extLst>
-          </p:cNvPr>
-          <p:cNvSpPr>
-            <a:spLocks noGrp="1"/>
-          </p:cNvSpPr>
-          <p:nvPr>
-            <p:ph type="sldNum" sz="quarter" idx="12"/>
-          </p:nvPr>
-        </p:nvSpPr>
-        <p:spPr/>
-        <p:txBody>
-          <a:bodyPr/>
-          <a:lstStyle/>
-          <a:p>
-            <a:fld id="{526ADF51-C4A2-4521-899C-87F34FDB9C0A}" type="slidenum">
-              <a:rPr lang="ko-KR" altLang="en-US" smtClean="0"/>
-              <a:pPr/>
-              <a:t>53</a:t>
-            </a:fld>
-            <a:endParaRPr lang="ko-KR" altLang="en-US" dirty="0"/>
           </a:p>
         </p:txBody>
       </p:sp>
@@ -41444,6 +41322,34 @@
           </a:fontRef>
         </p:style>
       </p:cxnSp>
+      <p:sp>
+        <p:nvSpPr>
+          <p:cNvPr id="2" name="슬라이드 번호 개체 틀 1"/>
+          <p:cNvSpPr>
+            <a:spLocks noGrp="1"/>
+          </p:cNvSpPr>
+          <p:nvPr>
+            <p:ph type="sldNum" sz="quarter" idx="12"/>
+          </p:nvPr>
+        </p:nvSpPr>
+        <p:spPr/>
+        <p:txBody>
+          <a:bodyPr/>
+          <a:lstStyle/>
+          <a:p>
+            <a:fld id="{526ADF51-C4A2-4521-899C-87F34FDB9C0A}" type="slidenum">
+              <a:rPr lang="ko-KR" altLang="en-US" smtClean="0"/>
+              <a:pPr/>
+              <a:t>53</a:t>
+            </a:fld>
+            <a:r>
+              <a:rPr lang="en-US" altLang="ko-KR" smtClean="0"/>
+              <a:t>/59</a:t>
+            </a:r>
+            <a:endParaRPr lang="ko-KR" altLang="en-US" dirty="0"/>
+          </a:p>
+        </p:txBody>
+      </p:sp>
     </p:spTree>
     <p:extLst>
       <p:ext uri="{BB962C8B-B14F-4D97-AF65-F5344CB8AC3E}">
@@ -42015,36 +41921,6 @@
                 <a:srgbClr val="FF0000"/>
               </a:solidFill>
             </a:endParaRPr>
-          </a:p>
-        </p:txBody>
-      </p:sp>
-      <p:sp>
-        <p:nvSpPr>
-          <p:cNvPr id="3" name="슬라이드 번호 개체 틀 2">
-            <a:extLst>
-              <a:ext uri="{FF2B5EF4-FFF2-40B4-BE49-F238E27FC236}">
-                <a16:creationId xmlns:a16="http://schemas.microsoft.com/office/drawing/2014/main" id="{A6779FAC-BB5A-48C4-A3C6-6FB6AFA9349A}"/>
-              </a:ext>
-            </a:extLst>
-          </p:cNvPr>
-          <p:cNvSpPr>
-            <a:spLocks noGrp="1"/>
-          </p:cNvSpPr>
-          <p:nvPr>
-            <p:ph type="sldNum" sz="quarter" idx="12"/>
-          </p:nvPr>
-        </p:nvSpPr>
-        <p:spPr/>
-        <p:txBody>
-          <a:bodyPr/>
-          <a:lstStyle/>
-          <a:p>
-            <a:fld id="{526ADF51-C4A2-4521-899C-87F34FDB9C0A}" type="slidenum">
-              <a:rPr lang="ko-KR" altLang="en-US" smtClean="0"/>
-              <a:pPr/>
-              <a:t>54</a:t>
-            </a:fld>
-            <a:endParaRPr lang="ko-KR" altLang="en-US" dirty="0"/>
           </a:p>
         </p:txBody>
       </p:sp>
@@ -42547,6 +42423,34 @@
           </a:fontRef>
         </p:style>
       </p:cxnSp>
+      <p:sp>
+        <p:nvSpPr>
+          <p:cNvPr id="2" name="슬라이드 번호 개체 틀 1"/>
+          <p:cNvSpPr>
+            <a:spLocks noGrp="1"/>
+          </p:cNvSpPr>
+          <p:nvPr>
+            <p:ph type="sldNum" sz="quarter" idx="12"/>
+          </p:nvPr>
+        </p:nvSpPr>
+        <p:spPr/>
+        <p:txBody>
+          <a:bodyPr/>
+          <a:lstStyle/>
+          <a:p>
+            <a:fld id="{526ADF51-C4A2-4521-899C-87F34FDB9C0A}" type="slidenum">
+              <a:rPr lang="ko-KR" altLang="en-US" smtClean="0"/>
+              <a:pPr/>
+              <a:t>54</a:t>
+            </a:fld>
+            <a:r>
+              <a:rPr lang="en-US" altLang="ko-KR" smtClean="0"/>
+              <a:t>/59</a:t>
+            </a:r>
+            <a:endParaRPr lang="ko-KR" altLang="en-US" dirty="0"/>
+          </a:p>
+        </p:txBody>
+      </p:sp>
     </p:spTree>
     <p:extLst>
       <p:ext uri="{BB962C8B-B14F-4D97-AF65-F5344CB8AC3E}">
@@ -42962,36 +42866,6 @@
                 <a:srgbClr val="FF0000"/>
               </a:solidFill>
             </a:endParaRPr>
-          </a:p>
-        </p:txBody>
-      </p:sp>
-      <p:sp>
-        <p:nvSpPr>
-          <p:cNvPr id="3" name="슬라이드 번호 개체 틀 2">
-            <a:extLst>
-              <a:ext uri="{FF2B5EF4-FFF2-40B4-BE49-F238E27FC236}">
-                <a16:creationId xmlns:a16="http://schemas.microsoft.com/office/drawing/2014/main" id="{A6779FAC-BB5A-48C4-A3C6-6FB6AFA9349A}"/>
-              </a:ext>
-            </a:extLst>
-          </p:cNvPr>
-          <p:cNvSpPr>
-            <a:spLocks noGrp="1"/>
-          </p:cNvSpPr>
-          <p:nvPr>
-            <p:ph type="sldNum" sz="quarter" idx="12"/>
-          </p:nvPr>
-        </p:nvSpPr>
-        <p:spPr/>
-        <p:txBody>
-          <a:bodyPr/>
-          <a:lstStyle/>
-          <a:p>
-            <a:fld id="{526ADF51-C4A2-4521-899C-87F34FDB9C0A}" type="slidenum">
-              <a:rPr lang="ko-KR" altLang="en-US" smtClean="0"/>
-              <a:pPr/>
-              <a:t>55</a:t>
-            </a:fld>
-            <a:endParaRPr lang="ko-KR" altLang="en-US" dirty="0"/>
           </a:p>
         </p:txBody>
       </p:sp>
@@ -43201,6 +43075,34 @@
           </a:fontRef>
         </p:style>
       </p:cxnSp>
+      <p:sp>
+        <p:nvSpPr>
+          <p:cNvPr id="2" name="슬라이드 번호 개체 틀 1"/>
+          <p:cNvSpPr>
+            <a:spLocks noGrp="1"/>
+          </p:cNvSpPr>
+          <p:nvPr>
+            <p:ph type="sldNum" sz="quarter" idx="12"/>
+          </p:nvPr>
+        </p:nvSpPr>
+        <p:spPr/>
+        <p:txBody>
+          <a:bodyPr/>
+          <a:lstStyle/>
+          <a:p>
+            <a:fld id="{526ADF51-C4A2-4521-899C-87F34FDB9C0A}" type="slidenum">
+              <a:rPr lang="ko-KR" altLang="en-US" smtClean="0"/>
+              <a:pPr/>
+              <a:t>55</a:t>
+            </a:fld>
+            <a:r>
+              <a:rPr lang="en-US" altLang="ko-KR" smtClean="0"/>
+              <a:t>/59</a:t>
+            </a:r>
+            <a:endParaRPr lang="ko-KR" altLang="en-US" dirty="0"/>
+          </a:p>
+        </p:txBody>
+      </p:sp>
     </p:spTree>
     <p:extLst>
       <p:ext uri="{BB962C8B-B14F-4D97-AF65-F5344CB8AC3E}">
@@ -43795,13 +43697,7 @@
       </p:sp>
       <p:sp>
         <p:nvSpPr>
-          <p:cNvPr id="3" name="슬라이드 번호 개체 틀 2">
-            <a:extLst>
-              <a:ext uri="{FF2B5EF4-FFF2-40B4-BE49-F238E27FC236}">
-                <a16:creationId xmlns:a16="http://schemas.microsoft.com/office/drawing/2014/main" id="{A6779FAC-BB5A-48C4-A3C6-6FB6AFA9349A}"/>
-              </a:ext>
-            </a:extLst>
-          </p:cNvPr>
+          <p:cNvPr id="2" name="슬라이드 번호 개체 틀 1"/>
           <p:cNvSpPr>
             <a:spLocks noGrp="1"/>
           </p:cNvSpPr>
@@ -43819,6 +43715,10 @@
               <a:pPr/>
               <a:t>56</a:t>
             </a:fld>
+            <a:r>
+              <a:rPr lang="en-US" altLang="ko-KR" smtClean="0"/>
+              <a:t>/59</a:t>
+            </a:r>
             <a:endParaRPr lang="ko-KR" altLang="en-US" dirty="0"/>
           </a:p>
         </p:txBody>
@@ -43882,36 +43782,6 @@
               <a:rPr lang="ko-KR" altLang="en-US" dirty="0"/>
               <a:t>내용 확인 </a:t>
             </a:r>
-          </a:p>
-        </p:txBody>
-      </p:sp>
-      <p:sp>
-        <p:nvSpPr>
-          <p:cNvPr id="3" name="슬라이드 번호 개체 틀 2">
-            <a:extLst>
-              <a:ext uri="{FF2B5EF4-FFF2-40B4-BE49-F238E27FC236}">
-                <a16:creationId xmlns:a16="http://schemas.microsoft.com/office/drawing/2014/main" id="{02D98C4C-9010-4EC6-8D53-22FDAE71D052}"/>
-              </a:ext>
-            </a:extLst>
-          </p:cNvPr>
-          <p:cNvSpPr>
-            <a:spLocks noGrp="1"/>
-          </p:cNvSpPr>
-          <p:nvPr>
-            <p:ph type="sldNum" sz="quarter" idx="12"/>
-          </p:nvPr>
-        </p:nvSpPr>
-        <p:spPr/>
-        <p:txBody>
-          <a:bodyPr/>
-          <a:lstStyle/>
-          <a:p>
-            <a:fld id="{526ADF51-C4A2-4521-899C-87F34FDB9C0A}" type="slidenum">
-              <a:rPr lang="ko-KR" altLang="en-US" smtClean="0"/>
-              <a:pPr/>
-              <a:t>57</a:t>
-            </a:fld>
-            <a:endParaRPr lang="ko-KR" altLang="en-US" dirty="0"/>
           </a:p>
         </p:txBody>
       </p:sp>
@@ -45293,6 +45163,34 @@
           </a:fontRef>
         </p:style>
       </p:cxnSp>
+      <p:sp>
+        <p:nvSpPr>
+          <p:cNvPr id="2" name="슬라이드 번호 개체 틀 1"/>
+          <p:cNvSpPr>
+            <a:spLocks noGrp="1"/>
+          </p:cNvSpPr>
+          <p:nvPr>
+            <p:ph type="sldNum" sz="quarter" idx="12"/>
+          </p:nvPr>
+        </p:nvSpPr>
+        <p:spPr/>
+        <p:txBody>
+          <a:bodyPr/>
+          <a:lstStyle/>
+          <a:p>
+            <a:fld id="{526ADF51-C4A2-4521-899C-87F34FDB9C0A}" type="slidenum">
+              <a:rPr lang="ko-KR" altLang="en-US" smtClean="0"/>
+              <a:pPr/>
+              <a:t>57</a:t>
+            </a:fld>
+            <a:r>
+              <a:rPr lang="en-US" altLang="ko-KR" smtClean="0"/>
+              <a:t>/59</a:t>
+            </a:r>
+            <a:endParaRPr lang="ko-KR" altLang="en-US" dirty="0"/>
+          </a:p>
+        </p:txBody>
+      </p:sp>
     </p:spTree>
     <p:extLst>
       <p:ext uri="{BB962C8B-B14F-4D97-AF65-F5344CB8AC3E}">
@@ -45694,6 +45592,12 @@
               </a:rPr>
               <a:t>하지 않은 수정한 파일만 저장</a:t>
             </a:r>
+            <a:r>
+              <a:rPr lang="en-US" altLang="ko-KR" dirty="0">
+                <a:latin typeface="+mn-ea"/>
+              </a:rPr>
+              <a:t/>
+            </a:r>
             <a:br>
               <a:rPr lang="en-US" altLang="ko-KR" dirty="0">
                 <a:latin typeface="+mn-ea"/>
@@ -45836,6 +45740,12 @@
                 <a:latin typeface="+mn-ea"/>
               </a:rPr>
               <a:t>을 동시에 수행하는 명령어</a:t>
+            </a:r>
+            <a:r>
+              <a:rPr lang="en-US" altLang="ko-KR" dirty="0">
+                <a:latin typeface="+mn-ea"/>
+              </a:rPr>
+              <a:t/>
             </a:r>
             <a:br>
               <a:rPr lang="en-US" altLang="ko-KR" dirty="0">
@@ -45850,13 +45760,7 @@
       </p:sp>
       <p:sp>
         <p:nvSpPr>
-          <p:cNvPr id="3" name="슬라이드 번호 개체 틀 2">
-            <a:extLst>
-              <a:ext uri="{FF2B5EF4-FFF2-40B4-BE49-F238E27FC236}">
-                <a16:creationId xmlns:a16="http://schemas.microsoft.com/office/drawing/2014/main" id="{BE465CB4-1564-4317-824A-C2A69657AB3D}"/>
-              </a:ext>
-            </a:extLst>
-          </p:cNvPr>
+          <p:cNvPr id="2" name="슬라이드 번호 개체 틀 1"/>
           <p:cNvSpPr>
             <a:spLocks noGrp="1"/>
           </p:cNvSpPr>
@@ -45874,6 +45778,10 @@
               <a:pPr/>
               <a:t>58</a:t>
             </a:fld>
+            <a:r>
+              <a:rPr lang="en-US" altLang="ko-KR" smtClean="0"/>
+              <a:t>/59</a:t>
+            </a:r>
             <a:endParaRPr lang="ko-KR" altLang="en-US" dirty="0"/>
           </a:p>
         </p:txBody>
@@ -46711,6 +46619,12 @@
               </a:buClr>
               <a:buNone/>
             </a:pPr>
+            <a:r>
+              <a:rPr lang="en-US" altLang="ko-KR" dirty="0">
+                <a:latin typeface="+mn-ea"/>
+              </a:rPr>
+              <a:t/>
+            </a:r>
             <a:br>
               <a:rPr lang="en-US" altLang="ko-KR" dirty="0">
                 <a:latin typeface="+mn-ea"/>
@@ -46719,36 +46633,6 @@
             <a:endParaRPr lang="en-US" altLang="ko-KR" dirty="0">
               <a:latin typeface="+mn-ea"/>
             </a:endParaRPr>
-          </a:p>
-        </p:txBody>
-      </p:sp>
-      <p:sp>
-        <p:nvSpPr>
-          <p:cNvPr id="3" name="슬라이드 번호 개체 틀 2">
-            <a:extLst>
-              <a:ext uri="{FF2B5EF4-FFF2-40B4-BE49-F238E27FC236}">
-                <a16:creationId xmlns:a16="http://schemas.microsoft.com/office/drawing/2014/main" id="{BE465CB4-1564-4317-824A-C2A69657AB3D}"/>
-              </a:ext>
-            </a:extLst>
-          </p:cNvPr>
-          <p:cNvSpPr>
-            <a:spLocks noGrp="1"/>
-          </p:cNvSpPr>
-          <p:nvPr>
-            <p:ph type="sldNum" sz="quarter" idx="12"/>
-          </p:nvPr>
-        </p:nvSpPr>
-        <p:spPr/>
-        <p:txBody>
-          <a:bodyPr/>
-          <a:lstStyle/>
-          <a:p>
-            <a:fld id="{526ADF51-C4A2-4521-899C-87F34FDB9C0A}" type="slidenum">
-              <a:rPr lang="ko-KR" altLang="en-US" smtClean="0"/>
-              <a:pPr/>
-              <a:t>59</a:t>
-            </a:fld>
-            <a:endParaRPr lang="ko-KR" altLang="en-US" dirty="0"/>
           </a:p>
         </p:txBody>
       </p:sp>
@@ -46796,6 +46680,34 @@
                 <a:hlinkClick r:id="rId3"/>
               </a:rPr>
               <a:t>devconnected</a:t>
+            </a:r>
+            <a:endParaRPr lang="ko-KR" altLang="en-US" dirty="0"/>
+          </a:p>
+        </p:txBody>
+      </p:sp>
+      <p:sp>
+        <p:nvSpPr>
+          <p:cNvPr id="6" name="슬라이드 번호 개체 틀 5"/>
+          <p:cNvSpPr>
+            <a:spLocks noGrp="1"/>
+          </p:cNvSpPr>
+          <p:nvPr>
+            <p:ph type="sldNum" sz="quarter" idx="12"/>
+          </p:nvPr>
+        </p:nvSpPr>
+        <p:spPr/>
+        <p:txBody>
+          <a:bodyPr/>
+          <a:lstStyle/>
+          <a:p>
+            <a:fld id="{526ADF51-C4A2-4521-899C-87F34FDB9C0A}" type="slidenum">
+              <a:rPr lang="ko-KR" altLang="en-US" smtClean="0"/>
+              <a:pPr/>
+              <a:t>59</a:t>
+            </a:fld>
+            <a:r>
+              <a:rPr lang="en-US" altLang="ko-KR" smtClean="0"/>
+              <a:t>/59</a:t>
             </a:r>
             <a:endParaRPr lang="ko-KR" altLang="en-US" dirty="0"/>
           </a:p>
@@ -47460,13 +47372,7 @@
       </p:sp>
       <p:sp>
         <p:nvSpPr>
-          <p:cNvPr id="6" name="슬라이드 번호 개체 틀 5">
-            <a:extLst>
-              <a:ext uri="{FF2B5EF4-FFF2-40B4-BE49-F238E27FC236}">
-                <a16:creationId xmlns:a16="http://schemas.microsoft.com/office/drawing/2014/main" id="{C8B57623-8CC9-4EC4-87EC-81720F447849}"/>
-              </a:ext>
-            </a:extLst>
-          </p:cNvPr>
+          <p:cNvPr id="2" name="슬라이드 번호 개체 틀 1"/>
           <p:cNvSpPr>
             <a:spLocks noGrp="1"/>
           </p:cNvSpPr>
@@ -47484,6 +47390,10 @@
               <a:pPr/>
               <a:t>6</a:t>
             </a:fld>
+            <a:r>
+              <a:rPr lang="en-US" altLang="ko-KR" smtClean="0"/>
+              <a:t>/59</a:t>
+            </a:r>
             <a:endParaRPr lang="ko-KR" altLang="en-US" dirty="0"/>
           </a:p>
         </p:txBody>
@@ -47583,13 +47493,7 @@
       </p:pic>
       <p:sp>
         <p:nvSpPr>
-          <p:cNvPr id="5" name="슬라이드 번호 개체 틀 4">
-            <a:extLst>
-              <a:ext uri="{FF2B5EF4-FFF2-40B4-BE49-F238E27FC236}">
-                <a16:creationId xmlns:a16="http://schemas.microsoft.com/office/drawing/2014/main" id="{F173C1D3-216A-403A-A8C8-A8FF24D1DB4D}"/>
-              </a:ext>
-            </a:extLst>
-          </p:cNvPr>
+          <p:cNvPr id="2" name="슬라이드 번호 개체 틀 1"/>
           <p:cNvSpPr>
             <a:spLocks noGrp="1"/>
           </p:cNvSpPr>
@@ -47607,6 +47511,10 @@
               <a:pPr/>
               <a:t>60</a:t>
             </a:fld>
+            <a:r>
+              <a:rPr lang="en-US" altLang="ko-KR" smtClean="0"/>
+              <a:t>/59</a:t>
+            </a:r>
             <a:endParaRPr lang="ko-KR" altLang="en-US" dirty="0"/>
           </a:p>
         </p:txBody>
@@ -47676,36 +47584,6 @@
       </p:sp>
       <p:sp>
         <p:nvSpPr>
-          <p:cNvPr id="5" name="슬라이드 번호 개체 틀 4">
-            <a:extLst>
-              <a:ext uri="{FF2B5EF4-FFF2-40B4-BE49-F238E27FC236}">
-                <a16:creationId xmlns:a16="http://schemas.microsoft.com/office/drawing/2014/main" id="{F173C1D3-216A-403A-A8C8-A8FF24D1DB4D}"/>
-              </a:ext>
-            </a:extLst>
-          </p:cNvPr>
-          <p:cNvSpPr>
-            <a:spLocks noGrp="1"/>
-          </p:cNvSpPr>
-          <p:nvPr>
-            <p:ph type="sldNum" sz="quarter" idx="12"/>
-          </p:nvPr>
-        </p:nvSpPr>
-        <p:spPr/>
-        <p:txBody>
-          <a:bodyPr/>
-          <a:lstStyle/>
-          <a:p>
-            <a:fld id="{526ADF51-C4A2-4521-899C-87F34FDB9C0A}" type="slidenum">
-              <a:rPr lang="ko-KR" altLang="en-US" smtClean="0"/>
-              <a:pPr/>
-              <a:t>61</a:t>
-            </a:fld>
-            <a:endParaRPr lang="ko-KR" altLang="en-US" dirty="0"/>
-          </a:p>
-        </p:txBody>
-      </p:sp>
-      <p:sp>
-        <p:nvSpPr>
           <p:cNvPr id="6" name="내용 개체 틀 4">
             <a:extLst>
               <a:ext uri="{FF2B5EF4-FFF2-40B4-BE49-F238E27FC236}">
@@ -48080,6 +47958,34 @@
               </a:rPr>
               <a:t> ☞  git show {commit ID}</a:t>
             </a:r>
+          </a:p>
+        </p:txBody>
+      </p:sp>
+      <p:sp>
+        <p:nvSpPr>
+          <p:cNvPr id="2" name="슬라이드 번호 개체 틀 1"/>
+          <p:cNvSpPr>
+            <a:spLocks noGrp="1"/>
+          </p:cNvSpPr>
+          <p:nvPr>
+            <p:ph type="sldNum" sz="quarter" idx="12"/>
+          </p:nvPr>
+        </p:nvSpPr>
+        <p:spPr/>
+        <p:txBody>
+          <a:bodyPr/>
+          <a:lstStyle/>
+          <a:p>
+            <a:fld id="{526ADF51-C4A2-4521-899C-87F34FDB9C0A}" type="slidenum">
+              <a:rPr lang="ko-KR" altLang="en-US" smtClean="0"/>
+              <a:pPr/>
+              <a:t>61</a:t>
+            </a:fld>
+            <a:r>
+              <a:rPr lang="en-US" altLang="ko-KR" smtClean="0"/>
+              <a:t>/59</a:t>
+            </a:r>
+            <a:endParaRPr lang="ko-KR" altLang="en-US" dirty="0"/>
           </a:p>
         </p:txBody>
       </p:sp>
@@ -48142,36 +48048,6 @@
               <a:rPr lang="en-US" altLang="ko-KR" dirty="0"/>
               <a:t>&amp;</a:t>
             </a:r>
-            <a:endParaRPr lang="ko-KR" altLang="en-US" dirty="0"/>
-          </a:p>
-        </p:txBody>
-      </p:sp>
-      <p:sp>
-        <p:nvSpPr>
-          <p:cNvPr id="5" name="슬라이드 번호 개체 틀 4">
-            <a:extLst>
-              <a:ext uri="{FF2B5EF4-FFF2-40B4-BE49-F238E27FC236}">
-                <a16:creationId xmlns:a16="http://schemas.microsoft.com/office/drawing/2014/main" id="{F173C1D3-216A-403A-A8C8-A8FF24D1DB4D}"/>
-              </a:ext>
-            </a:extLst>
-          </p:cNvPr>
-          <p:cNvSpPr>
-            <a:spLocks noGrp="1"/>
-          </p:cNvSpPr>
-          <p:nvPr>
-            <p:ph type="sldNum" sz="quarter" idx="12"/>
-          </p:nvPr>
-        </p:nvSpPr>
-        <p:spPr/>
-        <p:txBody>
-          <a:bodyPr/>
-          <a:lstStyle/>
-          <a:p>
-            <a:fld id="{526ADF51-C4A2-4521-899C-87F34FDB9C0A}" type="slidenum">
-              <a:rPr lang="ko-KR" altLang="en-US" smtClean="0"/>
-              <a:pPr/>
-              <a:t>62</a:t>
-            </a:fld>
             <a:endParaRPr lang="ko-KR" altLang="en-US" dirty="0"/>
           </a:p>
         </p:txBody>
@@ -48607,6 +48483,34 @@
           </a:prstGeom>
         </p:spPr>
       </p:pic>
+      <p:sp>
+        <p:nvSpPr>
+          <p:cNvPr id="2" name="슬라이드 번호 개체 틀 1"/>
+          <p:cNvSpPr>
+            <a:spLocks noGrp="1"/>
+          </p:cNvSpPr>
+          <p:nvPr>
+            <p:ph type="sldNum" sz="quarter" idx="12"/>
+          </p:nvPr>
+        </p:nvSpPr>
+        <p:spPr/>
+        <p:txBody>
+          <a:bodyPr/>
+          <a:lstStyle/>
+          <a:p>
+            <a:fld id="{526ADF51-C4A2-4521-899C-87F34FDB9C0A}" type="slidenum">
+              <a:rPr lang="ko-KR" altLang="en-US" smtClean="0"/>
+              <a:pPr/>
+              <a:t>62</a:t>
+            </a:fld>
+            <a:r>
+              <a:rPr lang="en-US" altLang="ko-KR" smtClean="0"/>
+              <a:t>/59</a:t>
+            </a:r>
+            <a:endParaRPr lang="ko-KR" altLang="en-US" dirty="0"/>
+          </a:p>
+        </p:txBody>
+      </p:sp>
     </p:spTree>
     <p:extLst>
       <p:ext uri="{BB962C8B-B14F-4D97-AF65-F5344CB8AC3E}">
@@ -49432,36 +49336,6 @@
       </p:sp>
       <p:sp>
         <p:nvSpPr>
-          <p:cNvPr id="3" name="슬라이드 번호 개체 틀 2">
-            <a:extLst>
-              <a:ext uri="{FF2B5EF4-FFF2-40B4-BE49-F238E27FC236}">
-                <a16:creationId xmlns:a16="http://schemas.microsoft.com/office/drawing/2014/main" id="{C50CA565-6DBB-4F8B-91BC-5D5A444CDDAE}"/>
-              </a:ext>
-            </a:extLst>
-          </p:cNvPr>
-          <p:cNvSpPr>
-            <a:spLocks noGrp="1"/>
-          </p:cNvSpPr>
-          <p:nvPr>
-            <p:ph type="sldNum" sz="quarter" idx="12"/>
-          </p:nvPr>
-        </p:nvSpPr>
-        <p:spPr/>
-        <p:txBody>
-          <a:bodyPr/>
-          <a:lstStyle/>
-          <a:p>
-            <a:fld id="{526ADF51-C4A2-4521-899C-87F34FDB9C0A}" type="slidenum">
-              <a:rPr lang="ko-KR" altLang="en-US" smtClean="0"/>
-              <a:pPr/>
-              <a:t>63</a:t>
-            </a:fld>
-            <a:endParaRPr lang="ko-KR" altLang="en-US" dirty="0"/>
-          </a:p>
-        </p:txBody>
-      </p:sp>
-      <p:sp>
-        <p:nvSpPr>
           <p:cNvPr id="7" name="내용 개체 틀 4">
             <a:extLst>
               <a:ext uri="{FF2B5EF4-FFF2-40B4-BE49-F238E27FC236}">
@@ -49692,6 +49566,34 @@
               <a:rPr lang="en-US" altLang="ko-KR" dirty="0"/>
               <a:t> : /c/Users/user</a:t>
             </a:r>
+          </a:p>
+        </p:txBody>
+      </p:sp>
+      <p:sp>
+        <p:nvSpPr>
+          <p:cNvPr id="2" name="슬라이드 번호 개체 틀 1"/>
+          <p:cNvSpPr>
+            <a:spLocks noGrp="1"/>
+          </p:cNvSpPr>
+          <p:nvPr>
+            <p:ph type="sldNum" sz="quarter" idx="12"/>
+          </p:nvPr>
+        </p:nvSpPr>
+        <p:spPr/>
+        <p:txBody>
+          <a:bodyPr/>
+          <a:lstStyle/>
+          <a:p>
+            <a:fld id="{526ADF51-C4A2-4521-899C-87F34FDB9C0A}" type="slidenum">
+              <a:rPr lang="ko-KR" altLang="en-US" smtClean="0"/>
+              <a:pPr/>
+              <a:t>63</a:t>
+            </a:fld>
+            <a:r>
+              <a:rPr lang="en-US" altLang="ko-KR" smtClean="0"/>
+              <a:t>/59</a:t>
+            </a:r>
+            <a:endParaRPr lang="ko-KR" altLang="en-US" dirty="0"/>
           </a:p>
         </p:txBody>
       </p:sp>
@@ -50055,13 +49957,7 @@
       </p:pic>
       <p:sp>
         <p:nvSpPr>
-          <p:cNvPr id="3" name="슬라이드 번호 개체 틀 2">
-            <a:extLst>
-              <a:ext uri="{FF2B5EF4-FFF2-40B4-BE49-F238E27FC236}">
-                <a16:creationId xmlns:a16="http://schemas.microsoft.com/office/drawing/2014/main" id="{68990587-B2DD-45FE-8A72-30FAAF290A9D}"/>
-              </a:ext>
-            </a:extLst>
-          </p:cNvPr>
+          <p:cNvPr id="2" name="슬라이드 번호 개체 틀 1"/>
           <p:cNvSpPr>
             <a:spLocks noGrp="1"/>
           </p:cNvSpPr>
@@ -50079,6 +49975,10 @@
               <a:pPr/>
               <a:t>7</a:t>
             </a:fld>
+            <a:r>
+              <a:rPr lang="en-US" altLang="ko-KR" smtClean="0"/>
+              <a:t>/59</a:t>
+            </a:r>
             <a:endParaRPr lang="ko-KR" altLang="en-US" dirty="0"/>
           </a:p>
         </p:txBody>
@@ -50528,13 +50428,7 @@
       </p:sp>
       <p:sp>
         <p:nvSpPr>
-          <p:cNvPr id="3" name="슬라이드 번호 개체 틀 2">
-            <a:extLst>
-              <a:ext uri="{FF2B5EF4-FFF2-40B4-BE49-F238E27FC236}">
-                <a16:creationId xmlns:a16="http://schemas.microsoft.com/office/drawing/2014/main" id="{576C06D6-1645-4135-B2E6-DA990FDF1455}"/>
-              </a:ext>
-            </a:extLst>
-          </p:cNvPr>
+          <p:cNvPr id="2" name="슬라이드 번호 개체 틀 1"/>
           <p:cNvSpPr>
             <a:spLocks noGrp="1"/>
           </p:cNvSpPr>
@@ -50552,6 +50446,10 @@
               <a:pPr/>
               <a:t>8</a:t>
             </a:fld>
+            <a:r>
+              <a:rPr lang="en-US" altLang="ko-KR" smtClean="0"/>
+              <a:t>/59</a:t>
+            </a:r>
             <a:endParaRPr lang="ko-KR" altLang="en-US" dirty="0"/>
           </a:p>
         </p:txBody>
@@ -50672,7 +50570,7 @@
         </p:spPr>
         <p:txBody>
           <a:bodyPr>
-            <a:normAutofit/>
+            <a:normAutofit fontScale="92500" lnSpcReduction="10000"/>
           </a:bodyPr>
           <a:lstStyle/>
           <a:p>
@@ -50850,13 +50748,7 @@
       </p:sp>
       <p:sp>
         <p:nvSpPr>
-          <p:cNvPr id="7" name="슬라이드 번호 개체 틀 6">
-            <a:extLst>
-              <a:ext uri="{FF2B5EF4-FFF2-40B4-BE49-F238E27FC236}">
-                <a16:creationId xmlns:a16="http://schemas.microsoft.com/office/drawing/2014/main" id="{717467F4-6560-4B7C-BCCB-CC7ECF1F77ED}"/>
-              </a:ext>
-            </a:extLst>
-          </p:cNvPr>
+          <p:cNvPr id="3" name="슬라이드 번호 개체 틀 2"/>
           <p:cNvSpPr>
             <a:spLocks noGrp="1"/>
           </p:cNvSpPr>
@@ -50874,6 +50766,10 @@
               <a:pPr/>
               <a:t>9</a:t>
             </a:fld>
+            <a:r>
+              <a:rPr lang="en-US" altLang="ko-KR" smtClean="0"/>
+              <a:t>/59</a:t>
+            </a:r>
             <a:endParaRPr lang="ko-KR" altLang="en-US" dirty="0"/>
           </a:p>
         </p:txBody>

--- a/git및github첫걸음1-git사용하기.pptx
+++ b/git및github첫걸음1-git사용하기.pptx
@@ -270,7 +270,7 @@
           <a:p>
             <a:fld id="{A17B9194-BDE3-40E3-983E-94CE6FA773AF}" type="datetimeFigureOut">
               <a:rPr lang="ko-KR" altLang="en-US" smtClean="0"/>
-              <a:t>2021-04-15</a:t>
+              <a:t>2021-04-30</a:t>
             </a:fld>
             <a:endParaRPr lang="ko-KR" altLang="en-US"/>
           </a:p>
@@ -7332,7 +7332,7 @@
               <a:t>‹#›</a:t>
             </a:fld>
             <a:r>
-              <a:rPr lang="en-US" altLang="ko-KR" dirty="0" smtClean="0"/>
+              <a:rPr lang="en-US" altLang="ko-KR" dirty="0"/>
               <a:t>/59</a:t>
             </a:r>
             <a:endParaRPr lang="ko-KR" altLang="en-US" dirty="0"/>
@@ -8476,7 +8476,7 @@
               <a:t>10</a:t>
             </a:fld>
             <a:r>
-              <a:rPr lang="en-US" altLang="ko-KR" smtClean="0"/>
+              <a:rPr lang="en-US" altLang="ko-KR"/>
               <a:t>/59</a:t>
             </a:r>
             <a:endParaRPr lang="ko-KR" altLang="en-US" dirty="0"/>
@@ -8839,7 +8839,7 @@
               <a:t>11</a:t>
             </a:fld>
             <a:r>
-              <a:rPr lang="en-US" altLang="ko-KR" smtClean="0"/>
+              <a:rPr lang="en-US" altLang="ko-KR"/>
               <a:t>/59</a:t>
             </a:r>
             <a:endParaRPr lang="ko-KR" altLang="en-US" dirty="0"/>
@@ -9196,7 +9196,7 @@
               <a:t>12</a:t>
             </a:fld>
             <a:r>
-              <a:rPr lang="en-US" altLang="ko-KR" smtClean="0"/>
+              <a:rPr lang="en-US" altLang="ko-KR"/>
               <a:t>/59</a:t>
             </a:r>
             <a:endParaRPr lang="ko-KR" altLang="en-US" dirty="0"/>
@@ -9891,7 +9891,7 @@
               <a:t>13</a:t>
             </a:fld>
             <a:r>
-              <a:rPr lang="en-US" altLang="ko-KR" smtClean="0"/>
+              <a:rPr lang="en-US" altLang="ko-KR"/>
               <a:t>/59</a:t>
             </a:r>
             <a:endParaRPr lang="ko-KR" altLang="en-US" dirty="0"/>
@@ -10581,7 +10581,7 @@
               <a:t>14</a:t>
             </a:fld>
             <a:r>
-              <a:rPr lang="en-US" altLang="ko-KR" smtClean="0"/>
+              <a:rPr lang="en-US" altLang="ko-KR"/>
               <a:t>/59</a:t>
             </a:r>
             <a:endParaRPr lang="ko-KR" altLang="en-US" dirty="0"/>
@@ -11506,7 +11506,7 @@
               <a:t>15</a:t>
             </a:fld>
             <a:r>
-              <a:rPr lang="en-US" altLang="ko-KR" smtClean="0"/>
+              <a:rPr lang="en-US" altLang="ko-KR"/>
               <a:t>/59</a:t>
             </a:r>
             <a:endParaRPr lang="ko-KR" altLang="en-US" dirty="0"/>
@@ -12304,7 +12304,7 @@
               <a:t>16</a:t>
             </a:fld>
             <a:r>
-              <a:rPr lang="en-US" altLang="ko-KR" smtClean="0"/>
+              <a:rPr lang="en-US" altLang="ko-KR"/>
               <a:t>/59</a:t>
             </a:r>
             <a:endParaRPr lang="ko-KR" altLang="en-US" dirty="0"/>
@@ -13942,7 +13942,7 @@
               <a:t>17</a:t>
             </a:fld>
             <a:r>
-              <a:rPr lang="en-US" altLang="ko-KR" smtClean="0"/>
+              <a:rPr lang="en-US" altLang="ko-KR"/>
               <a:t>/59</a:t>
             </a:r>
             <a:endParaRPr lang="ko-KR" altLang="en-US" dirty="0"/>
@@ -14841,7 +14841,7 @@
               <a:t>18</a:t>
             </a:fld>
             <a:r>
-              <a:rPr lang="en-US" altLang="ko-KR" smtClean="0"/>
+              <a:rPr lang="en-US" altLang="ko-KR"/>
               <a:t>/59</a:t>
             </a:r>
             <a:endParaRPr lang="ko-KR" altLang="en-US" dirty="0"/>
@@ -15342,7 +15342,7 @@
               <a:t>19</a:t>
             </a:fld>
             <a:r>
-              <a:rPr lang="en-US" altLang="ko-KR" smtClean="0"/>
+              <a:rPr lang="en-US" altLang="ko-KR"/>
               <a:t>/59</a:t>
             </a:r>
             <a:endParaRPr lang="ko-KR" altLang="en-US" dirty="0"/>
@@ -16116,7 +16116,7 @@
               <a:t>2</a:t>
             </a:fld>
             <a:r>
-              <a:rPr lang="en-US" altLang="ko-KR" smtClean="0"/>
+              <a:rPr lang="en-US" altLang="ko-KR"/>
               <a:t>/59</a:t>
             </a:r>
             <a:endParaRPr lang="ko-KR" altLang="en-US" dirty="0"/>
@@ -16935,7 +16935,7 @@
               <a:t>20</a:t>
             </a:fld>
             <a:r>
-              <a:rPr lang="en-US" altLang="ko-KR" smtClean="0"/>
+              <a:rPr lang="en-US" altLang="ko-KR"/>
               <a:t>/59</a:t>
             </a:r>
             <a:endParaRPr lang="ko-KR" altLang="en-US" dirty="0"/>
@@ -17092,7 +17092,7 @@
               <a:t>21</a:t>
             </a:fld>
             <a:r>
-              <a:rPr lang="en-US" altLang="ko-KR" smtClean="0"/>
+              <a:rPr lang="en-US" altLang="ko-KR"/>
               <a:t>/59</a:t>
             </a:r>
             <a:endParaRPr lang="ko-KR" altLang="en-US" dirty="0"/>
@@ -17840,7 +17840,7 @@
               <a:t>22</a:t>
             </a:fld>
             <a:r>
-              <a:rPr lang="en-US" altLang="ko-KR" smtClean="0"/>
+              <a:rPr lang="en-US" altLang="ko-KR"/>
               <a:t>/59</a:t>
             </a:r>
             <a:endParaRPr lang="ko-KR" altLang="en-US" dirty="0"/>
@@ -18753,7 +18753,7 @@
               <a:t>23</a:t>
             </a:fld>
             <a:r>
-              <a:rPr lang="en-US" altLang="ko-KR" smtClean="0"/>
+              <a:rPr lang="en-US" altLang="ko-KR"/>
               <a:t>/59</a:t>
             </a:r>
             <a:endParaRPr lang="ko-KR" altLang="en-US" dirty="0"/>
@@ -19511,7 +19511,7 @@
               <a:t>24</a:t>
             </a:fld>
             <a:r>
-              <a:rPr lang="en-US" altLang="ko-KR" smtClean="0"/>
+              <a:rPr lang="en-US" altLang="ko-KR"/>
               <a:t>/59</a:t>
             </a:r>
             <a:endParaRPr lang="ko-KR" altLang="en-US" dirty="0"/>
@@ -20403,7 +20403,7 @@
               <a:t>25</a:t>
             </a:fld>
             <a:r>
-              <a:rPr lang="en-US" altLang="ko-KR" smtClean="0"/>
+              <a:rPr lang="en-US" altLang="ko-KR"/>
               <a:t>/59</a:t>
             </a:r>
             <a:endParaRPr lang="ko-KR" altLang="en-US" dirty="0"/>
@@ -20916,7 +20916,7 @@
               <a:t>26</a:t>
             </a:fld>
             <a:r>
-              <a:rPr lang="en-US" altLang="ko-KR" smtClean="0"/>
+              <a:rPr lang="en-US" altLang="ko-KR"/>
               <a:t>/59</a:t>
             </a:r>
             <a:endParaRPr lang="ko-KR" altLang="en-US" dirty="0"/>
@@ -21140,7 +21140,7 @@
               <a:t>27</a:t>
             </a:fld>
             <a:r>
-              <a:rPr lang="en-US" altLang="ko-KR" smtClean="0"/>
+              <a:rPr lang="en-US" altLang="ko-KR"/>
               <a:t>/59</a:t>
             </a:r>
             <a:endParaRPr lang="ko-KR" altLang="en-US" dirty="0"/>
@@ -21851,7 +21851,7 @@
               <a:t>28</a:t>
             </a:fld>
             <a:r>
-              <a:rPr lang="en-US" altLang="ko-KR" smtClean="0"/>
+              <a:rPr lang="en-US" altLang="ko-KR"/>
               <a:t>/59</a:t>
             </a:r>
             <a:endParaRPr lang="ko-KR" altLang="en-US" dirty="0"/>
@@ -22434,7 +22434,7 @@
               <a:t>29</a:t>
             </a:fld>
             <a:r>
-              <a:rPr lang="en-US" altLang="ko-KR" smtClean="0"/>
+              <a:rPr lang="en-US" altLang="ko-KR"/>
               <a:t>/59</a:t>
             </a:r>
             <a:endParaRPr lang="ko-KR" altLang="en-US" dirty="0"/>
@@ -22961,7 +22961,7 @@
               <a:t>3</a:t>
             </a:fld>
             <a:r>
-              <a:rPr lang="en-US" altLang="ko-KR" smtClean="0"/>
+              <a:rPr lang="en-US" altLang="ko-KR"/>
               <a:t>/59</a:t>
             </a:r>
             <a:endParaRPr lang="ko-KR" altLang="en-US" dirty="0"/>
@@ -23460,7 +23460,7 @@
               <a:t>30</a:t>
             </a:fld>
             <a:r>
-              <a:rPr lang="en-US" altLang="ko-KR" smtClean="0"/>
+              <a:rPr lang="en-US" altLang="ko-KR"/>
               <a:t>/59</a:t>
             </a:r>
             <a:endParaRPr lang="ko-KR" altLang="en-US" dirty="0"/>
@@ -24366,7 +24366,7 @@
               <a:t>31</a:t>
             </a:fld>
             <a:r>
-              <a:rPr lang="en-US" altLang="ko-KR" smtClean="0"/>
+              <a:rPr lang="en-US" altLang="ko-KR"/>
               <a:t>/59</a:t>
             </a:r>
             <a:endParaRPr lang="ko-KR" altLang="en-US" dirty="0"/>
@@ -25104,7 +25104,7 @@
               <a:t>32</a:t>
             </a:fld>
             <a:r>
-              <a:rPr lang="en-US" altLang="ko-KR" smtClean="0"/>
+              <a:rPr lang="en-US" altLang="ko-KR"/>
               <a:t>/59</a:t>
             </a:r>
             <a:endParaRPr lang="ko-KR" altLang="en-US" dirty="0"/>
@@ -25727,7 +25727,7 @@
               <a:t>33</a:t>
             </a:fld>
             <a:r>
-              <a:rPr lang="en-US" altLang="ko-KR" smtClean="0"/>
+              <a:rPr lang="en-US" altLang="ko-KR"/>
               <a:t>/59</a:t>
             </a:r>
             <a:endParaRPr lang="ko-KR" altLang="en-US" dirty="0"/>
@@ -26323,7 +26323,7 @@
               <a:t>34</a:t>
             </a:fld>
             <a:r>
-              <a:rPr lang="en-US" altLang="ko-KR" smtClean="0"/>
+              <a:rPr lang="en-US" altLang="ko-KR"/>
               <a:t>/59</a:t>
             </a:r>
             <a:endParaRPr lang="ko-KR" altLang="en-US" dirty="0"/>
@@ -27058,7 +27058,7 @@
               <a:t>35</a:t>
             </a:fld>
             <a:r>
-              <a:rPr lang="en-US" altLang="ko-KR" smtClean="0"/>
+              <a:rPr lang="en-US" altLang="ko-KR"/>
               <a:t>/59</a:t>
             </a:r>
             <a:endParaRPr lang="ko-KR" altLang="en-US" dirty="0"/>
@@ -27720,7 +27720,7 @@
               <a:t>36</a:t>
             </a:fld>
             <a:r>
-              <a:rPr lang="en-US" altLang="ko-KR" smtClean="0"/>
+              <a:rPr lang="en-US" altLang="ko-KR"/>
               <a:t>/59</a:t>
             </a:r>
             <a:endParaRPr lang="ko-KR" altLang="en-US" dirty="0"/>
@@ -28412,7 +28412,7 @@
               <a:t>37</a:t>
             </a:fld>
             <a:r>
-              <a:rPr lang="en-US" altLang="ko-KR" smtClean="0"/>
+              <a:rPr lang="en-US" altLang="ko-KR"/>
               <a:t>/59</a:t>
             </a:r>
             <a:endParaRPr lang="ko-KR" altLang="en-US" dirty="0"/>
@@ -28934,7 +28934,7 @@
               <a:t>38</a:t>
             </a:fld>
             <a:r>
-              <a:rPr lang="en-US" altLang="ko-KR" smtClean="0"/>
+              <a:rPr lang="en-US" altLang="ko-KR"/>
               <a:t>/59</a:t>
             </a:r>
             <a:endParaRPr lang="ko-KR" altLang="en-US" dirty="0"/>
@@ -29542,7 +29542,7 @@
               <a:t>39</a:t>
             </a:fld>
             <a:r>
-              <a:rPr lang="en-US" altLang="ko-KR" smtClean="0"/>
+              <a:rPr lang="en-US" altLang="ko-KR"/>
               <a:t>/59</a:t>
             </a:r>
             <a:endParaRPr lang="ko-KR" altLang="en-US" dirty="0"/>
@@ -29732,7 +29732,7 @@
               <a:t>4</a:t>
             </a:fld>
             <a:r>
-              <a:rPr lang="en-US" altLang="ko-KR" smtClean="0"/>
+              <a:rPr lang="en-US" altLang="ko-KR"/>
               <a:t>/59</a:t>
             </a:r>
             <a:endParaRPr lang="ko-KR" altLang="en-US" dirty="0"/>
@@ -30474,7 +30474,7 @@
               <a:t>40</a:t>
             </a:fld>
             <a:r>
-              <a:rPr lang="en-US" altLang="ko-KR" smtClean="0"/>
+              <a:rPr lang="en-US" altLang="ko-KR"/>
               <a:t>/59</a:t>
             </a:r>
             <a:endParaRPr lang="ko-KR" altLang="en-US" dirty="0"/>
@@ -31202,7 +31202,7 @@
               <a:t>41</a:t>
             </a:fld>
             <a:r>
-              <a:rPr lang="en-US" altLang="ko-KR" smtClean="0"/>
+              <a:rPr lang="en-US" altLang="ko-KR"/>
               <a:t>/59</a:t>
             </a:r>
             <a:endParaRPr lang="ko-KR" altLang="en-US" dirty="0"/>
@@ -31962,7 +31962,7 @@
               <a:t>42</a:t>
             </a:fld>
             <a:r>
-              <a:rPr lang="en-US" altLang="ko-KR" smtClean="0"/>
+              <a:rPr lang="en-US" altLang="ko-KR"/>
               <a:t>/59</a:t>
             </a:r>
             <a:endParaRPr lang="ko-KR" altLang="en-US" dirty="0"/>
@@ -32425,7 +32425,7 @@
               <a:t>43</a:t>
             </a:fld>
             <a:r>
-              <a:rPr lang="en-US" altLang="ko-KR" smtClean="0"/>
+              <a:rPr lang="en-US" altLang="ko-KR"/>
               <a:t>/59</a:t>
             </a:r>
             <a:endParaRPr lang="ko-KR" altLang="en-US" dirty="0"/>
@@ -33869,7 +33869,7 @@
               <a:t>44</a:t>
             </a:fld>
             <a:r>
-              <a:rPr lang="en-US" altLang="ko-KR" smtClean="0"/>
+              <a:rPr lang="en-US" altLang="ko-KR"/>
               <a:t>/59</a:t>
             </a:r>
             <a:endParaRPr lang="ko-KR" altLang="en-US" dirty="0"/>
@@ -34183,7 +34183,7 @@
               <a:t>45</a:t>
             </a:fld>
             <a:r>
-              <a:rPr lang="en-US" altLang="ko-KR" smtClean="0"/>
+              <a:rPr lang="en-US" altLang="ko-KR"/>
               <a:t>/59</a:t>
             </a:r>
             <a:endParaRPr lang="ko-KR" altLang="en-US" dirty="0"/>
@@ -35644,7 +35644,7 @@
               <a:t>46</a:t>
             </a:fld>
             <a:r>
-              <a:rPr lang="en-US" altLang="ko-KR" smtClean="0"/>
+              <a:rPr lang="en-US" altLang="ko-KR"/>
               <a:t>/59</a:t>
             </a:r>
             <a:endParaRPr lang="ko-KR" altLang="en-US" dirty="0"/>
@@ -36304,19 +36304,7 @@
               <a:rPr lang="en-US" altLang="ko-KR" dirty="0">
                 <a:latin typeface="+mn-ea"/>
               </a:rPr>
-              <a:t>   ☞ </a:t>
-            </a:r>
-            <a:r>
-              <a:rPr lang="en-US" altLang="ko-KR" dirty="0" err="1">
-                <a:latin typeface="+mn-ea"/>
-              </a:rPr>
-              <a:t>git</a:t>
-            </a:r>
-            <a:r>
-              <a:rPr lang="en-US" altLang="ko-KR" dirty="0">
-                <a:latin typeface="+mn-ea"/>
-              </a:rPr>
-              <a:t> </a:t>
+              <a:t>   ☞ git </a:t>
             </a:r>
             <a:r>
               <a:rPr lang="en-US" altLang="ko-KR" dirty="0">
@@ -36325,7 +36313,7 @@
                 </a:solidFill>
                 <a:latin typeface="+mn-ea"/>
               </a:rPr>
-              <a:t>branch –d</a:t>
+              <a:t>branch -d</a:t>
             </a:r>
             <a:r>
               <a:rPr lang="en-US" altLang="ko-KR" dirty="0">
@@ -36568,7 +36556,7 @@
               <a:t>47</a:t>
             </a:fld>
             <a:r>
-              <a:rPr lang="en-US" altLang="ko-KR" smtClean="0"/>
+              <a:rPr lang="en-US" altLang="ko-KR"/>
               <a:t>/59</a:t>
             </a:r>
             <a:endParaRPr lang="ko-KR" altLang="en-US" dirty="0"/>
@@ -37075,7 +37063,7 @@
               <a:t>48</a:t>
             </a:fld>
             <a:r>
-              <a:rPr lang="en-US" altLang="ko-KR" smtClean="0"/>
+              <a:rPr lang="en-US" altLang="ko-KR"/>
               <a:t>/59</a:t>
             </a:r>
             <a:endParaRPr lang="ko-KR" altLang="en-US" dirty="0"/>
@@ -37827,7 +37815,7 @@
               <a:t>49</a:t>
             </a:fld>
             <a:r>
-              <a:rPr lang="en-US" altLang="ko-KR" smtClean="0"/>
+              <a:rPr lang="en-US" altLang="ko-KR"/>
               <a:t>/59</a:t>
             </a:r>
             <a:endParaRPr lang="ko-KR" altLang="en-US" dirty="0"/>
@@ -38115,7 +38103,7 @@
               <a:t>5</a:t>
             </a:fld>
             <a:r>
-              <a:rPr lang="en-US" altLang="ko-KR" smtClean="0"/>
+              <a:rPr lang="en-US" altLang="ko-KR"/>
               <a:t>/59</a:t>
             </a:r>
             <a:endParaRPr lang="ko-KR" altLang="en-US" dirty="0"/>
@@ -38808,7 +38796,7 @@
               <a:t>50</a:t>
             </a:fld>
             <a:r>
-              <a:rPr lang="en-US" altLang="ko-KR" smtClean="0"/>
+              <a:rPr lang="en-US" altLang="ko-KR"/>
               <a:t>/59</a:t>
             </a:r>
             <a:endParaRPr lang="ko-KR" altLang="en-US" dirty="0"/>
@@ -39637,7 +39625,7 @@
               <a:t>51</a:t>
             </a:fld>
             <a:r>
-              <a:rPr lang="en-US" altLang="ko-KR" smtClean="0"/>
+              <a:rPr lang="en-US" altLang="ko-KR"/>
               <a:t>/59</a:t>
             </a:r>
             <a:endParaRPr lang="ko-KR" altLang="en-US" dirty="0"/>
@@ -40206,7 +40194,7 @@
               <a:t>52</a:t>
             </a:fld>
             <a:r>
-              <a:rPr lang="en-US" altLang="ko-KR" smtClean="0"/>
+              <a:rPr lang="en-US" altLang="ko-KR"/>
               <a:t>/59</a:t>
             </a:r>
             <a:endParaRPr lang="ko-KR" altLang="en-US" dirty="0"/>
@@ -41343,7 +41331,7 @@
               <a:t>53</a:t>
             </a:fld>
             <a:r>
-              <a:rPr lang="en-US" altLang="ko-KR" smtClean="0"/>
+              <a:rPr lang="en-US" altLang="ko-KR"/>
               <a:t>/59</a:t>
             </a:r>
             <a:endParaRPr lang="ko-KR" altLang="en-US" dirty="0"/>
@@ -42444,7 +42432,7 @@
               <a:t>54</a:t>
             </a:fld>
             <a:r>
-              <a:rPr lang="en-US" altLang="ko-KR" smtClean="0"/>
+              <a:rPr lang="en-US" altLang="ko-KR"/>
               <a:t>/59</a:t>
             </a:r>
             <a:endParaRPr lang="ko-KR" altLang="en-US" dirty="0"/>
@@ -43096,7 +43084,7 @@
               <a:t>55</a:t>
             </a:fld>
             <a:r>
-              <a:rPr lang="en-US" altLang="ko-KR" smtClean="0"/>
+              <a:rPr lang="en-US" altLang="ko-KR"/>
               <a:t>/59</a:t>
             </a:r>
             <a:endParaRPr lang="ko-KR" altLang="en-US" dirty="0"/>
@@ -43716,7 +43704,7 @@
               <a:t>56</a:t>
             </a:fld>
             <a:r>
-              <a:rPr lang="en-US" altLang="ko-KR" smtClean="0"/>
+              <a:rPr lang="en-US" altLang="ko-KR"/>
               <a:t>/59</a:t>
             </a:r>
             <a:endParaRPr lang="ko-KR" altLang="en-US" dirty="0"/>
@@ -45184,7 +45172,7 @@
               <a:t>57</a:t>
             </a:fld>
             <a:r>
-              <a:rPr lang="en-US" altLang="ko-KR" smtClean="0"/>
+              <a:rPr lang="en-US" altLang="ko-KR"/>
               <a:t>/59</a:t>
             </a:r>
             <a:endParaRPr lang="ko-KR" altLang="en-US" dirty="0"/>
@@ -45592,12 +45580,6 @@
               </a:rPr>
               <a:t>하지 않은 수정한 파일만 저장</a:t>
             </a:r>
-            <a:r>
-              <a:rPr lang="en-US" altLang="ko-KR" dirty="0">
-                <a:latin typeface="+mn-ea"/>
-              </a:rPr>
-              <a:t/>
-            </a:r>
             <a:br>
               <a:rPr lang="en-US" altLang="ko-KR" dirty="0">
                 <a:latin typeface="+mn-ea"/>
@@ -45740,12 +45722,6 @@
                 <a:latin typeface="+mn-ea"/>
               </a:rPr>
               <a:t>을 동시에 수행하는 명령어</a:t>
-            </a:r>
-            <a:r>
-              <a:rPr lang="en-US" altLang="ko-KR" dirty="0">
-                <a:latin typeface="+mn-ea"/>
-              </a:rPr>
-              <a:t/>
             </a:r>
             <a:br>
               <a:rPr lang="en-US" altLang="ko-KR" dirty="0">
@@ -45779,7 +45755,7 @@
               <a:t>58</a:t>
             </a:fld>
             <a:r>
-              <a:rPr lang="en-US" altLang="ko-KR" smtClean="0"/>
+              <a:rPr lang="en-US" altLang="ko-KR"/>
               <a:t>/59</a:t>
             </a:r>
             <a:endParaRPr lang="ko-KR" altLang="en-US" dirty="0"/>
@@ -46050,43 +46026,7 @@
                 </a:solidFill>
                 <a:latin typeface="+mn-ea"/>
               </a:rPr>
-              <a:t>    ☞ </a:t>
-            </a:r>
-            <a:r>
-              <a:rPr lang="en-US" altLang="ko-KR" dirty="0" err="1">
-                <a:solidFill>
-                  <a:srgbClr val="333300"/>
-                </a:solidFill>
-                <a:latin typeface="+mn-ea"/>
-              </a:rPr>
-              <a:t>git</a:t>
-            </a:r>
-            <a:r>
-              <a:rPr lang="en-US" altLang="ko-KR" dirty="0">
-                <a:solidFill>
-                  <a:srgbClr val="333300"/>
-                </a:solidFill>
-                <a:latin typeface="+mn-ea"/>
-              </a:rPr>
-              <a:t> commit –m &lt;deleted the file from the </a:t>
-            </a:r>
-            <a:r>
-              <a:rPr lang="en-US" altLang="ko-KR" dirty="0" err="1">
-                <a:solidFill>
-                  <a:srgbClr val="333300"/>
-                </a:solidFill>
-                <a:latin typeface="+mn-ea"/>
-              </a:rPr>
-              <a:t>git</a:t>
-            </a:r>
-            <a:r>
-              <a:rPr lang="en-US" altLang="ko-KR" dirty="0">
-                <a:solidFill>
-                  <a:srgbClr val="333300"/>
-                </a:solidFill>
-                <a:latin typeface="+mn-ea"/>
-              </a:rPr>
-              <a:t> repository’</a:t>
+              <a:t>    ☞ git commit -m &lt;deleted the file from the git repository&gt;</a:t>
             </a:r>
           </a:p>
           <a:p>
@@ -46233,43 +46173,43 @@
                 </a:solidFill>
                 <a:latin typeface="+mn-ea"/>
               </a:rPr>
-              <a:t>     ☞ </a:t>
-            </a:r>
-            <a:r>
-              <a:rPr lang="en-US" altLang="ko-KR" dirty="0" err="1">
+              <a:t>     ☞ git ls-tree -r main</a:t>
+            </a:r>
+          </a:p>
+          <a:p>
+            <a:pPr marL="266700" lvl="1" indent="0">
+              <a:spcBef>
+                <a:spcPts val="0"/>
+              </a:spcBef>
+              <a:spcAft>
+                <a:spcPts val="0"/>
+              </a:spcAft>
+              <a:buClr>
+                <a:schemeClr val="tx1">
+                  <a:lumMod val="50000"/>
+                  <a:lumOff val="50000"/>
+                </a:schemeClr>
+              </a:buClr>
+              <a:buNone/>
+            </a:pPr>
+            <a:r>
+              <a:rPr lang="en-US" altLang="ko-KR" dirty="0">
                 <a:solidFill>
                   <a:srgbClr val="333300"/>
                 </a:solidFill>
                 <a:latin typeface="+mn-ea"/>
               </a:rPr>
-              <a:t>git</a:t>
-            </a:r>
-            <a:r>
-              <a:rPr lang="en-US" altLang="ko-KR" dirty="0">
+              <a:t>Branch</a:t>
+            </a:r>
+            <a:r>
+              <a:rPr lang="ko-KR" altLang="en-US" dirty="0">
                 <a:solidFill>
                   <a:srgbClr val="333300"/>
                 </a:solidFill>
                 <a:latin typeface="+mn-ea"/>
               </a:rPr>
-              <a:t> ls-tree –r main</a:t>
-            </a:r>
-          </a:p>
-          <a:p>
-            <a:pPr marL="266700" lvl="1" indent="0">
-              <a:spcBef>
-                <a:spcPts val="0"/>
-              </a:spcBef>
-              <a:spcAft>
-                <a:spcPts val="0"/>
-              </a:spcAft>
-              <a:buClr>
-                <a:schemeClr val="tx1">
-                  <a:lumMod val="50000"/>
-                  <a:lumOff val="50000"/>
-                </a:schemeClr>
-              </a:buClr>
-              <a:buNone/>
-            </a:pPr>
+              <a:t>에서 삭제할 경우</a:t>
+            </a:r>
             <a:r>
               <a:rPr lang="en-US" altLang="ko-KR" dirty="0">
                 <a:solidFill>
@@ -46277,7 +46217,7 @@
                 </a:solidFill>
                 <a:latin typeface="+mn-ea"/>
               </a:rPr>
-              <a:t>Branch</a:t>
+              <a:t>, main</a:t>
             </a:r>
             <a:r>
               <a:rPr lang="ko-KR" altLang="en-US" dirty="0">
@@ -46286,7 +46226,7 @@
                 </a:solidFill>
                 <a:latin typeface="+mn-ea"/>
               </a:rPr>
-              <a:t>에서 삭제할 경우</a:t>
+              <a:t>에서 같이 삭제될 수 있으니 조심해야 함</a:t>
             </a:r>
             <a:r>
               <a:rPr lang="en-US" altLang="ko-KR" dirty="0">
@@ -46295,8 +46235,25 @@
                 </a:solidFill>
                 <a:latin typeface="+mn-ea"/>
               </a:rPr>
-              <a:t>, main</a:t>
-            </a:r>
+              <a:t>.</a:t>
+            </a:r>
+          </a:p>
+          <a:p>
+            <a:pPr marL="609600" lvl="1" indent="-342900">
+              <a:spcBef>
+                <a:spcPts val="0"/>
+              </a:spcBef>
+              <a:spcAft>
+                <a:spcPts val="0"/>
+              </a:spcAft>
+              <a:buClr>
+                <a:schemeClr val="tx1">
+                  <a:lumMod val="50000"/>
+                  <a:lumOff val="50000"/>
+                </a:schemeClr>
+              </a:buClr>
+              <a:buAutoNum type="arabicPeriod"/>
+            </a:pPr>
             <a:r>
               <a:rPr lang="ko-KR" altLang="en-US" dirty="0">
                 <a:solidFill>
@@ -46304,7 +46261,7 @@
                 </a:solidFill>
                 <a:latin typeface="+mn-ea"/>
               </a:rPr>
-              <a:t>에서 같이 삭제될 수 있으니 조심해야 함</a:t>
+              <a:t>로컬 </a:t>
             </a:r>
             <a:r>
               <a:rPr lang="en-US" altLang="ko-KR" dirty="0">
@@ -46313,25 +46270,8 @@
                 </a:solidFill>
                 <a:latin typeface="+mn-ea"/>
               </a:rPr>
-              <a:t>.</a:t>
-            </a:r>
-          </a:p>
-          <a:p>
-            <a:pPr marL="609600" lvl="1" indent="-342900">
-              <a:spcBef>
-                <a:spcPts val="0"/>
-              </a:spcBef>
-              <a:spcAft>
-                <a:spcPts val="0"/>
-              </a:spcAft>
-              <a:buClr>
-                <a:schemeClr val="tx1">
-                  <a:lumMod val="50000"/>
-                  <a:lumOff val="50000"/>
-                </a:schemeClr>
-              </a:buClr>
-              <a:buAutoNum type="arabicPeriod"/>
-            </a:pPr>
+              <a:t>main → checkout -b → git rm → commit → main </a:t>
+            </a:r>
             <a:r>
               <a:rPr lang="ko-KR" altLang="en-US" dirty="0">
                 <a:solidFill>
@@ -46339,70 +46279,7 @@
                 </a:solidFill>
                 <a:latin typeface="+mn-ea"/>
               </a:rPr>
-              <a:t>로컬 </a:t>
-            </a:r>
-            <a:r>
-              <a:rPr lang="en-US" altLang="ko-KR" dirty="0">
-                <a:solidFill>
-                  <a:srgbClr val="333300"/>
-                </a:solidFill>
-                <a:latin typeface="+mn-ea"/>
-              </a:rPr>
-              <a:t>main -&gt; checkout –b -&gt; </a:t>
-            </a:r>
-            <a:r>
-              <a:rPr lang="en-US" altLang="ko-KR" dirty="0" err="1">
-                <a:solidFill>
-                  <a:srgbClr val="333300"/>
-                </a:solidFill>
-                <a:latin typeface="+mn-ea"/>
-              </a:rPr>
-              <a:t>git</a:t>
-            </a:r>
-            <a:r>
-              <a:rPr lang="en-US" altLang="ko-KR" dirty="0">
-                <a:solidFill>
-                  <a:srgbClr val="333300"/>
-                </a:solidFill>
-                <a:latin typeface="+mn-ea"/>
-              </a:rPr>
-              <a:t> </a:t>
-            </a:r>
-            <a:r>
-              <a:rPr lang="en-US" altLang="ko-KR" dirty="0" err="1">
-                <a:solidFill>
-                  <a:srgbClr val="333300"/>
-                </a:solidFill>
-                <a:latin typeface="+mn-ea"/>
-              </a:rPr>
-              <a:t>rm</a:t>
-            </a:r>
-            <a:r>
-              <a:rPr lang="en-US" altLang="ko-KR" dirty="0">
-                <a:solidFill>
-                  <a:srgbClr val="333300"/>
-                </a:solidFill>
-                <a:latin typeface="+mn-ea"/>
-              </a:rPr>
-              <a:t> -&gt; commit -&gt; main </a:t>
-            </a:r>
-            <a:r>
-              <a:rPr lang="ko-KR" altLang="en-US" dirty="0" err="1">
-                <a:solidFill>
-                  <a:srgbClr val="333300"/>
-                </a:solidFill>
-                <a:latin typeface="+mn-ea"/>
-              </a:rPr>
-              <a:t>파일내용과</a:t>
-            </a:r>
-            <a:r>
-              <a:rPr lang="ko-KR" altLang="en-US" dirty="0">
-                <a:solidFill>
-                  <a:srgbClr val="333300"/>
-                </a:solidFill>
-                <a:latin typeface="+mn-ea"/>
-              </a:rPr>
-              <a:t> 비교</a:t>
+              <a:t>파일 내용과 비교</a:t>
             </a:r>
             <a:endParaRPr lang="en-US" altLang="ko-KR" dirty="0">
               <a:solidFill>
@@ -46453,178 +46330,6 @@
               </a:buClr>
               <a:buNone/>
             </a:pPr>
-            <a:r>
-              <a:rPr lang="ko-KR" altLang="en-US" dirty="0">
-                <a:solidFill>
-                  <a:srgbClr val="333300"/>
-                </a:solidFill>
-                <a:latin typeface="+mn-ea"/>
-              </a:rPr>
-              <a:t>원격으로 파일이 삭제된 </a:t>
-            </a:r>
-            <a:r>
-              <a:rPr lang="ko-KR" altLang="en-US" dirty="0" err="1">
-                <a:solidFill>
-                  <a:srgbClr val="333300"/>
-                </a:solidFill>
-                <a:latin typeface="+mn-ea"/>
-              </a:rPr>
-              <a:t>브랜치를</a:t>
-            </a:r>
-            <a:r>
-              <a:rPr lang="ko-KR" altLang="en-US" dirty="0">
-                <a:solidFill>
-                  <a:srgbClr val="333300"/>
-                </a:solidFill>
-                <a:latin typeface="+mn-ea"/>
-              </a:rPr>
-              <a:t> </a:t>
-            </a:r>
-            <a:r>
-              <a:rPr lang="en-US" altLang="ko-KR" dirty="0">
-                <a:solidFill>
-                  <a:srgbClr val="333300"/>
-                </a:solidFill>
-                <a:latin typeface="+mn-ea"/>
-              </a:rPr>
-              <a:t>push</a:t>
-            </a:r>
-            <a:r>
-              <a:rPr lang="ko-KR" altLang="en-US" dirty="0">
-                <a:solidFill>
-                  <a:srgbClr val="333300"/>
-                </a:solidFill>
-                <a:latin typeface="+mn-ea"/>
-              </a:rPr>
-              <a:t>하고 </a:t>
-            </a:r>
-            <a:r>
-              <a:rPr lang="en-US" altLang="ko-KR" dirty="0">
-                <a:solidFill>
-                  <a:srgbClr val="333300"/>
-                </a:solidFill>
-                <a:latin typeface="+mn-ea"/>
-              </a:rPr>
-              <a:t>main</a:t>
-            </a:r>
-            <a:r>
-              <a:rPr lang="ko-KR" altLang="en-US" dirty="0">
-                <a:solidFill>
-                  <a:srgbClr val="333300"/>
-                </a:solidFill>
-                <a:latin typeface="+mn-ea"/>
-              </a:rPr>
-              <a:t>과 </a:t>
-            </a:r>
-            <a:r>
-              <a:rPr lang="en-US" altLang="ko-KR" dirty="0">
-                <a:solidFill>
-                  <a:srgbClr val="333300"/>
-                </a:solidFill>
-                <a:latin typeface="+mn-ea"/>
-              </a:rPr>
-              <a:t>merge</a:t>
-            </a:r>
-            <a:r>
-              <a:rPr lang="ko-KR" altLang="en-US" dirty="0">
-                <a:solidFill>
-                  <a:srgbClr val="333300"/>
-                </a:solidFill>
-                <a:latin typeface="+mn-ea"/>
-              </a:rPr>
-              <a:t>하면 </a:t>
-            </a:r>
-            <a:r>
-              <a:rPr lang="en-US" altLang="ko-KR" dirty="0">
-                <a:solidFill>
-                  <a:srgbClr val="333300"/>
-                </a:solidFill>
-                <a:latin typeface="+mn-ea"/>
-              </a:rPr>
-              <a:t>main</a:t>
-            </a:r>
-            <a:r>
-              <a:rPr lang="ko-KR" altLang="en-US" dirty="0">
-                <a:solidFill>
-                  <a:srgbClr val="333300"/>
-                </a:solidFill>
-                <a:latin typeface="+mn-ea"/>
-              </a:rPr>
-              <a:t>의 파일이</a:t>
-            </a:r>
-            <a:endParaRPr lang="en-US" altLang="ko-KR" dirty="0">
-              <a:solidFill>
-                <a:srgbClr val="333300"/>
-              </a:solidFill>
-              <a:latin typeface="+mn-ea"/>
-            </a:endParaRPr>
-          </a:p>
-          <a:p>
-            <a:pPr marL="266700" lvl="1" indent="0">
-              <a:spcBef>
-                <a:spcPts val="0"/>
-              </a:spcBef>
-              <a:spcAft>
-                <a:spcPts val="0"/>
-              </a:spcAft>
-              <a:buClr>
-                <a:schemeClr val="tx1">
-                  <a:lumMod val="50000"/>
-                  <a:lumOff val="50000"/>
-                </a:schemeClr>
-              </a:buClr>
-              <a:buNone/>
-            </a:pPr>
-            <a:r>
-              <a:rPr lang="ko-KR" altLang="en-US" dirty="0" err="1">
-                <a:solidFill>
-                  <a:srgbClr val="333300"/>
-                </a:solidFill>
-                <a:latin typeface="+mn-ea"/>
-              </a:rPr>
-              <a:t>브랜치과</a:t>
-            </a:r>
-            <a:r>
-              <a:rPr lang="ko-KR" altLang="en-US" dirty="0">
-                <a:solidFill>
-                  <a:srgbClr val="333300"/>
-                </a:solidFill>
-                <a:latin typeface="+mn-ea"/>
-              </a:rPr>
-              <a:t> 같이 파일이 삭제되어 있음 </a:t>
-            </a:r>
-            <a:r>
-              <a:rPr lang="en-US" altLang="ko-KR" dirty="0">
-                <a:solidFill>
-                  <a:srgbClr val="333300"/>
-                </a:solidFill>
-                <a:latin typeface="+mn-ea"/>
-              </a:rPr>
-              <a:t>?? Cherry-pick?</a:t>
-            </a:r>
-          </a:p>
-          <a:p>
-            <a:pPr marL="266700" lvl="1" indent="0">
-              <a:spcBef>
-                <a:spcPts val="0"/>
-              </a:spcBef>
-              <a:spcAft>
-                <a:spcPts val="0"/>
-              </a:spcAft>
-              <a:buClr>
-                <a:schemeClr val="tx1">
-                  <a:lumMod val="50000"/>
-                  <a:lumOff val="50000"/>
-                </a:schemeClr>
-              </a:buClr>
-              <a:buNone/>
-            </a:pPr>
-            <a:r>
-              <a:rPr lang="en-US" altLang="ko-KR" dirty="0">
-                <a:latin typeface="+mn-ea"/>
-              </a:rPr>
-              <a:t/>
-            </a:r>
             <a:br>
               <a:rPr lang="en-US" altLang="ko-KR" dirty="0">
                 <a:latin typeface="+mn-ea"/>
@@ -46706,7 +46411,7 @@
               <a:t>59</a:t>
             </a:fld>
             <a:r>
-              <a:rPr lang="en-US" altLang="ko-KR" smtClean="0"/>
+              <a:rPr lang="en-US" altLang="ko-KR"/>
               <a:t>/59</a:t>
             </a:r>
             <a:endParaRPr lang="ko-KR" altLang="en-US" dirty="0"/>
@@ -47391,7 +47096,7 @@
               <a:t>6</a:t>
             </a:fld>
             <a:r>
-              <a:rPr lang="en-US" altLang="ko-KR" smtClean="0"/>
+              <a:rPr lang="en-US" altLang="ko-KR"/>
               <a:t>/59</a:t>
             </a:r>
             <a:endParaRPr lang="ko-KR" altLang="en-US" dirty="0"/>
@@ -47512,7 +47217,7 @@
               <a:t>60</a:t>
             </a:fld>
             <a:r>
-              <a:rPr lang="en-US" altLang="ko-KR" smtClean="0"/>
+              <a:rPr lang="en-US" altLang="ko-KR"/>
               <a:t>/59</a:t>
             </a:r>
             <a:endParaRPr lang="ko-KR" altLang="en-US" dirty="0"/>
@@ -47982,7 +47687,7 @@
               <a:t>61</a:t>
             </a:fld>
             <a:r>
-              <a:rPr lang="en-US" altLang="ko-KR" smtClean="0"/>
+              <a:rPr lang="en-US" altLang="ko-KR"/>
               <a:t>/59</a:t>
             </a:r>
             <a:endParaRPr lang="ko-KR" altLang="en-US" dirty="0"/>
@@ -48504,7 +48209,7 @@
               <a:t>62</a:t>
             </a:fld>
             <a:r>
-              <a:rPr lang="en-US" altLang="ko-KR" smtClean="0"/>
+              <a:rPr lang="en-US" altLang="ko-KR"/>
               <a:t>/59</a:t>
             </a:r>
             <a:endParaRPr lang="ko-KR" altLang="en-US" dirty="0"/>
@@ -49590,7 +49295,7 @@
               <a:t>63</a:t>
             </a:fld>
             <a:r>
-              <a:rPr lang="en-US" altLang="ko-KR" smtClean="0"/>
+              <a:rPr lang="en-US" altLang="ko-KR"/>
               <a:t>/59</a:t>
             </a:r>
             <a:endParaRPr lang="ko-KR" altLang="en-US" dirty="0"/>
@@ -49976,7 +49681,7 @@
               <a:t>7</a:t>
             </a:fld>
             <a:r>
-              <a:rPr lang="en-US" altLang="ko-KR" smtClean="0"/>
+              <a:rPr lang="en-US" altLang="ko-KR"/>
               <a:t>/59</a:t>
             </a:r>
             <a:endParaRPr lang="ko-KR" altLang="en-US" dirty="0"/>
@@ -50447,7 +50152,7 @@
               <a:t>8</a:t>
             </a:fld>
             <a:r>
-              <a:rPr lang="en-US" altLang="ko-KR" smtClean="0"/>
+              <a:rPr lang="en-US" altLang="ko-KR"/>
               <a:t>/59</a:t>
             </a:r>
             <a:endParaRPr lang="ko-KR" altLang="en-US" dirty="0"/>
@@ -50570,7 +50275,7 @@
         </p:spPr>
         <p:txBody>
           <a:bodyPr>
-            <a:normAutofit fontScale="92500" lnSpcReduction="10000"/>
+            <a:normAutofit/>
           </a:bodyPr>
           <a:lstStyle/>
           <a:p>
@@ -50767,7 +50472,7 @@
               <a:t>9</a:t>
             </a:fld>
             <a:r>
-              <a:rPr lang="en-US" altLang="ko-KR" smtClean="0"/>
+              <a:rPr lang="en-US" altLang="ko-KR"/>
               <a:t>/59</a:t>
             </a:r>
             <a:endParaRPr lang="ko-KR" altLang="en-US" dirty="0"/>
